--- a/04 Fourth Semester/CSE 2207_Computer Networks/Midterm/Lecture 1 - Basic Networking.pptx
+++ b/04 Fourth Semester/CSE 2207_Computer Networks/Midterm/Lecture 1 - Basic Networking.pptx
@@ -183,14 +183,6 @@
           <pc:docMk/>
           <pc:sldMk cId="1948815503" sldId="276"/>
         </pc:sldMkLst>
-        <pc:cxnChg chg="mod">
-          <ac:chgData name="Md. Nahid Hasan" userId="S::nahid@vu.edu.bd::85ea5f9e-65d6-4031-b810-9415101f2e21" providerId="AD" clId="Web-{49FC5690-91A4-4093-A581-7D656FB17817}" dt="2021-01-12T17:23:14.503" v="0" actId="1076"/>
-          <ac:cxnSpMkLst>
-            <pc:docMk/>
-            <pc:sldMk cId="1948815503" sldId="276"/>
-            <ac:cxnSpMk id="7" creationId="{00000000-0000-0000-0000-000000000000}"/>
-          </ac:cxnSpMkLst>
-        </pc:cxnChg>
       </pc:sldChg>
     </pc:docChg>
   </pc:docChgLst>
@@ -207,182 +199,6 @@
           <pc:docMk/>
           <pc:sldMk cId="4165610547" sldId="260"/>
         </pc:sldMkLst>
-        <pc:inkChg chg="add">
-          <ac:chgData name="Md. Nahid Hasan" userId="S::nahid@vu.edu.bd::85ea5f9e-65d6-4031-b810-9415101f2e21" providerId="AD" clId="Web-{F0E2ADE9-3750-4361-9C94-74FC935C4F87}" dt="2020-07-07T04:43:36.504" v="7"/>
-          <ac:inkMkLst>
-            <pc:docMk/>
-            <pc:sldMk cId="4165610547" sldId="260"/>
-            <ac:inkMk id="2" creationId="{EE1B39C8-F79C-4C04-83EF-F5FE8F3169E3}"/>
-          </ac:inkMkLst>
-        </pc:inkChg>
-        <pc:inkChg chg="add">
-          <ac:chgData name="Md. Nahid Hasan" userId="S::nahid@vu.edu.bd::85ea5f9e-65d6-4031-b810-9415101f2e21" providerId="AD" clId="Web-{F0E2ADE9-3750-4361-9C94-74FC935C4F87}" dt="2020-07-07T04:43:37.848" v="8"/>
-          <ac:inkMkLst>
-            <pc:docMk/>
-            <pc:sldMk cId="4165610547" sldId="260"/>
-            <ac:inkMk id="4" creationId="{39E7A1C6-29D2-4FE0-8112-13C85235A6FB}"/>
-          </ac:inkMkLst>
-        </pc:inkChg>
-        <pc:inkChg chg="add">
-          <ac:chgData name="Md. Nahid Hasan" userId="S::nahid@vu.edu.bd::85ea5f9e-65d6-4031-b810-9415101f2e21" providerId="AD" clId="Web-{F0E2ADE9-3750-4361-9C94-74FC935C4F87}" dt="2020-07-07T04:43:39.333" v="9"/>
-          <ac:inkMkLst>
-            <pc:docMk/>
-            <pc:sldMk cId="4165610547" sldId="260"/>
-            <ac:inkMk id="5" creationId="{89AF7A13-072B-481E-B1D4-B6405C1A75C9}"/>
-          </ac:inkMkLst>
-        </pc:inkChg>
-        <pc:inkChg chg="add">
-          <ac:chgData name="Md. Nahid Hasan" userId="S::nahid@vu.edu.bd::85ea5f9e-65d6-4031-b810-9415101f2e21" providerId="AD" clId="Web-{F0E2ADE9-3750-4361-9C94-74FC935C4F87}" dt="2020-07-07T04:43:40.489" v="10"/>
-          <ac:inkMkLst>
-            <pc:docMk/>
-            <pc:sldMk cId="4165610547" sldId="260"/>
-            <ac:inkMk id="6" creationId="{7BD3F413-76E2-4B68-8E05-8AB6603DDF93}"/>
-          </ac:inkMkLst>
-        </pc:inkChg>
-        <pc:inkChg chg="add">
-          <ac:chgData name="Md. Nahid Hasan" userId="S::nahid@vu.edu.bd::85ea5f9e-65d6-4031-b810-9415101f2e21" providerId="AD" clId="Web-{F0E2ADE9-3750-4361-9C94-74FC935C4F87}" dt="2020-07-07T04:43:41.176" v="11"/>
-          <ac:inkMkLst>
-            <pc:docMk/>
-            <pc:sldMk cId="4165610547" sldId="260"/>
-            <ac:inkMk id="7" creationId="{6525B5DE-1E1A-4A98-BE95-27B0AA72237A}"/>
-          </ac:inkMkLst>
-        </pc:inkChg>
-        <pc:inkChg chg="add">
-          <ac:chgData name="Md. Nahid Hasan" userId="S::nahid@vu.edu.bd::85ea5f9e-65d6-4031-b810-9415101f2e21" providerId="AD" clId="Web-{F0E2ADE9-3750-4361-9C94-74FC935C4F87}" dt="2020-07-07T04:43:42.707" v="12"/>
-          <ac:inkMkLst>
-            <pc:docMk/>
-            <pc:sldMk cId="4165610547" sldId="260"/>
-            <ac:inkMk id="8" creationId="{17D3AFD1-6F67-48BA-8488-25C90169DD37}"/>
-          </ac:inkMkLst>
-        </pc:inkChg>
-        <pc:inkChg chg="add">
-          <ac:chgData name="Md. Nahid Hasan" userId="S::nahid@vu.edu.bd::85ea5f9e-65d6-4031-b810-9415101f2e21" providerId="AD" clId="Web-{F0E2ADE9-3750-4361-9C94-74FC935C4F87}" dt="2020-07-07T04:44:23.770" v="13"/>
-          <ac:inkMkLst>
-            <pc:docMk/>
-            <pc:sldMk cId="4165610547" sldId="260"/>
-            <ac:inkMk id="9" creationId="{CF3375E5-B78B-4E83-AFB0-5F6804D0D337}"/>
-          </ac:inkMkLst>
-        </pc:inkChg>
-        <pc:inkChg chg="add">
-          <ac:chgData name="Md. Nahid Hasan" userId="S::nahid@vu.edu.bd::85ea5f9e-65d6-4031-b810-9415101f2e21" providerId="AD" clId="Web-{F0E2ADE9-3750-4361-9C94-74FC935C4F87}" dt="2020-07-07T04:44:38.098" v="14"/>
-          <ac:inkMkLst>
-            <pc:docMk/>
-            <pc:sldMk cId="4165610547" sldId="260"/>
-            <ac:inkMk id="10" creationId="{5183A7D3-C576-456B-AA01-839CF73E3473}"/>
-          </ac:inkMkLst>
-        </pc:inkChg>
-        <pc:inkChg chg="add">
-          <ac:chgData name="Md. Nahid Hasan" userId="S::nahid@vu.edu.bd::85ea5f9e-65d6-4031-b810-9415101f2e21" providerId="AD" clId="Web-{F0E2ADE9-3750-4361-9C94-74FC935C4F87}" dt="2020-07-07T04:44:39.708" v="15"/>
-          <ac:inkMkLst>
-            <pc:docMk/>
-            <pc:sldMk cId="4165610547" sldId="260"/>
-            <ac:inkMk id="11" creationId="{0E5EFA12-39D5-4A13-B919-2F30B6A3CBE2}"/>
-          </ac:inkMkLst>
-        </pc:inkChg>
-        <pc:inkChg chg="add">
-          <ac:chgData name="Md. Nahid Hasan" userId="S::nahid@vu.edu.bd::85ea5f9e-65d6-4031-b810-9415101f2e21" providerId="AD" clId="Web-{F0E2ADE9-3750-4361-9C94-74FC935C4F87}" dt="2020-07-07T04:44:40.692" v="16"/>
-          <ac:inkMkLst>
-            <pc:docMk/>
-            <pc:sldMk cId="4165610547" sldId="260"/>
-            <ac:inkMk id="12" creationId="{B592C8A4-D7C1-41CD-A03B-D3D2052304E1}"/>
-          </ac:inkMkLst>
-        </pc:inkChg>
-        <pc:inkChg chg="add">
-          <ac:chgData name="Md. Nahid Hasan" userId="S::nahid@vu.edu.bd::85ea5f9e-65d6-4031-b810-9415101f2e21" providerId="AD" clId="Web-{F0E2ADE9-3750-4361-9C94-74FC935C4F87}" dt="2020-07-07T04:44:42.239" v="17"/>
-          <ac:inkMkLst>
-            <pc:docMk/>
-            <pc:sldMk cId="4165610547" sldId="260"/>
-            <ac:inkMk id="13" creationId="{BC33C310-B3EF-45B4-B806-82F9012CA7A8}"/>
-          </ac:inkMkLst>
-        </pc:inkChg>
-        <pc:inkChg chg="add">
-          <ac:chgData name="Md. Nahid Hasan" userId="S::nahid@vu.edu.bd::85ea5f9e-65d6-4031-b810-9415101f2e21" providerId="AD" clId="Web-{F0E2ADE9-3750-4361-9C94-74FC935C4F87}" dt="2020-07-07T04:44:44.614" v="18"/>
-          <ac:inkMkLst>
-            <pc:docMk/>
-            <pc:sldMk cId="4165610547" sldId="260"/>
-            <ac:inkMk id="14" creationId="{2EFD42BC-7713-4178-8876-BC91C3C2CC05}"/>
-          </ac:inkMkLst>
-        </pc:inkChg>
-        <pc:inkChg chg="add">
-          <ac:chgData name="Md. Nahid Hasan" userId="S::nahid@vu.edu.bd::85ea5f9e-65d6-4031-b810-9415101f2e21" providerId="AD" clId="Web-{F0E2ADE9-3750-4361-9C94-74FC935C4F87}" dt="2020-07-07T04:44:46.598" v="19"/>
-          <ac:inkMkLst>
-            <pc:docMk/>
-            <pc:sldMk cId="4165610547" sldId="260"/>
-            <ac:inkMk id="15" creationId="{B9740821-41AB-46ED-A012-A1E4DE22A557}"/>
-          </ac:inkMkLst>
-        </pc:inkChg>
-        <pc:inkChg chg="add">
-          <ac:chgData name="Md. Nahid Hasan" userId="S::nahid@vu.edu.bd::85ea5f9e-65d6-4031-b810-9415101f2e21" providerId="AD" clId="Web-{F0E2ADE9-3750-4361-9C94-74FC935C4F87}" dt="2020-07-07T04:44:49.254" v="20"/>
-          <ac:inkMkLst>
-            <pc:docMk/>
-            <pc:sldMk cId="4165610547" sldId="260"/>
-            <ac:inkMk id="16" creationId="{C884148B-601F-40C4-BA4A-86B8CBE2D469}"/>
-          </ac:inkMkLst>
-        </pc:inkChg>
-        <pc:inkChg chg="add">
-          <ac:chgData name="Md. Nahid Hasan" userId="S::nahid@vu.edu.bd::85ea5f9e-65d6-4031-b810-9415101f2e21" providerId="AD" clId="Web-{F0E2ADE9-3750-4361-9C94-74FC935C4F87}" dt="2020-07-07T04:44:52.879" v="21"/>
-          <ac:inkMkLst>
-            <pc:docMk/>
-            <pc:sldMk cId="4165610547" sldId="260"/>
-            <ac:inkMk id="17" creationId="{F0CDA16D-2DE3-46FC-AD68-065ADDE1ACCE}"/>
-          </ac:inkMkLst>
-        </pc:inkChg>
-        <pc:inkChg chg="add">
-          <ac:chgData name="Md. Nahid Hasan" userId="S::nahid@vu.edu.bd::85ea5f9e-65d6-4031-b810-9415101f2e21" providerId="AD" clId="Web-{F0E2ADE9-3750-4361-9C94-74FC935C4F87}" dt="2020-07-07T04:44:53.958" v="22"/>
-          <ac:inkMkLst>
-            <pc:docMk/>
-            <pc:sldMk cId="4165610547" sldId="260"/>
-            <ac:inkMk id="18" creationId="{5D2C4C0D-709C-4E6A-AF20-EBB2A8C41167}"/>
-          </ac:inkMkLst>
-        </pc:inkChg>
-        <pc:inkChg chg="add">
-          <ac:chgData name="Md. Nahid Hasan" userId="S::nahid@vu.edu.bd::85ea5f9e-65d6-4031-b810-9415101f2e21" providerId="AD" clId="Web-{F0E2ADE9-3750-4361-9C94-74FC935C4F87}" dt="2020-07-07T04:44:59.614" v="23"/>
-          <ac:inkMkLst>
-            <pc:docMk/>
-            <pc:sldMk cId="4165610547" sldId="260"/>
-            <ac:inkMk id="19" creationId="{38F8001B-D73B-439E-AF06-E4A7C41CB672}"/>
-          </ac:inkMkLst>
-        </pc:inkChg>
-        <pc:inkChg chg="add">
-          <ac:chgData name="Md. Nahid Hasan" userId="S::nahid@vu.edu.bd::85ea5f9e-65d6-4031-b810-9415101f2e21" providerId="AD" clId="Web-{F0E2ADE9-3750-4361-9C94-74FC935C4F87}" dt="2020-07-07T04:45:02.083" v="24"/>
-          <ac:inkMkLst>
-            <pc:docMk/>
-            <pc:sldMk cId="4165610547" sldId="260"/>
-            <ac:inkMk id="20" creationId="{0E57371E-FAD3-4AD5-9809-AD5A769BCD4E}"/>
-          </ac:inkMkLst>
-        </pc:inkChg>
-        <pc:inkChg chg="add">
-          <ac:chgData name="Md. Nahid Hasan" userId="S::nahid@vu.edu.bd::85ea5f9e-65d6-4031-b810-9415101f2e21" providerId="AD" clId="Web-{F0E2ADE9-3750-4361-9C94-74FC935C4F87}" dt="2020-07-07T04:45:03.364" v="25"/>
-          <ac:inkMkLst>
-            <pc:docMk/>
-            <pc:sldMk cId="4165610547" sldId="260"/>
-            <ac:inkMk id="21" creationId="{5680FCE2-AF61-43E0-9CFE-31D5D764D6B8}"/>
-          </ac:inkMkLst>
-        </pc:inkChg>
-        <pc:inkChg chg="add">
-          <ac:chgData name="Md. Nahid Hasan" userId="S::nahid@vu.edu.bd::85ea5f9e-65d6-4031-b810-9415101f2e21" providerId="AD" clId="Web-{F0E2ADE9-3750-4361-9C94-74FC935C4F87}" dt="2020-07-07T04:45:04.380" v="26"/>
-          <ac:inkMkLst>
-            <pc:docMk/>
-            <pc:sldMk cId="4165610547" sldId="260"/>
-            <ac:inkMk id="22" creationId="{A247F2F1-84EC-4385-8DA5-D328B169E710}"/>
-          </ac:inkMkLst>
-        </pc:inkChg>
-        <pc:inkChg chg="add">
-          <ac:chgData name="Md. Nahid Hasan" userId="S::nahid@vu.edu.bd::85ea5f9e-65d6-4031-b810-9415101f2e21" providerId="AD" clId="Web-{F0E2ADE9-3750-4361-9C94-74FC935C4F87}" dt="2020-07-07T04:45:05.739" v="27"/>
-          <ac:inkMkLst>
-            <pc:docMk/>
-            <pc:sldMk cId="4165610547" sldId="260"/>
-            <ac:inkMk id="23" creationId="{949F81F7-F5B5-4104-B6A3-379539D518CD}"/>
-          </ac:inkMkLst>
-        </pc:inkChg>
-        <pc:inkChg chg="add">
-          <ac:chgData name="Md. Nahid Hasan" userId="S::nahid@vu.edu.bd::85ea5f9e-65d6-4031-b810-9415101f2e21" providerId="AD" clId="Web-{F0E2ADE9-3750-4361-9C94-74FC935C4F87}" dt="2020-07-07T04:45:15.911" v="28"/>
-          <ac:inkMkLst>
-            <pc:docMk/>
-            <pc:sldMk cId="4165610547" sldId="260"/>
-            <ac:inkMk id="24" creationId="{585FCE46-00BA-424E-A12A-8ECB1327E006}"/>
-          </ac:inkMkLst>
-        </pc:inkChg>
       </pc:sldChg>
       <pc:sldChg chg="addSp">
         <pc:chgData name="Md. Nahid Hasan" userId="S::nahid@vu.edu.bd::85ea5f9e-65d6-4031-b810-9415101f2e21" providerId="AD" clId="Web-{F0E2ADE9-3750-4361-9C94-74FC935C4F87}" dt="2020-07-07T04:46:33.036" v="37"/>
@@ -390,78 +206,6 @@
           <pc:docMk/>
           <pc:sldMk cId="4053465405" sldId="261"/>
         </pc:sldMkLst>
-        <pc:inkChg chg="add">
-          <ac:chgData name="Md. Nahid Hasan" userId="S::nahid@vu.edu.bd::85ea5f9e-65d6-4031-b810-9415101f2e21" providerId="AD" clId="Web-{F0E2ADE9-3750-4361-9C94-74FC935C4F87}" dt="2020-07-07T04:46:12.817" v="29"/>
-          <ac:inkMkLst>
-            <pc:docMk/>
-            <pc:sldMk cId="4053465405" sldId="261"/>
-            <ac:inkMk id="2" creationId="{C0B2627B-CB7F-4593-9F61-E00B040713C6}"/>
-          </ac:inkMkLst>
-        </pc:inkChg>
-        <pc:inkChg chg="add">
-          <ac:chgData name="Md. Nahid Hasan" userId="S::nahid@vu.edu.bd::85ea5f9e-65d6-4031-b810-9415101f2e21" providerId="AD" clId="Web-{F0E2ADE9-3750-4361-9C94-74FC935C4F87}" dt="2020-07-07T04:46:13.817" v="30"/>
-          <ac:inkMkLst>
-            <pc:docMk/>
-            <pc:sldMk cId="4053465405" sldId="261"/>
-            <ac:inkMk id="4" creationId="{33AEE101-4184-4D13-A17A-6B06CDB0BFCF}"/>
-          </ac:inkMkLst>
-        </pc:inkChg>
-        <pc:inkChg chg="add">
-          <ac:chgData name="Md. Nahid Hasan" userId="S::nahid@vu.edu.bd::85ea5f9e-65d6-4031-b810-9415101f2e21" providerId="AD" clId="Web-{F0E2ADE9-3750-4361-9C94-74FC935C4F87}" dt="2020-07-07T04:46:14.989" v="31"/>
-          <ac:inkMkLst>
-            <pc:docMk/>
-            <pc:sldMk cId="4053465405" sldId="261"/>
-            <ac:inkMk id="5" creationId="{D200B669-CABB-43A4-AA65-9E980B2179DC}"/>
-          </ac:inkMkLst>
-        </pc:inkChg>
-        <pc:inkChg chg="add">
-          <ac:chgData name="Md. Nahid Hasan" userId="S::nahid@vu.edu.bd::85ea5f9e-65d6-4031-b810-9415101f2e21" providerId="AD" clId="Web-{F0E2ADE9-3750-4361-9C94-74FC935C4F87}" dt="2020-07-07T04:46:16.223" v="32"/>
-          <ac:inkMkLst>
-            <pc:docMk/>
-            <pc:sldMk cId="4053465405" sldId="261"/>
-            <ac:inkMk id="6" creationId="{9135599D-59CE-4664-B71D-510A153290FE}"/>
-          </ac:inkMkLst>
-        </pc:inkChg>
-        <pc:inkChg chg="add">
-          <ac:chgData name="Md. Nahid Hasan" userId="S::nahid@vu.edu.bd::85ea5f9e-65d6-4031-b810-9415101f2e21" providerId="AD" clId="Web-{F0E2ADE9-3750-4361-9C94-74FC935C4F87}" dt="2020-07-07T04:46:18.567" v="33"/>
-          <ac:inkMkLst>
-            <pc:docMk/>
-            <pc:sldMk cId="4053465405" sldId="261"/>
-            <ac:inkMk id="7" creationId="{A8990B1D-E0FB-4072-9645-CBF3E3ED8475}"/>
-          </ac:inkMkLst>
-        </pc:inkChg>
-        <pc:inkChg chg="add">
-          <ac:chgData name="Md. Nahid Hasan" userId="S::nahid@vu.edu.bd::85ea5f9e-65d6-4031-b810-9415101f2e21" providerId="AD" clId="Web-{F0E2ADE9-3750-4361-9C94-74FC935C4F87}" dt="2020-07-07T04:46:19.614" v="34"/>
-          <ac:inkMkLst>
-            <pc:docMk/>
-            <pc:sldMk cId="4053465405" sldId="261"/>
-            <ac:inkMk id="8" creationId="{5BFBE72F-0787-415A-A38A-F1456CE62FE9}"/>
-          </ac:inkMkLst>
-        </pc:inkChg>
-        <pc:inkChg chg="add">
-          <ac:chgData name="Md. Nahid Hasan" userId="S::nahid@vu.edu.bd::85ea5f9e-65d6-4031-b810-9415101f2e21" providerId="AD" clId="Web-{F0E2ADE9-3750-4361-9C94-74FC935C4F87}" dt="2020-07-07T04:46:21.192" v="35"/>
-          <ac:inkMkLst>
-            <pc:docMk/>
-            <pc:sldMk cId="4053465405" sldId="261"/>
-            <ac:inkMk id="9" creationId="{E5B95921-B4AC-4B89-9CE6-8B40D0424496}"/>
-          </ac:inkMkLst>
-        </pc:inkChg>
-        <pc:inkChg chg="add">
-          <ac:chgData name="Md. Nahid Hasan" userId="S::nahid@vu.edu.bd::85ea5f9e-65d6-4031-b810-9415101f2e21" providerId="AD" clId="Web-{F0E2ADE9-3750-4361-9C94-74FC935C4F87}" dt="2020-07-07T04:46:22.739" v="36"/>
-          <ac:inkMkLst>
-            <pc:docMk/>
-            <pc:sldMk cId="4053465405" sldId="261"/>
-            <ac:inkMk id="10" creationId="{EB83E8EF-EA3C-477B-A65F-708177153DA6}"/>
-          </ac:inkMkLst>
-        </pc:inkChg>
-        <pc:inkChg chg="add">
-          <ac:chgData name="Md. Nahid Hasan" userId="S::nahid@vu.edu.bd::85ea5f9e-65d6-4031-b810-9415101f2e21" providerId="AD" clId="Web-{F0E2ADE9-3750-4361-9C94-74FC935C4F87}" dt="2020-07-07T04:46:33.036" v="37"/>
-          <ac:inkMkLst>
-            <pc:docMk/>
-            <pc:sldMk cId="4053465405" sldId="261"/>
-            <ac:inkMk id="11" creationId="{F0ED11CC-654D-44A2-B9FD-1122BB9F84DD}"/>
-          </ac:inkMkLst>
-        </pc:inkChg>
       </pc:sldChg>
       <pc:sldChg chg="addSp">
         <pc:chgData name="Md. Nahid Hasan" userId="S::nahid@vu.edu.bd::85ea5f9e-65d6-4031-b810-9415101f2e21" providerId="AD" clId="Web-{F0E2ADE9-3750-4361-9C94-74FC935C4F87}" dt="2020-07-07T05:29:28.367" v="348"/>
@@ -469,182 +213,6 @@
           <pc:docMk/>
           <pc:sldMk cId="3296607060" sldId="269"/>
         </pc:sldMkLst>
-        <pc:inkChg chg="add">
-          <ac:chgData name="Md. Nahid Hasan" userId="S::nahid@vu.edu.bd::85ea5f9e-65d6-4031-b810-9415101f2e21" providerId="AD" clId="Web-{F0E2ADE9-3750-4361-9C94-74FC935C4F87}" dt="2020-07-07T05:23:43.320" v="327"/>
-          <ac:inkMkLst>
-            <pc:docMk/>
-            <pc:sldMk cId="3296607060" sldId="269"/>
-            <ac:inkMk id="2" creationId="{1FD0F4E8-B72F-4407-8782-3118AD923229}"/>
-          </ac:inkMkLst>
-        </pc:inkChg>
-        <pc:inkChg chg="add">
-          <ac:chgData name="Md. Nahid Hasan" userId="S::nahid@vu.edu.bd::85ea5f9e-65d6-4031-b810-9415101f2e21" providerId="AD" clId="Web-{F0E2ADE9-3750-4361-9C94-74FC935C4F87}" dt="2020-07-07T05:23:45.070" v="328"/>
-          <ac:inkMkLst>
-            <pc:docMk/>
-            <pc:sldMk cId="3296607060" sldId="269"/>
-            <ac:inkMk id="4" creationId="{C407189D-BCA9-413E-98F3-8492802E4475}"/>
-          </ac:inkMkLst>
-        </pc:inkChg>
-        <pc:inkChg chg="add">
-          <ac:chgData name="Md. Nahid Hasan" userId="S::nahid@vu.edu.bd::85ea5f9e-65d6-4031-b810-9415101f2e21" providerId="AD" clId="Web-{F0E2ADE9-3750-4361-9C94-74FC935C4F87}" dt="2020-07-07T05:23:46.804" v="329"/>
-          <ac:inkMkLst>
-            <pc:docMk/>
-            <pc:sldMk cId="3296607060" sldId="269"/>
-            <ac:inkMk id="5" creationId="{EAB88C64-8226-40C8-A555-D513DA06EDBE}"/>
-          </ac:inkMkLst>
-        </pc:inkChg>
-        <pc:inkChg chg="add">
-          <ac:chgData name="Md. Nahid Hasan" userId="S::nahid@vu.edu.bd::85ea5f9e-65d6-4031-b810-9415101f2e21" providerId="AD" clId="Web-{F0E2ADE9-3750-4361-9C94-74FC935C4F87}" dt="2020-07-07T05:25:55.102" v="330"/>
-          <ac:inkMkLst>
-            <pc:docMk/>
-            <pc:sldMk cId="3296607060" sldId="269"/>
-            <ac:inkMk id="6" creationId="{C125BD56-B9E0-4F54-AD45-4DA9BBDED1FC}"/>
-          </ac:inkMkLst>
-        </pc:inkChg>
-        <pc:inkChg chg="add">
-          <ac:chgData name="Md. Nahid Hasan" userId="S::nahid@vu.edu.bd::85ea5f9e-65d6-4031-b810-9415101f2e21" providerId="AD" clId="Web-{F0E2ADE9-3750-4361-9C94-74FC935C4F87}" dt="2020-07-07T05:25:56.697" v="331"/>
-          <ac:inkMkLst>
-            <pc:docMk/>
-            <pc:sldMk cId="3296607060" sldId="269"/>
-            <ac:inkMk id="7" creationId="{C35A1A94-C6F8-4977-B6D7-D9EA4D455D1A}"/>
-          </ac:inkMkLst>
-        </pc:inkChg>
-        <pc:inkChg chg="add">
-          <ac:chgData name="Md. Nahid Hasan" userId="S::nahid@vu.edu.bd::85ea5f9e-65d6-4031-b810-9415101f2e21" providerId="AD" clId="Web-{F0E2ADE9-3750-4361-9C94-74FC935C4F87}" dt="2020-07-07T05:25:56.726" v="332"/>
-          <ac:inkMkLst>
-            <pc:docMk/>
-            <pc:sldMk cId="3296607060" sldId="269"/>
-            <ac:inkMk id="8" creationId="{FB05725E-4E13-44A7-8509-D81AB02AC2D9}"/>
-          </ac:inkMkLst>
-        </pc:inkChg>
-        <pc:inkChg chg="add">
-          <ac:chgData name="Md. Nahid Hasan" userId="S::nahid@vu.edu.bd::85ea5f9e-65d6-4031-b810-9415101f2e21" providerId="AD" clId="Web-{F0E2ADE9-3750-4361-9C94-74FC935C4F87}" dt="2020-07-07T05:25:56.742" v="333"/>
-          <ac:inkMkLst>
-            <pc:docMk/>
-            <pc:sldMk cId="3296607060" sldId="269"/>
-            <ac:inkMk id="9" creationId="{D64AFDDA-5548-494F-A85B-0105AA7209E4}"/>
-          </ac:inkMkLst>
-        </pc:inkChg>
-        <pc:inkChg chg="add">
-          <ac:chgData name="Md. Nahid Hasan" userId="S::nahid@vu.edu.bd::85ea5f9e-65d6-4031-b810-9415101f2e21" providerId="AD" clId="Web-{F0E2ADE9-3750-4361-9C94-74FC935C4F87}" dt="2020-07-07T05:25:56.773" v="334"/>
-          <ac:inkMkLst>
-            <pc:docMk/>
-            <pc:sldMk cId="3296607060" sldId="269"/>
-            <ac:inkMk id="10" creationId="{6391BAC0-458D-40DB-ADC5-F83C7461B7BE}"/>
-          </ac:inkMkLst>
-        </pc:inkChg>
-        <pc:inkChg chg="add">
-          <ac:chgData name="Md. Nahid Hasan" userId="S::nahid@vu.edu.bd::85ea5f9e-65d6-4031-b810-9415101f2e21" providerId="AD" clId="Web-{F0E2ADE9-3750-4361-9C94-74FC935C4F87}" dt="2020-07-07T05:26:52.586" v="335"/>
-          <ac:inkMkLst>
-            <pc:docMk/>
-            <pc:sldMk cId="3296607060" sldId="269"/>
-            <ac:inkMk id="11" creationId="{4B88157B-F13E-4F28-B7EC-3CBE9D4B27AB}"/>
-          </ac:inkMkLst>
-        </pc:inkChg>
-        <pc:inkChg chg="add">
-          <ac:chgData name="Md. Nahid Hasan" userId="S::nahid@vu.edu.bd::85ea5f9e-65d6-4031-b810-9415101f2e21" providerId="AD" clId="Web-{F0E2ADE9-3750-4361-9C94-74FC935C4F87}" dt="2020-07-07T05:26:53.852" v="336"/>
-          <ac:inkMkLst>
-            <pc:docMk/>
-            <pc:sldMk cId="3296607060" sldId="269"/>
-            <ac:inkMk id="12" creationId="{CD4BC77F-DCE0-419B-AB92-764C7D444CD2}"/>
-          </ac:inkMkLst>
-        </pc:inkChg>
-        <pc:inkChg chg="add">
-          <ac:chgData name="Md. Nahid Hasan" userId="S::nahid@vu.edu.bd::85ea5f9e-65d6-4031-b810-9415101f2e21" providerId="AD" clId="Web-{F0E2ADE9-3750-4361-9C94-74FC935C4F87}" dt="2020-07-07T05:26:56.164" v="337"/>
-          <ac:inkMkLst>
-            <pc:docMk/>
-            <pc:sldMk cId="3296607060" sldId="269"/>
-            <ac:inkMk id="13" creationId="{998F97DF-B2F2-4B0B-A296-9D1B6A6D3EE8}"/>
-          </ac:inkMkLst>
-        </pc:inkChg>
-        <pc:inkChg chg="add">
-          <ac:chgData name="Md. Nahid Hasan" userId="S::nahid@vu.edu.bd::85ea5f9e-65d6-4031-b810-9415101f2e21" providerId="AD" clId="Web-{F0E2ADE9-3750-4361-9C94-74FC935C4F87}" dt="2020-07-07T05:27:08.633" v="338"/>
-          <ac:inkMkLst>
-            <pc:docMk/>
-            <pc:sldMk cId="3296607060" sldId="269"/>
-            <ac:inkMk id="14" creationId="{F4803A55-E136-4A8A-A406-C18E27CE5A28}"/>
-          </ac:inkMkLst>
-        </pc:inkChg>
-        <pc:inkChg chg="add">
-          <ac:chgData name="Md. Nahid Hasan" userId="S::nahid@vu.edu.bd::85ea5f9e-65d6-4031-b810-9415101f2e21" providerId="AD" clId="Web-{F0E2ADE9-3750-4361-9C94-74FC935C4F87}" dt="2020-07-07T05:27:14.305" v="339"/>
-          <ac:inkMkLst>
-            <pc:docMk/>
-            <pc:sldMk cId="3296607060" sldId="269"/>
-            <ac:inkMk id="15" creationId="{2B538A1C-136F-4BB7-9368-A5037C5C364E}"/>
-          </ac:inkMkLst>
-        </pc:inkChg>
-        <pc:inkChg chg="add">
-          <ac:chgData name="Md. Nahid Hasan" userId="S::nahid@vu.edu.bd::85ea5f9e-65d6-4031-b810-9415101f2e21" providerId="AD" clId="Web-{F0E2ADE9-3750-4361-9C94-74FC935C4F87}" dt="2020-07-07T05:27:30.555" v="340"/>
-          <ac:inkMkLst>
-            <pc:docMk/>
-            <pc:sldMk cId="3296607060" sldId="269"/>
-            <ac:inkMk id="16" creationId="{D2A9A6DD-2227-4546-86D5-7BFA26ADCA8A}"/>
-          </ac:inkMkLst>
-        </pc:inkChg>
-        <pc:inkChg chg="add">
-          <ac:chgData name="Md. Nahid Hasan" userId="S::nahid@vu.edu.bd::85ea5f9e-65d6-4031-b810-9415101f2e21" providerId="AD" clId="Web-{F0E2ADE9-3750-4361-9C94-74FC935C4F87}" dt="2020-07-07T05:27:51.555" v="341"/>
-          <ac:inkMkLst>
-            <pc:docMk/>
-            <pc:sldMk cId="3296607060" sldId="269"/>
-            <ac:inkMk id="17" creationId="{F556438E-EB08-4F8E-9532-2C8DCB753FB6}"/>
-          </ac:inkMkLst>
-        </pc:inkChg>
-        <pc:inkChg chg="add">
-          <ac:chgData name="Md. Nahid Hasan" userId="S::nahid@vu.edu.bd::85ea5f9e-65d6-4031-b810-9415101f2e21" providerId="AD" clId="Web-{F0E2ADE9-3750-4361-9C94-74FC935C4F87}" dt="2020-07-07T05:28:12.086" v="342"/>
-          <ac:inkMkLst>
-            <pc:docMk/>
-            <pc:sldMk cId="3296607060" sldId="269"/>
-            <ac:inkMk id="18" creationId="{9BCF5FD7-CFDB-4DDE-8BD7-FE3680072B8C}"/>
-          </ac:inkMkLst>
-        </pc:inkChg>
-        <pc:inkChg chg="add">
-          <ac:chgData name="Md. Nahid Hasan" userId="S::nahid@vu.edu.bd::85ea5f9e-65d6-4031-b810-9415101f2e21" providerId="AD" clId="Web-{F0E2ADE9-3750-4361-9C94-74FC935C4F87}" dt="2020-07-07T05:28:20.117" v="343"/>
-          <ac:inkMkLst>
-            <pc:docMk/>
-            <pc:sldMk cId="3296607060" sldId="269"/>
-            <ac:inkMk id="19" creationId="{1B2DB905-2119-49C0-80E9-3F7CF914A2B4}"/>
-          </ac:inkMkLst>
-        </pc:inkChg>
-        <pc:inkChg chg="add">
-          <ac:chgData name="Md. Nahid Hasan" userId="S::nahid@vu.edu.bd::85ea5f9e-65d6-4031-b810-9415101f2e21" providerId="AD" clId="Web-{F0E2ADE9-3750-4361-9C94-74FC935C4F87}" dt="2020-07-07T05:28:29.727" v="344"/>
-          <ac:inkMkLst>
-            <pc:docMk/>
-            <pc:sldMk cId="3296607060" sldId="269"/>
-            <ac:inkMk id="20" creationId="{CD18E367-40E3-4998-992D-F0B424311160}"/>
-          </ac:inkMkLst>
-        </pc:inkChg>
-        <pc:inkChg chg="add">
-          <ac:chgData name="Md. Nahid Hasan" userId="S::nahid@vu.edu.bd::85ea5f9e-65d6-4031-b810-9415101f2e21" providerId="AD" clId="Web-{F0E2ADE9-3750-4361-9C94-74FC935C4F87}" dt="2020-07-07T05:28:32.024" v="345"/>
-          <ac:inkMkLst>
-            <pc:docMk/>
-            <pc:sldMk cId="3296607060" sldId="269"/>
-            <ac:inkMk id="21" creationId="{056665F6-359F-47B1-BB63-D3A6FAADCE52}"/>
-          </ac:inkMkLst>
-        </pc:inkChg>
-        <pc:inkChg chg="add">
-          <ac:chgData name="Md. Nahid Hasan" userId="S::nahid@vu.edu.bd::85ea5f9e-65d6-4031-b810-9415101f2e21" providerId="AD" clId="Web-{F0E2ADE9-3750-4361-9C94-74FC935C4F87}" dt="2020-07-07T05:29:03.696" v="346"/>
-          <ac:inkMkLst>
-            <pc:docMk/>
-            <pc:sldMk cId="3296607060" sldId="269"/>
-            <ac:inkMk id="22" creationId="{83952DAB-5CDE-41B3-8DA9-68917F5A0990}"/>
-          </ac:inkMkLst>
-        </pc:inkChg>
-        <pc:inkChg chg="add">
-          <ac:chgData name="Md. Nahid Hasan" userId="S::nahid@vu.edu.bd::85ea5f9e-65d6-4031-b810-9415101f2e21" providerId="AD" clId="Web-{F0E2ADE9-3750-4361-9C94-74FC935C4F87}" dt="2020-07-07T05:29:10.633" v="347"/>
-          <ac:inkMkLst>
-            <pc:docMk/>
-            <pc:sldMk cId="3296607060" sldId="269"/>
-            <ac:inkMk id="23" creationId="{F27ECEB7-8F7F-4ED6-A390-3A29B0991E6F}"/>
-          </ac:inkMkLst>
-        </pc:inkChg>
-        <pc:inkChg chg="add">
-          <ac:chgData name="Md. Nahid Hasan" userId="S::nahid@vu.edu.bd::85ea5f9e-65d6-4031-b810-9415101f2e21" providerId="AD" clId="Web-{F0E2ADE9-3750-4361-9C94-74FC935C4F87}" dt="2020-07-07T05:29:28.367" v="348"/>
-          <ac:inkMkLst>
-            <pc:docMk/>
-            <pc:sldMk cId="3296607060" sldId="269"/>
-            <ac:inkMk id="24" creationId="{8AB13D78-DFC7-4B4A-97BF-232B1ED4F615}"/>
-          </ac:inkMkLst>
-        </pc:inkChg>
       </pc:sldChg>
       <pc:sldChg chg="addSp">
         <pc:chgData name="Md. Nahid Hasan" userId="S::nahid@vu.edu.bd::85ea5f9e-65d6-4031-b810-9415101f2e21" providerId="AD" clId="Web-{F0E2ADE9-3750-4361-9C94-74FC935C4F87}" dt="2020-07-07T05:34:40.821" v="356"/>
@@ -652,70 +220,6 @@
           <pc:docMk/>
           <pc:sldMk cId="4081114608" sldId="271"/>
         </pc:sldMkLst>
-        <pc:inkChg chg="add">
-          <ac:chgData name="Md. Nahid Hasan" userId="S::nahid@vu.edu.bd::85ea5f9e-65d6-4031-b810-9415101f2e21" providerId="AD" clId="Web-{F0E2ADE9-3750-4361-9C94-74FC935C4F87}" dt="2020-07-07T05:30:46.305" v="349"/>
-          <ac:inkMkLst>
-            <pc:docMk/>
-            <pc:sldMk cId="4081114608" sldId="271"/>
-            <ac:inkMk id="2" creationId="{B87B2784-6F0A-4891-A49D-2D2D64B6EE01}"/>
-          </ac:inkMkLst>
-        </pc:inkChg>
-        <pc:inkChg chg="add">
-          <ac:chgData name="Md. Nahid Hasan" userId="S::nahid@vu.edu.bd::85ea5f9e-65d6-4031-b810-9415101f2e21" providerId="AD" clId="Web-{F0E2ADE9-3750-4361-9C94-74FC935C4F87}" dt="2020-07-07T05:31:20.274" v="350"/>
-          <ac:inkMkLst>
-            <pc:docMk/>
-            <pc:sldMk cId="4081114608" sldId="271"/>
-            <ac:inkMk id="3" creationId="{F66FDC23-4384-41F5-83F3-292A6B9BBECF}"/>
-          </ac:inkMkLst>
-        </pc:inkChg>
-        <pc:inkChg chg="add">
-          <ac:chgData name="Md. Nahid Hasan" userId="S::nahid@vu.edu.bd::85ea5f9e-65d6-4031-b810-9415101f2e21" providerId="AD" clId="Web-{F0E2ADE9-3750-4361-9C94-74FC935C4F87}" dt="2020-07-07T05:31:39.164" v="351"/>
-          <ac:inkMkLst>
-            <pc:docMk/>
-            <pc:sldMk cId="4081114608" sldId="271"/>
-            <ac:inkMk id="5" creationId="{BA50F8CA-6816-4A7A-B963-B18D4FE3EEDF}"/>
-          </ac:inkMkLst>
-        </pc:inkChg>
-        <pc:inkChg chg="add">
-          <ac:chgData name="Md. Nahid Hasan" userId="S::nahid@vu.edu.bd::85ea5f9e-65d6-4031-b810-9415101f2e21" providerId="AD" clId="Web-{F0E2ADE9-3750-4361-9C94-74FC935C4F87}" dt="2020-07-07T05:31:43.305" v="352"/>
-          <ac:inkMkLst>
-            <pc:docMk/>
-            <pc:sldMk cId="4081114608" sldId="271"/>
-            <ac:inkMk id="6" creationId="{96964122-98F9-4453-8197-7D61C0CC73EF}"/>
-          </ac:inkMkLst>
-        </pc:inkChg>
-        <pc:inkChg chg="add">
-          <ac:chgData name="Md. Nahid Hasan" userId="S::nahid@vu.edu.bd::85ea5f9e-65d6-4031-b810-9415101f2e21" providerId="AD" clId="Web-{F0E2ADE9-3750-4361-9C94-74FC935C4F87}" dt="2020-07-07T05:32:08.477" v="353"/>
-          <ac:inkMkLst>
-            <pc:docMk/>
-            <pc:sldMk cId="4081114608" sldId="271"/>
-            <ac:inkMk id="7" creationId="{67D3EB5D-4F38-442D-B02F-A114FEE4F203}"/>
-          </ac:inkMkLst>
-        </pc:inkChg>
-        <pc:inkChg chg="add">
-          <ac:chgData name="Md. Nahid Hasan" userId="S::nahid@vu.edu.bd::85ea5f9e-65d6-4031-b810-9415101f2e21" providerId="AD" clId="Web-{F0E2ADE9-3750-4361-9C94-74FC935C4F87}" dt="2020-07-07T05:33:08.196" v="354"/>
-          <ac:inkMkLst>
-            <pc:docMk/>
-            <pc:sldMk cId="4081114608" sldId="271"/>
-            <ac:inkMk id="8" creationId="{2AE52932-C71A-43F4-B4BD-66D219F68527}"/>
-          </ac:inkMkLst>
-        </pc:inkChg>
-        <pc:inkChg chg="add">
-          <ac:chgData name="Md. Nahid Hasan" userId="S::nahid@vu.edu.bd::85ea5f9e-65d6-4031-b810-9415101f2e21" providerId="AD" clId="Web-{F0E2ADE9-3750-4361-9C94-74FC935C4F87}" dt="2020-07-07T05:33:41.727" v="355"/>
-          <ac:inkMkLst>
-            <pc:docMk/>
-            <pc:sldMk cId="4081114608" sldId="271"/>
-            <ac:inkMk id="9" creationId="{9887BA3B-98A4-4A74-B46E-A2924A14A44C}"/>
-          </ac:inkMkLst>
-        </pc:inkChg>
-        <pc:inkChg chg="add">
-          <ac:chgData name="Md. Nahid Hasan" userId="S::nahid@vu.edu.bd::85ea5f9e-65d6-4031-b810-9415101f2e21" providerId="AD" clId="Web-{F0E2ADE9-3750-4361-9C94-74FC935C4F87}" dt="2020-07-07T05:34:40.821" v="356"/>
-          <ac:inkMkLst>
-            <pc:docMk/>
-            <pc:sldMk cId="4081114608" sldId="271"/>
-            <ac:inkMk id="10" creationId="{F8A642BA-1CCB-4E5B-BEE8-8A28D4BAA28D}"/>
-          </ac:inkMkLst>
-        </pc:inkChg>
       </pc:sldChg>
       <pc:sldChg chg="addSp">
         <pc:chgData name="Md. Nahid Hasan" userId="S::nahid@vu.edu.bd::85ea5f9e-65d6-4031-b810-9415101f2e21" providerId="AD" clId="Web-{F0E2ADE9-3750-4361-9C94-74FC935C4F87}" dt="2020-07-07T04:49:07.458" v="68"/>
@@ -723,94 +227,6 @@
           <pc:docMk/>
           <pc:sldMk cId="3059771098" sldId="273"/>
         </pc:sldMkLst>
-        <pc:inkChg chg="add">
-          <ac:chgData name="Md. Nahid Hasan" userId="S::nahid@vu.edu.bd::85ea5f9e-65d6-4031-b810-9415101f2e21" providerId="AD" clId="Web-{F0E2ADE9-3750-4361-9C94-74FC935C4F87}" dt="2020-07-07T04:48:33.614" v="58"/>
-          <ac:inkMkLst>
-            <pc:docMk/>
-            <pc:sldMk cId="3059771098" sldId="273"/>
-            <ac:inkMk id="2" creationId="{7ABE616A-8C34-4F13-80DC-77AE8E8878F7}"/>
-          </ac:inkMkLst>
-        </pc:inkChg>
-        <pc:inkChg chg="add">
-          <ac:chgData name="Md. Nahid Hasan" userId="S::nahid@vu.edu.bd::85ea5f9e-65d6-4031-b810-9415101f2e21" providerId="AD" clId="Web-{F0E2ADE9-3750-4361-9C94-74FC935C4F87}" dt="2020-07-07T04:48:35.395" v="59"/>
-          <ac:inkMkLst>
-            <pc:docMk/>
-            <pc:sldMk cId="3059771098" sldId="273"/>
-            <ac:inkMk id="3" creationId="{93E49C92-EF67-44F5-85FD-558FADDCDFE1}"/>
-          </ac:inkMkLst>
-        </pc:inkChg>
-        <pc:inkChg chg="add">
-          <ac:chgData name="Md. Nahid Hasan" userId="S::nahid@vu.edu.bd::85ea5f9e-65d6-4031-b810-9415101f2e21" providerId="AD" clId="Web-{F0E2ADE9-3750-4361-9C94-74FC935C4F87}" dt="2020-07-07T04:48:38.333" v="60"/>
-          <ac:inkMkLst>
-            <pc:docMk/>
-            <pc:sldMk cId="3059771098" sldId="273"/>
-            <ac:inkMk id="6" creationId="{1A48B17C-EF1C-490E-91C9-CE3784B7D571}"/>
-          </ac:inkMkLst>
-        </pc:inkChg>
-        <pc:inkChg chg="add">
-          <ac:chgData name="Md. Nahid Hasan" userId="S::nahid@vu.edu.bd::85ea5f9e-65d6-4031-b810-9415101f2e21" providerId="AD" clId="Web-{F0E2ADE9-3750-4361-9C94-74FC935C4F87}" dt="2020-07-07T04:48:39.083" v="61"/>
-          <ac:inkMkLst>
-            <pc:docMk/>
-            <pc:sldMk cId="3059771098" sldId="273"/>
-            <ac:inkMk id="7" creationId="{69897C55-AF1D-4987-842B-C089CD19C9F7}"/>
-          </ac:inkMkLst>
-        </pc:inkChg>
-        <pc:inkChg chg="add">
-          <ac:chgData name="Md. Nahid Hasan" userId="S::nahid@vu.edu.bd::85ea5f9e-65d6-4031-b810-9415101f2e21" providerId="AD" clId="Web-{F0E2ADE9-3750-4361-9C94-74FC935C4F87}" dt="2020-07-07T04:48:40.911" v="62"/>
-          <ac:inkMkLst>
-            <pc:docMk/>
-            <pc:sldMk cId="3059771098" sldId="273"/>
-            <ac:inkMk id="8" creationId="{5533F719-EECF-4860-B6B9-4FC3DF708955}"/>
-          </ac:inkMkLst>
-        </pc:inkChg>
-        <pc:inkChg chg="add">
-          <ac:chgData name="Md. Nahid Hasan" userId="S::nahid@vu.edu.bd::85ea5f9e-65d6-4031-b810-9415101f2e21" providerId="AD" clId="Web-{F0E2ADE9-3750-4361-9C94-74FC935C4F87}" dt="2020-07-07T04:48:45.255" v="63"/>
-          <ac:inkMkLst>
-            <pc:docMk/>
-            <pc:sldMk cId="3059771098" sldId="273"/>
-            <ac:inkMk id="9" creationId="{28CA5471-6746-4594-A653-C9DDDD8DF400}"/>
-          </ac:inkMkLst>
-        </pc:inkChg>
-        <pc:inkChg chg="add">
-          <ac:chgData name="Md. Nahid Hasan" userId="S::nahid@vu.edu.bd::85ea5f9e-65d6-4031-b810-9415101f2e21" providerId="AD" clId="Web-{F0E2ADE9-3750-4361-9C94-74FC935C4F87}" dt="2020-07-07T04:48:46.458" v="64"/>
-          <ac:inkMkLst>
-            <pc:docMk/>
-            <pc:sldMk cId="3059771098" sldId="273"/>
-            <ac:inkMk id="10" creationId="{0CBCBE6B-BCFC-473F-83C1-853712C98366}"/>
-          </ac:inkMkLst>
-        </pc:inkChg>
-        <pc:inkChg chg="add">
-          <ac:chgData name="Md. Nahid Hasan" userId="S::nahid@vu.edu.bd::85ea5f9e-65d6-4031-b810-9415101f2e21" providerId="AD" clId="Web-{F0E2ADE9-3750-4361-9C94-74FC935C4F87}" dt="2020-07-07T04:48:50.364" v="65"/>
-          <ac:inkMkLst>
-            <pc:docMk/>
-            <pc:sldMk cId="3059771098" sldId="273"/>
-            <ac:inkMk id="11" creationId="{C6D86C50-81D6-4432-B175-4646BB20AF08}"/>
-          </ac:inkMkLst>
-        </pc:inkChg>
-        <pc:inkChg chg="add">
-          <ac:chgData name="Md. Nahid Hasan" userId="S::nahid@vu.edu.bd::85ea5f9e-65d6-4031-b810-9415101f2e21" providerId="AD" clId="Web-{F0E2ADE9-3750-4361-9C94-74FC935C4F87}" dt="2020-07-07T04:48:51.395" v="66"/>
-          <ac:inkMkLst>
-            <pc:docMk/>
-            <pc:sldMk cId="3059771098" sldId="273"/>
-            <ac:inkMk id="12" creationId="{E1B88211-A178-45B1-BFF8-4C1984BA4E30}"/>
-          </ac:inkMkLst>
-        </pc:inkChg>
-        <pc:inkChg chg="add">
-          <ac:chgData name="Md. Nahid Hasan" userId="S::nahid@vu.edu.bd::85ea5f9e-65d6-4031-b810-9415101f2e21" providerId="AD" clId="Web-{F0E2ADE9-3750-4361-9C94-74FC935C4F87}" dt="2020-07-07T04:48:52.474" v="67"/>
-          <ac:inkMkLst>
-            <pc:docMk/>
-            <pc:sldMk cId="3059771098" sldId="273"/>
-            <ac:inkMk id="13" creationId="{383D067E-BF89-4796-8FE3-94E5FEAF60CF}"/>
-          </ac:inkMkLst>
-        </pc:inkChg>
-        <pc:inkChg chg="add">
-          <ac:chgData name="Md. Nahid Hasan" userId="S::nahid@vu.edu.bd::85ea5f9e-65d6-4031-b810-9415101f2e21" providerId="AD" clId="Web-{F0E2ADE9-3750-4361-9C94-74FC935C4F87}" dt="2020-07-07T04:49:07.458" v="68"/>
-          <ac:inkMkLst>
-            <pc:docMk/>
-            <pc:sldMk cId="3059771098" sldId="273"/>
-            <ac:inkMk id="14" creationId="{7ACE6478-7700-4F5C-935C-36E0DD8EC9AF}"/>
-          </ac:inkMkLst>
-        </pc:inkChg>
       </pc:sldChg>
       <pc:sldChg chg="addSp">
         <pc:chgData name="Md. Nahid Hasan" userId="S::nahid@vu.edu.bd::85ea5f9e-65d6-4031-b810-9415101f2e21" providerId="AD" clId="Web-{F0E2ADE9-3750-4361-9C94-74FC935C4F87}" dt="2020-07-07T04:47:41.570" v="49"/>
@@ -818,102 +234,6 @@
           <pc:docMk/>
           <pc:sldMk cId="863407760" sldId="274"/>
         </pc:sldMkLst>
-        <pc:inkChg chg="add">
-          <ac:chgData name="Md. Nahid Hasan" userId="S::nahid@vu.edu.bd::85ea5f9e-65d6-4031-b810-9415101f2e21" providerId="AD" clId="Web-{F0E2ADE9-3750-4361-9C94-74FC935C4F87}" dt="2020-07-07T04:46:43.020" v="38"/>
-          <ac:inkMkLst>
-            <pc:docMk/>
-            <pc:sldMk cId="863407760" sldId="274"/>
-            <ac:inkMk id="4" creationId="{DB2D8544-ACAA-4599-B740-A4F67FC6A05A}"/>
-          </ac:inkMkLst>
-        </pc:inkChg>
-        <pc:inkChg chg="add">
-          <ac:chgData name="Md. Nahid Hasan" userId="S::nahid@vu.edu.bd::85ea5f9e-65d6-4031-b810-9415101f2e21" providerId="AD" clId="Web-{F0E2ADE9-3750-4361-9C94-74FC935C4F87}" dt="2020-07-07T04:46:44.098" v="39"/>
-          <ac:inkMkLst>
-            <pc:docMk/>
-            <pc:sldMk cId="863407760" sldId="274"/>
-            <ac:inkMk id="5" creationId="{93EE5087-B5AA-4AD2-A144-02F333A0791B}"/>
-          </ac:inkMkLst>
-        </pc:inkChg>
-        <pc:inkChg chg="add">
-          <ac:chgData name="Md. Nahid Hasan" userId="S::nahid@vu.edu.bd::85ea5f9e-65d6-4031-b810-9415101f2e21" providerId="AD" clId="Web-{F0E2ADE9-3750-4361-9C94-74FC935C4F87}" dt="2020-07-07T04:46:44.880" v="40"/>
-          <ac:inkMkLst>
-            <pc:docMk/>
-            <pc:sldMk cId="863407760" sldId="274"/>
-            <ac:inkMk id="6" creationId="{CA26489A-2B11-4DA0-846D-E2E193A7F740}"/>
-          </ac:inkMkLst>
-        </pc:inkChg>
-        <pc:inkChg chg="add">
-          <ac:chgData name="Md. Nahid Hasan" userId="S::nahid@vu.edu.bd::85ea5f9e-65d6-4031-b810-9415101f2e21" providerId="AD" clId="Web-{F0E2ADE9-3750-4361-9C94-74FC935C4F87}" dt="2020-07-07T04:46:45.520" v="41"/>
-          <ac:inkMkLst>
-            <pc:docMk/>
-            <pc:sldMk cId="863407760" sldId="274"/>
-            <ac:inkMk id="7" creationId="{C7F50625-0883-4CC5-AE1C-DB7B287D0186}"/>
-          </ac:inkMkLst>
-        </pc:inkChg>
-        <pc:inkChg chg="add">
-          <ac:chgData name="Md. Nahid Hasan" userId="S::nahid@vu.edu.bd::85ea5f9e-65d6-4031-b810-9415101f2e21" providerId="AD" clId="Web-{F0E2ADE9-3750-4361-9C94-74FC935C4F87}" dt="2020-07-07T04:46:52.114" v="42"/>
-          <ac:inkMkLst>
-            <pc:docMk/>
-            <pc:sldMk cId="863407760" sldId="274"/>
-            <ac:inkMk id="8" creationId="{8DFBF5E3-A705-4051-B543-EAE8EB24B792}"/>
-          </ac:inkMkLst>
-        </pc:inkChg>
-        <pc:inkChg chg="add">
-          <ac:chgData name="Md. Nahid Hasan" userId="S::nahid@vu.edu.bd::85ea5f9e-65d6-4031-b810-9415101f2e21" providerId="AD" clId="Web-{F0E2ADE9-3750-4361-9C94-74FC935C4F87}" dt="2020-07-07T04:46:57.333" v="43"/>
-          <ac:inkMkLst>
-            <pc:docMk/>
-            <pc:sldMk cId="863407760" sldId="274"/>
-            <ac:inkMk id="9" creationId="{CE5718C9-C5E3-4DFC-ADAC-CA2C3CA214BC}"/>
-          </ac:inkMkLst>
-        </pc:inkChg>
-        <pc:inkChg chg="add">
-          <ac:chgData name="Md. Nahid Hasan" userId="S::nahid@vu.edu.bd::85ea5f9e-65d6-4031-b810-9415101f2e21" providerId="AD" clId="Web-{F0E2ADE9-3750-4361-9C94-74FC935C4F87}" dt="2020-07-07T04:46:59.177" v="44"/>
-          <ac:inkMkLst>
-            <pc:docMk/>
-            <pc:sldMk cId="863407760" sldId="274"/>
-            <ac:inkMk id="10" creationId="{7E77362E-49C4-4012-A874-8B26877C6B4C}"/>
-          </ac:inkMkLst>
-        </pc:inkChg>
-        <pc:inkChg chg="add">
-          <ac:chgData name="Md. Nahid Hasan" userId="S::nahid@vu.edu.bd::85ea5f9e-65d6-4031-b810-9415101f2e21" providerId="AD" clId="Web-{F0E2ADE9-3750-4361-9C94-74FC935C4F87}" dt="2020-07-07T04:47:01.302" v="45"/>
-          <ac:inkMkLst>
-            <pc:docMk/>
-            <pc:sldMk cId="863407760" sldId="274"/>
-            <ac:inkMk id="11" creationId="{7CFD6A7E-8C0E-412E-A189-A3E48DAE7FA9}"/>
-          </ac:inkMkLst>
-        </pc:inkChg>
-        <pc:inkChg chg="add">
-          <ac:chgData name="Md. Nahid Hasan" userId="S::nahid@vu.edu.bd::85ea5f9e-65d6-4031-b810-9415101f2e21" providerId="AD" clId="Web-{F0E2ADE9-3750-4361-9C94-74FC935C4F87}" dt="2020-07-07T04:47:14.052" v="46"/>
-          <ac:inkMkLst>
-            <pc:docMk/>
-            <pc:sldMk cId="863407760" sldId="274"/>
-            <ac:inkMk id="12" creationId="{EBB82FAB-3C9E-487C-84E6-A33A7E22A1AE}"/>
-          </ac:inkMkLst>
-        </pc:inkChg>
-        <pc:inkChg chg="add">
-          <ac:chgData name="Md. Nahid Hasan" userId="S::nahid@vu.edu.bd::85ea5f9e-65d6-4031-b810-9415101f2e21" providerId="AD" clId="Web-{F0E2ADE9-3750-4361-9C94-74FC935C4F87}" dt="2020-07-07T04:47:14.270" v="47"/>
-          <ac:inkMkLst>
-            <pc:docMk/>
-            <pc:sldMk cId="863407760" sldId="274"/>
-            <ac:inkMk id="13" creationId="{03BF71C8-0539-4C84-ADF8-08E1ED72B888}"/>
-          </ac:inkMkLst>
-        </pc:inkChg>
-        <pc:inkChg chg="add">
-          <ac:chgData name="Md. Nahid Hasan" userId="S::nahid@vu.edu.bd::85ea5f9e-65d6-4031-b810-9415101f2e21" providerId="AD" clId="Web-{F0E2ADE9-3750-4361-9C94-74FC935C4F87}" dt="2020-07-07T04:47:22.473" v="48"/>
-          <ac:inkMkLst>
-            <pc:docMk/>
-            <pc:sldMk cId="863407760" sldId="274"/>
-            <ac:inkMk id="14" creationId="{E218A848-5438-4687-82F4-AA07CBA99477}"/>
-          </ac:inkMkLst>
-        </pc:inkChg>
-        <pc:inkChg chg="add">
-          <ac:chgData name="Md. Nahid Hasan" userId="S::nahid@vu.edu.bd::85ea5f9e-65d6-4031-b810-9415101f2e21" providerId="AD" clId="Web-{F0E2ADE9-3750-4361-9C94-74FC935C4F87}" dt="2020-07-07T04:47:41.570" v="49"/>
-          <ac:inkMkLst>
-            <pc:docMk/>
-            <pc:sldMk cId="863407760" sldId="274"/>
-            <ac:inkMk id="15" creationId="{75DBC003-F334-45F3-9795-2898A0B56E31}"/>
-          </ac:inkMkLst>
-        </pc:inkChg>
       </pc:sldChg>
       <pc:sldChg chg="addSp">
         <pc:chgData name="Md. Nahid Hasan" userId="S::nahid@vu.edu.bd::85ea5f9e-65d6-4031-b810-9415101f2e21" providerId="AD" clId="Web-{F0E2ADE9-3750-4361-9C94-74FC935C4F87}" dt="2020-07-07T04:43:09.051" v="6"/>
@@ -921,30 +241,6 @@
           <pc:docMk/>
           <pc:sldMk cId="2946233076" sldId="281"/>
         </pc:sldMkLst>
-        <pc:inkChg chg="add">
-          <ac:chgData name="Md. Nahid Hasan" userId="S::nahid@vu.edu.bd::85ea5f9e-65d6-4031-b810-9415101f2e21" providerId="AD" clId="Web-{F0E2ADE9-3750-4361-9C94-74FC935C4F87}" dt="2020-07-07T04:42:58.067" v="4"/>
-          <ac:inkMkLst>
-            <pc:docMk/>
-            <pc:sldMk cId="2946233076" sldId="281"/>
-            <ac:inkMk id="3" creationId="{415E40CF-2D62-477E-ABE4-21690718F34E}"/>
-          </ac:inkMkLst>
-        </pc:inkChg>
-        <pc:inkChg chg="add">
-          <ac:chgData name="Md. Nahid Hasan" userId="S::nahid@vu.edu.bd::85ea5f9e-65d6-4031-b810-9415101f2e21" providerId="AD" clId="Web-{F0E2ADE9-3750-4361-9C94-74FC935C4F87}" dt="2020-07-07T04:43:07.270" v="5"/>
-          <ac:inkMkLst>
-            <pc:docMk/>
-            <pc:sldMk cId="2946233076" sldId="281"/>
-            <ac:inkMk id="4" creationId="{B2F204D1-0087-42EB-AF5F-A1B403666C63}"/>
-          </ac:inkMkLst>
-        </pc:inkChg>
-        <pc:inkChg chg="add">
-          <ac:chgData name="Md. Nahid Hasan" userId="S::nahid@vu.edu.bd::85ea5f9e-65d6-4031-b810-9415101f2e21" providerId="AD" clId="Web-{F0E2ADE9-3750-4361-9C94-74FC935C4F87}" dt="2020-07-07T04:43:09.051" v="6"/>
-          <ac:inkMkLst>
-            <pc:docMk/>
-            <pc:sldMk cId="2946233076" sldId="281"/>
-            <ac:inkMk id="6" creationId="{0376680F-52D9-4FC4-AE11-063880B6E0E8}"/>
-          </ac:inkMkLst>
-        </pc:inkChg>
       </pc:sldChg>
       <pc:sldChg chg="addSp">
         <pc:chgData name="Md. Nahid Hasan" userId="S::nahid@vu.edu.bd::85ea5f9e-65d6-4031-b810-9415101f2e21" providerId="AD" clId="Web-{F0E2ADE9-3750-4361-9C94-74FC935C4F87}" dt="2020-07-07T04:51:46.646" v="84"/>
@@ -952,86 +248,6 @@
           <pc:docMk/>
           <pc:sldMk cId="0" sldId="285"/>
         </pc:sldMkLst>
-        <pc:inkChg chg="add">
-          <ac:chgData name="Md. Nahid Hasan" userId="S::nahid@vu.edu.bd::85ea5f9e-65d6-4031-b810-9415101f2e21" providerId="AD" clId="Web-{F0E2ADE9-3750-4361-9C94-74FC935C4F87}" dt="2020-07-07T04:50:39.005" v="75"/>
-          <ac:inkMkLst>
-            <pc:docMk/>
-            <pc:sldMk cId="0" sldId="285"/>
-            <ac:inkMk id="3" creationId="{BB94DF12-CF06-4BB7-9B2C-2B83A0B8B6E9}"/>
-          </ac:inkMkLst>
-        </pc:inkChg>
-        <pc:inkChg chg="add">
-          <ac:chgData name="Md. Nahid Hasan" userId="S::nahid@vu.edu.bd::85ea5f9e-65d6-4031-b810-9415101f2e21" providerId="AD" clId="Web-{F0E2ADE9-3750-4361-9C94-74FC935C4F87}" dt="2020-07-07T04:50:42.896" v="76"/>
-          <ac:inkMkLst>
-            <pc:docMk/>
-            <pc:sldMk cId="0" sldId="285"/>
-            <ac:inkMk id="5" creationId="{8F441E06-056D-4598-B6E4-4A28925ED130}"/>
-          </ac:inkMkLst>
-        </pc:inkChg>
-        <pc:inkChg chg="add">
-          <ac:chgData name="Md. Nahid Hasan" userId="S::nahid@vu.edu.bd::85ea5f9e-65d6-4031-b810-9415101f2e21" providerId="AD" clId="Web-{F0E2ADE9-3750-4361-9C94-74FC935C4F87}" dt="2020-07-07T04:50:48.036" v="77"/>
-          <ac:inkMkLst>
-            <pc:docMk/>
-            <pc:sldMk cId="0" sldId="285"/>
-            <ac:inkMk id="6" creationId="{3E082434-7754-4C70-B64A-B736BC1E561F}"/>
-          </ac:inkMkLst>
-        </pc:inkChg>
-        <pc:inkChg chg="add">
-          <ac:chgData name="Md. Nahid Hasan" userId="S::nahid@vu.edu.bd::85ea5f9e-65d6-4031-b810-9415101f2e21" providerId="AD" clId="Web-{F0E2ADE9-3750-4361-9C94-74FC935C4F87}" dt="2020-07-07T04:50:52.505" v="78"/>
-          <ac:inkMkLst>
-            <pc:docMk/>
-            <pc:sldMk cId="0" sldId="285"/>
-            <ac:inkMk id="7" creationId="{96B75987-9DE1-4928-8826-1FCE2F62D6F6}"/>
-          </ac:inkMkLst>
-        </pc:inkChg>
-        <pc:inkChg chg="add">
-          <ac:chgData name="Md. Nahid Hasan" userId="S::nahid@vu.edu.bd::85ea5f9e-65d6-4031-b810-9415101f2e21" providerId="AD" clId="Web-{F0E2ADE9-3750-4361-9C94-74FC935C4F87}" dt="2020-07-07T04:51:00.989" v="79"/>
-          <ac:inkMkLst>
-            <pc:docMk/>
-            <pc:sldMk cId="0" sldId="285"/>
-            <ac:inkMk id="8" creationId="{FC15289F-A659-4226-A11B-60359EF57CEF}"/>
-          </ac:inkMkLst>
-        </pc:inkChg>
-        <pc:inkChg chg="add">
-          <ac:chgData name="Md. Nahid Hasan" userId="S::nahid@vu.edu.bd::85ea5f9e-65d6-4031-b810-9415101f2e21" providerId="AD" clId="Web-{F0E2ADE9-3750-4361-9C94-74FC935C4F87}" dt="2020-07-07T04:51:29.349" v="80"/>
-          <ac:inkMkLst>
-            <pc:docMk/>
-            <pc:sldMk cId="0" sldId="285"/>
-            <ac:inkMk id="9" creationId="{AB14368B-FFCA-4937-9966-C7D1EF3E1FC0}"/>
-          </ac:inkMkLst>
-        </pc:inkChg>
-        <pc:inkChg chg="add">
-          <ac:chgData name="Md. Nahid Hasan" userId="S::nahid@vu.edu.bd::85ea5f9e-65d6-4031-b810-9415101f2e21" providerId="AD" clId="Web-{F0E2ADE9-3750-4361-9C94-74FC935C4F87}" dt="2020-07-07T04:51:31.802" v="81"/>
-          <ac:inkMkLst>
-            <pc:docMk/>
-            <pc:sldMk cId="0" sldId="285"/>
-            <ac:inkMk id="10" creationId="{843F7753-62CB-4BE6-9195-CCBDD01FB4BE}"/>
-          </ac:inkMkLst>
-        </pc:inkChg>
-        <pc:inkChg chg="add">
-          <ac:chgData name="Md. Nahid Hasan" userId="S::nahid@vu.edu.bd::85ea5f9e-65d6-4031-b810-9415101f2e21" providerId="AD" clId="Web-{F0E2ADE9-3750-4361-9C94-74FC935C4F87}" dt="2020-07-07T04:51:41.114" v="82"/>
-          <ac:inkMkLst>
-            <pc:docMk/>
-            <pc:sldMk cId="0" sldId="285"/>
-            <ac:inkMk id="11" creationId="{E4C91580-656D-4CF7-B1E9-883D96246C31}"/>
-          </ac:inkMkLst>
-        </pc:inkChg>
-        <pc:inkChg chg="add">
-          <ac:chgData name="Md. Nahid Hasan" userId="S::nahid@vu.edu.bd::85ea5f9e-65d6-4031-b810-9415101f2e21" providerId="AD" clId="Web-{F0E2ADE9-3750-4361-9C94-74FC935C4F87}" dt="2020-07-07T04:51:43.349" v="83"/>
-          <ac:inkMkLst>
-            <pc:docMk/>
-            <pc:sldMk cId="0" sldId="285"/>
-            <ac:inkMk id="12" creationId="{3CB95A37-7A7E-40BB-97C5-A3C170ABD838}"/>
-          </ac:inkMkLst>
-        </pc:inkChg>
-        <pc:inkChg chg="add">
-          <ac:chgData name="Md. Nahid Hasan" userId="S::nahid@vu.edu.bd::85ea5f9e-65d6-4031-b810-9415101f2e21" providerId="AD" clId="Web-{F0E2ADE9-3750-4361-9C94-74FC935C4F87}" dt="2020-07-07T04:51:46.646" v="84"/>
-          <ac:inkMkLst>
-            <pc:docMk/>
-            <pc:sldMk cId="0" sldId="285"/>
-            <ac:inkMk id="13" creationId="{78DFCE33-940A-4B09-A6CE-2D0B8AC2D961}"/>
-          </ac:inkMkLst>
-        </pc:inkChg>
       </pc:sldChg>
       <pc:sldChg chg="addSp">
         <pc:chgData name="Md. Nahid Hasan" userId="S::nahid@vu.edu.bd::85ea5f9e-65d6-4031-b810-9415101f2e21" providerId="AD" clId="Web-{F0E2ADE9-3750-4361-9C94-74FC935C4F87}" dt="2020-07-07T04:48:15.567" v="57"/>
@@ -1039,70 +255,6 @@
           <pc:docMk/>
           <pc:sldMk cId="0" sldId="286"/>
         </pc:sldMkLst>
-        <pc:inkChg chg="add">
-          <ac:chgData name="Md. Nahid Hasan" userId="S::nahid@vu.edu.bd::85ea5f9e-65d6-4031-b810-9415101f2e21" providerId="AD" clId="Web-{F0E2ADE9-3750-4361-9C94-74FC935C4F87}" dt="2020-07-07T04:47:49.380" v="50"/>
-          <ac:inkMkLst>
-            <pc:docMk/>
-            <pc:sldMk cId="0" sldId="286"/>
-            <ac:inkMk id="4" creationId="{0784C634-21EC-4CD4-828C-25F4B0583C60}"/>
-          </ac:inkMkLst>
-        </pc:inkChg>
-        <pc:inkChg chg="add">
-          <ac:chgData name="Md. Nahid Hasan" userId="S::nahid@vu.edu.bd::85ea5f9e-65d6-4031-b810-9415101f2e21" providerId="AD" clId="Web-{F0E2ADE9-3750-4361-9C94-74FC935C4F87}" dt="2020-07-07T04:47:53.739" v="51"/>
-          <ac:inkMkLst>
-            <pc:docMk/>
-            <pc:sldMk cId="0" sldId="286"/>
-            <ac:inkMk id="5" creationId="{5D0AD52C-2073-4F9D-9195-D1F8FABF9FC5}"/>
-          </ac:inkMkLst>
-        </pc:inkChg>
-        <pc:inkChg chg="add">
-          <ac:chgData name="Md. Nahid Hasan" userId="S::nahid@vu.edu.bd::85ea5f9e-65d6-4031-b810-9415101f2e21" providerId="AD" clId="Web-{F0E2ADE9-3750-4361-9C94-74FC935C4F87}" dt="2020-07-07T04:47:54.833" v="52"/>
-          <ac:inkMkLst>
-            <pc:docMk/>
-            <pc:sldMk cId="0" sldId="286"/>
-            <ac:inkMk id="6" creationId="{2083D66B-13C9-402C-982F-55E6DF2AC92B}"/>
-          </ac:inkMkLst>
-        </pc:inkChg>
-        <pc:inkChg chg="add">
-          <ac:chgData name="Md. Nahid Hasan" userId="S::nahid@vu.edu.bd::85ea5f9e-65d6-4031-b810-9415101f2e21" providerId="AD" clId="Web-{F0E2ADE9-3750-4361-9C94-74FC935C4F87}" dt="2020-07-07T04:47:55.770" v="53"/>
-          <ac:inkMkLst>
-            <pc:docMk/>
-            <pc:sldMk cId="0" sldId="286"/>
-            <ac:inkMk id="7" creationId="{9D718B7F-AB5D-4CF0-B366-81D6E4C75D90}"/>
-          </ac:inkMkLst>
-        </pc:inkChg>
-        <pc:inkChg chg="add">
-          <ac:chgData name="Md. Nahid Hasan" userId="S::nahid@vu.edu.bd::85ea5f9e-65d6-4031-b810-9415101f2e21" providerId="AD" clId="Web-{F0E2ADE9-3750-4361-9C94-74FC935C4F87}" dt="2020-07-07T04:47:56.520" v="54"/>
-          <ac:inkMkLst>
-            <pc:docMk/>
-            <pc:sldMk cId="0" sldId="286"/>
-            <ac:inkMk id="8" creationId="{040FACF5-BF86-4A1F-903F-33F823557BBA}"/>
-          </ac:inkMkLst>
-        </pc:inkChg>
-        <pc:inkChg chg="add">
-          <ac:chgData name="Md. Nahid Hasan" userId="S::nahid@vu.edu.bd::85ea5f9e-65d6-4031-b810-9415101f2e21" providerId="AD" clId="Web-{F0E2ADE9-3750-4361-9C94-74FC935C4F87}" dt="2020-07-07T04:48:04.911" v="55"/>
-          <ac:inkMkLst>
-            <pc:docMk/>
-            <pc:sldMk cId="0" sldId="286"/>
-            <ac:inkMk id="9" creationId="{4456DDAC-21F2-4645-ADE3-10D04AA8A089}"/>
-          </ac:inkMkLst>
-        </pc:inkChg>
-        <pc:inkChg chg="add">
-          <ac:chgData name="Md. Nahid Hasan" userId="S::nahid@vu.edu.bd::85ea5f9e-65d6-4031-b810-9415101f2e21" providerId="AD" clId="Web-{F0E2ADE9-3750-4361-9C94-74FC935C4F87}" dt="2020-07-07T04:48:06.614" v="56"/>
-          <ac:inkMkLst>
-            <pc:docMk/>
-            <pc:sldMk cId="0" sldId="286"/>
-            <ac:inkMk id="10" creationId="{CB291FA0-9552-4584-8A3F-980F9F671977}"/>
-          </ac:inkMkLst>
-        </pc:inkChg>
-        <pc:inkChg chg="add">
-          <ac:chgData name="Md. Nahid Hasan" userId="S::nahid@vu.edu.bd::85ea5f9e-65d6-4031-b810-9415101f2e21" providerId="AD" clId="Web-{F0E2ADE9-3750-4361-9C94-74FC935C4F87}" dt="2020-07-07T04:48:15.567" v="57"/>
-          <ac:inkMkLst>
-            <pc:docMk/>
-            <pc:sldMk cId="0" sldId="286"/>
-            <ac:inkMk id="11" creationId="{899367F5-D864-470D-AA56-9C7319C94D2A}"/>
-          </ac:inkMkLst>
-        </pc:inkChg>
       </pc:sldChg>
       <pc:sldChg chg="addSp">
         <pc:chgData name="Md. Nahid Hasan" userId="S::nahid@vu.edu.bd::85ea5f9e-65d6-4031-b810-9415101f2e21" providerId="AD" clId="Web-{F0E2ADE9-3750-4361-9C94-74FC935C4F87}" dt="2020-07-07T04:50:26.411" v="74"/>
@@ -1110,54 +262,6 @@
           <pc:docMk/>
           <pc:sldMk cId="897809323" sldId="292"/>
         </pc:sldMkLst>
-        <pc:inkChg chg="add">
-          <ac:chgData name="Md. Nahid Hasan" userId="S::nahid@vu.edu.bd::85ea5f9e-65d6-4031-b810-9415101f2e21" providerId="AD" clId="Web-{F0E2ADE9-3750-4361-9C94-74FC935C4F87}" dt="2020-07-07T04:49:40.255" v="69"/>
-          <ac:inkMkLst>
-            <pc:docMk/>
-            <pc:sldMk cId="897809323" sldId="292"/>
-            <ac:inkMk id="2" creationId="{F940AD7E-3B2D-4AD6-ABA2-2DF5C221F03A}"/>
-          </ac:inkMkLst>
-        </pc:inkChg>
-        <pc:inkChg chg="add">
-          <ac:chgData name="Md. Nahid Hasan" userId="S::nahid@vu.edu.bd::85ea5f9e-65d6-4031-b810-9415101f2e21" providerId="AD" clId="Web-{F0E2ADE9-3750-4361-9C94-74FC935C4F87}" dt="2020-07-07T04:50:14.958" v="70"/>
-          <ac:inkMkLst>
-            <pc:docMk/>
-            <pc:sldMk cId="897809323" sldId="292"/>
-            <ac:inkMk id="5" creationId="{D4384608-7D7C-44AC-9A10-53267B7FFEB7}"/>
-          </ac:inkMkLst>
-        </pc:inkChg>
-        <pc:inkChg chg="add">
-          <ac:chgData name="Md. Nahid Hasan" userId="S::nahid@vu.edu.bd::85ea5f9e-65d6-4031-b810-9415101f2e21" providerId="AD" clId="Web-{F0E2ADE9-3750-4361-9C94-74FC935C4F87}" dt="2020-07-07T04:50:16.130" v="71"/>
-          <ac:inkMkLst>
-            <pc:docMk/>
-            <pc:sldMk cId="897809323" sldId="292"/>
-            <ac:inkMk id="6" creationId="{A859145B-D0AF-447F-920A-7CAF72BF37E4}"/>
-          </ac:inkMkLst>
-        </pc:inkChg>
-        <pc:inkChg chg="add">
-          <ac:chgData name="Md. Nahid Hasan" userId="S::nahid@vu.edu.bd::85ea5f9e-65d6-4031-b810-9415101f2e21" providerId="AD" clId="Web-{F0E2ADE9-3750-4361-9C94-74FC935C4F87}" dt="2020-07-07T04:50:17.521" v="72"/>
-          <ac:inkMkLst>
-            <pc:docMk/>
-            <pc:sldMk cId="897809323" sldId="292"/>
-            <ac:inkMk id="7" creationId="{9690A0A8-1EE0-4C01-A4E6-946D28FF2794}"/>
-          </ac:inkMkLst>
-        </pc:inkChg>
-        <pc:inkChg chg="add">
-          <ac:chgData name="Md. Nahid Hasan" userId="S::nahid@vu.edu.bd::85ea5f9e-65d6-4031-b810-9415101f2e21" providerId="AD" clId="Web-{F0E2ADE9-3750-4361-9C94-74FC935C4F87}" dt="2020-07-07T04:50:22.911" v="73"/>
-          <ac:inkMkLst>
-            <pc:docMk/>
-            <pc:sldMk cId="897809323" sldId="292"/>
-            <ac:inkMk id="8" creationId="{F1F9213F-B353-4AAC-99D7-CED83BAE9845}"/>
-          </ac:inkMkLst>
-        </pc:inkChg>
-        <pc:inkChg chg="add">
-          <ac:chgData name="Md. Nahid Hasan" userId="S::nahid@vu.edu.bd::85ea5f9e-65d6-4031-b810-9415101f2e21" providerId="AD" clId="Web-{F0E2ADE9-3750-4361-9C94-74FC935C4F87}" dt="2020-07-07T04:50:26.411" v="74"/>
-          <ac:inkMkLst>
-            <pc:docMk/>
-            <pc:sldMk cId="897809323" sldId="292"/>
-            <ac:inkMk id="9" creationId="{EC830572-301A-49FF-90B2-C21017730A67}"/>
-          </ac:inkMkLst>
-        </pc:inkChg>
       </pc:sldChg>
       <pc:sldChg chg="addSp">
         <pc:chgData name="Md. Nahid Hasan" userId="S::nahid@vu.edu.bd::85ea5f9e-65d6-4031-b810-9415101f2e21" providerId="AD" clId="Web-{F0E2ADE9-3750-4361-9C94-74FC935C4F87}" dt="2020-07-07T04:54:20.786" v="101"/>
@@ -1165,142 +269,6 @@
           <pc:docMk/>
           <pc:sldMk cId="350031146" sldId="293"/>
         </pc:sldMkLst>
-        <pc:inkChg chg="add">
-          <ac:chgData name="Md. Nahid Hasan" userId="S::nahid@vu.edu.bd::85ea5f9e-65d6-4031-b810-9415101f2e21" providerId="AD" clId="Web-{F0E2ADE9-3750-4361-9C94-74FC935C4F87}" dt="2020-07-07T04:52:48.708" v="85"/>
-          <ac:inkMkLst>
-            <pc:docMk/>
-            <pc:sldMk cId="350031146" sldId="293"/>
-            <ac:inkMk id="2" creationId="{C0EDC556-BAD5-4DA4-8621-0E8C678A3B4A}"/>
-          </ac:inkMkLst>
-        </pc:inkChg>
-        <pc:inkChg chg="add">
-          <ac:chgData name="Md. Nahid Hasan" userId="S::nahid@vu.edu.bd::85ea5f9e-65d6-4031-b810-9415101f2e21" providerId="AD" clId="Web-{F0E2ADE9-3750-4361-9C94-74FC935C4F87}" dt="2020-07-07T04:52:53.099" v="86"/>
-          <ac:inkMkLst>
-            <pc:docMk/>
-            <pc:sldMk cId="350031146" sldId="293"/>
-            <ac:inkMk id="3" creationId="{ADA61B3B-5432-4039-991A-6937EC949F49}"/>
-          </ac:inkMkLst>
-        </pc:inkChg>
-        <pc:inkChg chg="add">
-          <ac:chgData name="Md. Nahid Hasan" userId="S::nahid@vu.edu.bd::85ea5f9e-65d6-4031-b810-9415101f2e21" providerId="AD" clId="Web-{F0E2ADE9-3750-4361-9C94-74FC935C4F87}" dt="2020-07-07T04:52:54.443" v="87"/>
-          <ac:inkMkLst>
-            <pc:docMk/>
-            <pc:sldMk cId="350031146" sldId="293"/>
-            <ac:inkMk id="5" creationId="{1F28FD82-5CA9-4FBF-857F-231AE317A3F3}"/>
-          </ac:inkMkLst>
-        </pc:inkChg>
-        <pc:inkChg chg="add">
-          <ac:chgData name="Md. Nahid Hasan" userId="S::nahid@vu.edu.bd::85ea5f9e-65d6-4031-b810-9415101f2e21" providerId="AD" clId="Web-{F0E2ADE9-3750-4361-9C94-74FC935C4F87}" dt="2020-07-07T04:52:56.833" v="88"/>
-          <ac:inkMkLst>
-            <pc:docMk/>
-            <pc:sldMk cId="350031146" sldId="293"/>
-            <ac:inkMk id="7" creationId="{27D3B719-4B01-45B2-BB8C-727C727BF866}"/>
-          </ac:inkMkLst>
-        </pc:inkChg>
-        <pc:inkChg chg="add">
-          <ac:chgData name="Md. Nahid Hasan" userId="S::nahid@vu.edu.bd::85ea5f9e-65d6-4031-b810-9415101f2e21" providerId="AD" clId="Web-{F0E2ADE9-3750-4361-9C94-74FC935C4F87}" dt="2020-07-07T04:52:59.536" v="89"/>
-          <ac:inkMkLst>
-            <pc:docMk/>
-            <pc:sldMk cId="350031146" sldId="293"/>
-            <ac:inkMk id="8" creationId="{3EC19D0F-9A4F-47EC-8BE9-B554E5DDE17F}"/>
-          </ac:inkMkLst>
-        </pc:inkChg>
-        <pc:inkChg chg="add">
-          <ac:chgData name="Md. Nahid Hasan" userId="S::nahid@vu.edu.bd::85ea5f9e-65d6-4031-b810-9415101f2e21" providerId="AD" clId="Web-{F0E2ADE9-3750-4361-9C94-74FC935C4F87}" dt="2020-07-07T04:53:08.286" v="90"/>
-          <ac:inkMkLst>
-            <pc:docMk/>
-            <pc:sldMk cId="350031146" sldId="293"/>
-            <ac:inkMk id="9" creationId="{CED607B9-00B6-4342-8D55-A82EB1F04BAC}"/>
-          </ac:inkMkLst>
-        </pc:inkChg>
-        <pc:inkChg chg="add">
-          <ac:chgData name="Md. Nahid Hasan" userId="S::nahid@vu.edu.bd::85ea5f9e-65d6-4031-b810-9415101f2e21" providerId="AD" clId="Web-{F0E2ADE9-3750-4361-9C94-74FC935C4F87}" dt="2020-07-07T04:53:15.130" v="91"/>
-          <ac:inkMkLst>
-            <pc:docMk/>
-            <pc:sldMk cId="350031146" sldId="293"/>
-            <ac:inkMk id="10" creationId="{8637B3FD-E919-4225-8107-82BD7756CFB1}"/>
-          </ac:inkMkLst>
-        </pc:inkChg>
-        <pc:inkChg chg="add">
-          <ac:chgData name="Md. Nahid Hasan" userId="S::nahid@vu.edu.bd::85ea5f9e-65d6-4031-b810-9415101f2e21" providerId="AD" clId="Web-{F0E2ADE9-3750-4361-9C94-74FC935C4F87}" dt="2020-07-07T04:53:32.677" v="92"/>
-          <ac:inkMkLst>
-            <pc:docMk/>
-            <pc:sldMk cId="350031146" sldId="293"/>
-            <ac:inkMk id="11" creationId="{FA0D7CF0-A833-4AFE-9818-3B9A6D0FDED5}"/>
-          </ac:inkMkLst>
-        </pc:inkChg>
-        <pc:inkChg chg="add">
-          <ac:chgData name="Md. Nahid Hasan" userId="S::nahid@vu.edu.bd::85ea5f9e-65d6-4031-b810-9415101f2e21" providerId="AD" clId="Web-{F0E2ADE9-3750-4361-9C94-74FC935C4F87}" dt="2020-07-07T04:53:34.208" v="93"/>
-          <ac:inkMkLst>
-            <pc:docMk/>
-            <pc:sldMk cId="350031146" sldId="293"/>
-            <ac:inkMk id="12" creationId="{254AD580-F404-4FCD-A2FE-877BF17B6D36}"/>
-          </ac:inkMkLst>
-        </pc:inkChg>
-        <pc:inkChg chg="add">
-          <ac:chgData name="Md. Nahid Hasan" userId="S::nahid@vu.edu.bd::85ea5f9e-65d6-4031-b810-9415101f2e21" providerId="AD" clId="Web-{F0E2ADE9-3750-4361-9C94-74FC935C4F87}" dt="2020-07-07T04:53:38.130" v="94"/>
-          <ac:inkMkLst>
-            <pc:docMk/>
-            <pc:sldMk cId="350031146" sldId="293"/>
-            <ac:inkMk id="13" creationId="{EDA9527A-AC3C-4799-8B40-3A9293F60420}"/>
-          </ac:inkMkLst>
-        </pc:inkChg>
-        <pc:inkChg chg="add">
-          <ac:chgData name="Md. Nahid Hasan" userId="S::nahid@vu.edu.bd::85ea5f9e-65d6-4031-b810-9415101f2e21" providerId="AD" clId="Web-{F0E2ADE9-3750-4361-9C94-74FC935C4F87}" dt="2020-07-07T04:53:39.974" v="95"/>
-          <ac:inkMkLst>
-            <pc:docMk/>
-            <pc:sldMk cId="350031146" sldId="293"/>
-            <ac:inkMk id="14" creationId="{19892758-51A0-4E3E-8385-36AD56444831}"/>
-          </ac:inkMkLst>
-        </pc:inkChg>
-        <pc:inkChg chg="add">
-          <ac:chgData name="Md. Nahid Hasan" userId="S::nahid@vu.edu.bd::85ea5f9e-65d6-4031-b810-9415101f2e21" providerId="AD" clId="Web-{F0E2ADE9-3750-4361-9C94-74FC935C4F87}" dt="2020-07-07T04:53:42.615" v="96"/>
-          <ac:inkMkLst>
-            <pc:docMk/>
-            <pc:sldMk cId="350031146" sldId="293"/>
-            <ac:inkMk id="15" creationId="{EA023FA6-CF86-4D03-AE1E-B7E457489245}"/>
-          </ac:inkMkLst>
-        </pc:inkChg>
-        <pc:inkChg chg="add">
-          <ac:chgData name="Md. Nahid Hasan" userId="S::nahid@vu.edu.bd::85ea5f9e-65d6-4031-b810-9415101f2e21" providerId="AD" clId="Web-{F0E2ADE9-3750-4361-9C94-74FC935C4F87}" dt="2020-07-07T04:53:45.849" v="97"/>
-          <ac:inkMkLst>
-            <pc:docMk/>
-            <pc:sldMk cId="350031146" sldId="293"/>
-            <ac:inkMk id="16" creationId="{380611E7-00A0-413C-9163-C5FBD5EFA9FB}"/>
-          </ac:inkMkLst>
-        </pc:inkChg>
-        <pc:inkChg chg="add">
-          <ac:chgData name="Md. Nahid Hasan" userId="S::nahid@vu.edu.bd::85ea5f9e-65d6-4031-b810-9415101f2e21" providerId="AD" clId="Web-{F0E2ADE9-3750-4361-9C94-74FC935C4F87}" dt="2020-07-07T04:53:48.786" v="98"/>
-          <ac:inkMkLst>
-            <pc:docMk/>
-            <pc:sldMk cId="350031146" sldId="293"/>
-            <ac:inkMk id="17" creationId="{99736180-3104-4D74-8D2C-7988B641426C}"/>
-          </ac:inkMkLst>
-        </pc:inkChg>
-        <pc:inkChg chg="add">
-          <ac:chgData name="Md. Nahid Hasan" userId="S::nahid@vu.edu.bd::85ea5f9e-65d6-4031-b810-9415101f2e21" providerId="AD" clId="Web-{F0E2ADE9-3750-4361-9C94-74FC935C4F87}" dt="2020-07-07T04:54:01.021" v="99"/>
-          <ac:inkMkLst>
-            <pc:docMk/>
-            <pc:sldMk cId="350031146" sldId="293"/>
-            <ac:inkMk id="18" creationId="{822EC458-9D97-4AAF-9FC3-79595C6AFB12}"/>
-          </ac:inkMkLst>
-        </pc:inkChg>
-        <pc:inkChg chg="add">
-          <ac:chgData name="Md. Nahid Hasan" userId="S::nahid@vu.edu.bd::85ea5f9e-65d6-4031-b810-9415101f2e21" providerId="AD" clId="Web-{F0E2ADE9-3750-4361-9C94-74FC935C4F87}" dt="2020-07-07T04:54:11.115" v="100"/>
-          <ac:inkMkLst>
-            <pc:docMk/>
-            <pc:sldMk cId="350031146" sldId="293"/>
-            <ac:inkMk id="19" creationId="{C9FB7EF0-0C47-4ADE-9134-022CFFEF4A27}"/>
-          </ac:inkMkLst>
-        </pc:inkChg>
-        <pc:inkChg chg="add">
-          <ac:chgData name="Md. Nahid Hasan" userId="S::nahid@vu.edu.bd::85ea5f9e-65d6-4031-b810-9415101f2e21" providerId="AD" clId="Web-{F0E2ADE9-3750-4361-9C94-74FC935C4F87}" dt="2020-07-07T04:54:20.786" v="101"/>
-          <ac:inkMkLst>
-            <pc:docMk/>
-            <pc:sldMk cId="350031146" sldId="293"/>
-            <ac:inkMk id="20" creationId="{149CDC2A-175A-469D-A0E6-311B1B1FF031}"/>
-          </ac:inkMkLst>
-        </pc:inkChg>
       </pc:sldChg>
       <pc:sldChg chg="addSp">
         <pc:chgData name="Md. Nahid Hasan" userId="S::nahid@vu.edu.bd::85ea5f9e-65d6-4031-b810-9415101f2e21" providerId="AD" clId="Web-{F0E2ADE9-3750-4361-9C94-74FC935C4F87}" dt="2020-07-07T04:55:01.740" v="112"/>
@@ -1308,94 +276,6 @@
           <pc:docMk/>
           <pc:sldMk cId="3628011919" sldId="295"/>
         </pc:sldMkLst>
-        <pc:inkChg chg="add">
-          <ac:chgData name="Md. Nahid Hasan" userId="S::nahid@vu.edu.bd::85ea5f9e-65d6-4031-b810-9415101f2e21" providerId="AD" clId="Web-{F0E2ADE9-3750-4361-9C94-74FC935C4F87}" dt="2020-07-07T04:54:26.099" v="102"/>
-          <ac:inkMkLst>
-            <pc:docMk/>
-            <pc:sldMk cId="3628011919" sldId="295"/>
-            <ac:inkMk id="3" creationId="{6F69D983-E7AA-4F71-BD0F-EFCBAE8F2E9D}"/>
-          </ac:inkMkLst>
-        </pc:inkChg>
-        <pc:inkChg chg="add">
-          <ac:chgData name="Md. Nahid Hasan" userId="S::nahid@vu.edu.bd::85ea5f9e-65d6-4031-b810-9415101f2e21" providerId="AD" clId="Web-{F0E2ADE9-3750-4361-9C94-74FC935C4F87}" dt="2020-07-07T04:54:31.365" v="103"/>
-          <ac:inkMkLst>
-            <pc:docMk/>
-            <pc:sldMk cId="3628011919" sldId="295"/>
-            <ac:inkMk id="5" creationId="{0DB87F7A-38AA-4A2B-A4E7-ED5F30E75ABA}"/>
-          </ac:inkMkLst>
-        </pc:inkChg>
-        <pc:inkChg chg="add">
-          <ac:chgData name="Md. Nahid Hasan" userId="S::nahid@vu.edu.bd::85ea5f9e-65d6-4031-b810-9415101f2e21" providerId="AD" clId="Web-{F0E2ADE9-3750-4361-9C94-74FC935C4F87}" dt="2020-07-07T04:54:33.287" v="104"/>
-          <ac:inkMkLst>
-            <pc:docMk/>
-            <pc:sldMk cId="3628011919" sldId="295"/>
-            <ac:inkMk id="6" creationId="{7EE32258-549F-4882-9BA6-D4C3D6FC807E}"/>
-          </ac:inkMkLst>
-        </pc:inkChg>
-        <pc:inkChg chg="add">
-          <ac:chgData name="Md. Nahid Hasan" userId="S::nahid@vu.edu.bd::85ea5f9e-65d6-4031-b810-9415101f2e21" providerId="AD" clId="Web-{F0E2ADE9-3750-4361-9C94-74FC935C4F87}" dt="2020-07-07T04:54:38.130" v="105"/>
-          <ac:inkMkLst>
-            <pc:docMk/>
-            <pc:sldMk cId="3628011919" sldId="295"/>
-            <ac:inkMk id="7" creationId="{0FBAD3BA-3B5F-4C15-842C-F63469A1D9C8}"/>
-          </ac:inkMkLst>
-        </pc:inkChg>
-        <pc:inkChg chg="add">
-          <ac:chgData name="Md. Nahid Hasan" userId="S::nahid@vu.edu.bd::85ea5f9e-65d6-4031-b810-9415101f2e21" providerId="AD" clId="Web-{F0E2ADE9-3750-4361-9C94-74FC935C4F87}" dt="2020-07-07T04:54:42.880" v="106"/>
-          <ac:inkMkLst>
-            <pc:docMk/>
-            <pc:sldMk cId="3628011919" sldId="295"/>
-            <ac:inkMk id="9" creationId="{B3651C05-FB34-470D-AB3E-75930EDED117}"/>
-          </ac:inkMkLst>
-        </pc:inkChg>
-        <pc:inkChg chg="add">
-          <ac:chgData name="Md. Nahid Hasan" userId="S::nahid@vu.edu.bd::85ea5f9e-65d6-4031-b810-9415101f2e21" providerId="AD" clId="Web-{F0E2ADE9-3750-4361-9C94-74FC935C4F87}" dt="2020-07-07T04:54:44.240" v="107"/>
-          <ac:inkMkLst>
-            <pc:docMk/>
-            <pc:sldMk cId="3628011919" sldId="295"/>
-            <ac:inkMk id="10" creationId="{25EA9FD5-94BA-4E40-9FBF-6F248A95B867}"/>
-          </ac:inkMkLst>
-        </pc:inkChg>
-        <pc:inkChg chg="add">
-          <ac:chgData name="Md. Nahid Hasan" userId="S::nahid@vu.edu.bd::85ea5f9e-65d6-4031-b810-9415101f2e21" providerId="AD" clId="Web-{F0E2ADE9-3750-4361-9C94-74FC935C4F87}" dt="2020-07-07T04:54:54.365" v="108"/>
-          <ac:inkMkLst>
-            <pc:docMk/>
-            <pc:sldMk cId="3628011919" sldId="295"/>
-            <ac:inkMk id="11" creationId="{47576310-BF1B-44C3-8C6B-4CF7DC0B0221}"/>
-          </ac:inkMkLst>
-        </pc:inkChg>
-        <pc:inkChg chg="add">
-          <ac:chgData name="Md. Nahid Hasan" userId="S::nahid@vu.edu.bd::85ea5f9e-65d6-4031-b810-9415101f2e21" providerId="AD" clId="Web-{F0E2ADE9-3750-4361-9C94-74FC935C4F87}" dt="2020-07-07T04:54:58.458" v="109"/>
-          <ac:inkMkLst>
-            <pc:docMk/>
-            <pc:sldMk cId="3628011919" sldId="295"/>
-            <ac:inkMk id="12" creationId="{CEF6B84D-B54B-4CF0-8BEA-C137E62B7234}"/>
-          </ac:inkMkLst>
-        </pc:inkChg>
-        <pc:inkChg chg="add">
-          <ac:chgData name="Md. Nahid Hasan" userId="S::nahid@vu.edu.bd::85ea5f9e-65d6-4031-b810-9415101f2e21" providerId="AD" clId="Web-{F0E2ADE9-3750-4361-9C94-74FC935C4F87}" dt="2020-07-07T04:54:59.646" v="110"/>
-          <ac:inkMkLst>
-            <pc:docMk/>
-            <pc:sldMk cId="3628011919" sldId="295"/>
-            <ac:inkMk id="13" creationId="{A50E725E-B850-40F5-8BB0-E5CE74CD56B0}"/>
-          </ac:inkMkLst>
-        </pc:inkChg>
-        <pc:inkChg chg="add">
-          <ac:chgData name="Md. Nahid Hasan" userId="S::nahid@vu.edu.bd::85ea5f9e-65d6-4031-b810-9415101f2e21" providerId="AD" clId="Web-{F0E2ADE9-3750-4361-9C94-74FC935C4F87}" dt="2020-07-07T04:55:00.552" v="111"/>
-          <ac:inkMkLst>
-            <pc:docMk/>
-            <pc:sldMk cId="3628011919" sldId="295"/>
-            <ac:inkMk id="14" creationId="{89D99022-E97E-4A2F-BFDD-294B45265193}"/>
-          </ac:inkMkLst>
-        </pc:inkChg>
-        <pc:inkChg chg="add">
-          <ac:chgData name="Md. Nahid Hasan" userId="S::nahid@vu.edu.bd::85ea5f9e-65d6-4031-b810-9415101f2e21" providerId="AD" clId="Web-{F0E2ADE9-3750-4361-9C94-74FC935C4F87}" dt="2020-07-07T04:55:01.740" v="112"/>
-          <ac:inkMkLst>
-            <pc:docMk/>
-            <pc:sldMk cId="3628011919" sldId="295"/>
-            <ac:inkMk id="15" creationId="{C9F6190A-4245-4BEB-85ED-61FFB958AE7D}"/>
-          </ac:inkMkLst>
-        </pc:inkChg>
       </pc:sldChg>
       <pc:sldChg chg="addSp">
         <pc:chgData name="Md. Nahid Hasan" userId="S::nahid@vu.edu.bd::85ea5f9e-65d6-4031-b810-9415101f2e21" providerId="AD" clId="Web-{F0E2ADE9-3750-4361-9C94-74FC935C4F87}" dt="2020-07-07T04:55:54.271" v="115"/>
@@ -1403,14 +283,6 @@
           <pc:docMk/>
           <pc:sldMk cId="2947678939" sldId="296"/>
         </pc:sldMkLst>
-        <pc:inkChg chg="add">
-          <ac:chgData name="Md. Nahid Hasan" userId="S::nahid@vu.edu.bd::85ea5f9e-65d6-4031-b810-9415101f2e21" providerId="AD" clId="Web-{F0E2ADE9-3750-4361-9C94-74FC935C4F87}" dt="2020-07-07T04:55:54.271" v="115"/>
-          <ac:inkMkLst>
-            <pc:docMk/>
-            <pc:sldMk cId="2947678939" sldId="296"/>
-            <ac:inkMk id="3" creationId="{36B155F1-BE70-4B4F-9D6A-BEA5F7BC7E2C}"/>
-          </ac:inkMkLst>
-        </pc:inkChg>
       </pc:sldChg>
       <pc:sldChg chg="addSp">
         <pc:chgData name="Md. Nahid Hasan" userId="S::nahid@vu.edu.bd::85ea5f9e-65d6-4031-b810-9415101f2e21" providerId="AD" clId="Web-{F0E2ADE9-3750-4361-9C94-74FC935C4F87}" dt="2020-07-07T04:56:24.771" v="117"/>
@@ -1418,22 +290,6 @@
           <pc:docMk/>
           <pc:sldMk cId="1897827838" sldId="297"/>
         </pc:sldMkLst>
-        <pc:inkChg chg="add">
-          <ac:chgData name="Md. Nahid Hasan" userId="S::nahid@vu.edu.bd::85ea5f9e-65d6-4031-b810-9415101f2e21" providerId="AD" clId="Web-{F0E2ADE9-3750-4361-9C94-74FC935C4F87}" dt="2020-07-07T04:56:21.084" v="116"/>
-          <ac:inkMkLst>
-            <pc:docMk/>
-            <pc:sldMk cId="1897827838" sldId="297"/>
-            <ac:inkMk id="3" creationId="{BFEC224C-6C0B-470B-AAAB-DCF4C294C81F}"/>
-          </ac:inkMkLst>
-        </pc:inkChg>
-        <pc:inkChg chg="add">
-          <ac:chgData name="Md. Nahid Hasan" userId="S::nahid@vu.edu.bd::85ea5f9e-65d6-4031-b810-9415101f2e21" providerId="AD" clId="Web-{F0E2ADE9-3750-4361-9C94-74FC935C4F87}" dt="2020-07-07T04:56:24.771" v="117"/>
-          <ac:inkMkLst>
-            <pc:docMk/>
-            <pc:sldMk cId="1897827838" sldId="297"/>
-            <ac:inkMk id="5" creationId="{749B7D3A-4723-4C64-8EB8-CC53B379C6B2}"/>
-          </ac:inkMkLst>
-        </pc:inkChg>
       </pc:sldChg>
       <pc:sldChg chg="addSp">
         <pc:chgData name="Md. Nahid Hasan" userId="S::nahid@vu.edu.bd::85ea5f9e-65d6-4031-b810-9415101f2e21" providerId="AD" clId="Web-{F0E2ADE9-3750-4361-9C94-74FC935C4F87}" dt="2020-07-07T04:55:37.240" v="114"/>
@@ -1441,22 +297,6 @@
           <pc:docMk/>
           <pc:sldMk cId="784435641" sldId="298"/>
         </pc:sldMkLst>
-        <pc:inkChg chg="add">
-          <ac:chgData name="Md. Nahid Hasan" userId="S::nahid@vu.edu.bd::85ea5f9e-65d6-4031-b810-9415101f2e21" providerId="AD" clId="Web-{F0E2ADE9-3750-4361-9C94-74FC935C4F87}" dt="2020-07-07T04:55:27.208" v="113"/>
-          <ac:inkMkLst>
-            <pc:docMk/>
-            <pc:sldMk cId="784435641" sldId="298"/>
-            <ac:inkMk id="3" creationId="{F00F66DA-35C8-4A5F-8B11-43C56197D884}"/>
-          </ac:inkMkLst>
-        </pc:inkChg>
-        <pc:inkChg chg="add">
-          <ac:chgData name="Md. Nahid Hasan" userId="S::nahid@vu.edu.bd::85ea5f9e-65d6-4031-b810-9415101f2e21" providerId="AD" clId="Web-{F0E2ADE9-3750-4361-9C94-74FC935C4F87}" dt="2020-07-07T04:55:37.240" v="114"/>
-          <ac:inkMkLst>
-            <pc:docMk/>
-            <pc:sldMk cId="784435641" sldId="298"/>
-            <ac:inkMk id="5" creationId="{B515FD55-9B54-4057-9FEF-C209D73451FD}"/>
-          </ac:inkMkLst>
-        </pc:inkChg>
       </pc:sldChg>
       <pc:sldChg chg="addSp">
         <pc:chgData name="Md. Nahid Hasan" userId="S::nahid@vu.edu.bd::85ea5f9e-65d6-4031-b810-9415101f2e21" providerId="AD" clId="Web-{F0E2ADE9-3750-4361-9C94-74FC935C4F87}" dt="2020-07-07T04:57:01.443" v="129"/>
@@ -1464,102 +304,6 @@
           <pc:docMk/>
           <pc:sldMk cId="1848912596" sldId="299"/>
         </pc:sldMkLst>
-        <pc:inkChg chg="add">
-          <ac:chgData name="Md. Nahid Hasan" userId="S::nahid@vu.edu.bd::85ea5f9e-65d6-4031-b810-9415101f2e21" providerId="AD" clId="Web-{F0E2ADE9-3750-4361-9C94-74FC935C4F87}" dt="2020-07-07T04:56:37.505" v="118"/>
-          <ac:inkMkLst>
-            <pc:docMk/>
-            <pc:sldMk cId="1848912596" sldId="299"/>
-            <ac:inkMk id="2" creationId="{218DC7AA-6BB6-4CBC-83B8-7E9C7D7152A4}"/>
-          </ac:inkMkLst>
-        </pc:inkChg>
-        <pc:inkChg chg="add">
-          <ac:chgData name="Md. Nahid Hasan" userId="S::nahid@vu.edu.bd::85ea5f9e-65d6-4031-b810-9415101f2e21" providerId="AD" clId="Web-{F0E2ADE9-3750-4361-9C94-74FC935C4F87}" dt="2020-07-07T04:56:39.552" v="119"/>
-          <ac:inkMkLst>
-            <pc:docMk/>
-            <pc:sldMk cId="1848912596" sldId="299"/>
-            <ac:inkMk id="3" creationId="{F3CCE8E0-A678-4846-B07F-BD161C10C1AC}"/>
-          </ac:inkMkLst>
-        </pc:inkChg>
-        <pc:inkChg chg="add">
-          <ac:chgData name="Md. Nahid Hasan" userId="S::nahid@vu.edu.bd::85ea5f9e-65d6-4031-b810-9415101f2e21" providerId="AD" clId="Web-{F0E2ADE9-3750-4361-9C94-74FC935C4F87}" dt="2020-07-07T04:56:40.896" v="120"/>
-          <ac:inkMkLst>
-            <pc:docMk/>
-            <pc:sldMk cId="1848912596" sldId="299"/>
-            <ac:inkMk id="4" creationId="{771FD141-3718-4F9C-8523-6F4E25240DE4}"/>
-          </ac:inkMkLst>
-        </pc:inkChg>
-        <pc:inkChg chg="add">
-          <ac:chgData name="Md. Nahid Hasan" userId="S::nahid@vu.edu.bd::85ea5f9e-65d6-4031-b810-9415101f2e21" providerId="AD" clId="Web-{F0E2ADE9-3750-4361-9C94-74FC935C4F87}" dt="2020-07-07T04:56:42.302" v="121"/>
-          <ac:inkMkLst>
-            <pc:docMk/>
-            <pc:sldMk cId="1848912596" sldId="299"/>
-            <ac:inkMk id="6" creationId="{FCB273B0-CD8C-4243-9D93-63EEE58D7BF8}"/>
-          </ac:inkMkLst>
-        </pc:inkChg>
-        <pc:inkChg chg="add">
-          <ac:chgData name="Md. Nahid Hasan" userId="S::nahid@vu.edu.bd::85ea5f9e-65d6-4031-b810-9415101f2e21" providerId="AD" clId="Web-{F0E2ADE9-3750-4361-9C94-74FC935C4F87}" dt="2020-07-07T04:56:44.615" v="122"/>
-          <ac:inkMkLst>
-            <pc:docMk/>
-            <pc:sldMk cId="1848912596" sldId="299"/>
-            <ac:inkMk id="7" creationId="{F55AD7F5-8EC2-4F08-A4C2-45FB19ACFC64}"/>
-          </ac:inkMkLst>
-        </pc:inkChg>
-        <pc:inkChg chg="add">
-          <ac:chgData name="Md. Nahid Hasan" userId="S::nahid@vu.edu.bd::85ea5f9e-65d6-4031-b810-9415101f2e21" providerId="AD" clId="Web-{F0E2ADE9-3750-4361-9C94-74FC935C4F87}" dt="2020-07-07T04:56:48.146" v="123"/>
-          <ac:inkMkLst>
-            <pc:docMk/>
-            <pc:sldMk cId="1848912596" sldId="299"/>
-            <ac:inkMk id="8" creationId="{248182C9-5724-4859-9F36-0E040E6A44A7}"/>
-          </ac:inkMkLst>
-        </pc:inkChg>
-        <pc:inkChg chg="add">
-          <ac:chgData name="Md. Nahid Hasan" userId="S::nahid@vu.edu.bd::85ea5f9e-65d6-4031-b810-9415101f2e21" providerId="AD" clId="Web-{F0E2ADE9-3750-4361-9C94-74FC935C4F87}" dt="2020-07-07T04:56:51.427" v="124"/>
-          <ac:inkMkLst>
-            <pc:docMk/>
-            <pc:sldMk cId="1848912596" sldId="299"/>
-            <ac:inkMk id="9" creationId="{E467F32D-522F-4C36-9F06-E2BE5F48C60B}"/>
-          </ac:inkMkLst>
-        </pc:inkChg>
-        <pc:inkChg chg="add">
-          <ac:chgData name="Md. Nahid Hasan" userId="S::nahid@vu.edu.bd::85ea5f9e-65d6-4031-b810-9415101f2e21" providerId="AD" clId="Web-{F0E2ADE9-3750-4361-9C94-74FC935C4F87}" dt="2020-07-07T04:56:52.459" v="125"/>
-          <ac:inkMkLst>
-            <pc:docMk/>
-            <pc:sldMk cId="1848912596" sldId="299"/>
-            <ac:inkMk id="10" creationId="{7D265E96-C196-40FA-BB09-6F705FC36CFF}"/>
-          </ac:inkMkLst>
-        </pc:inkChg>
-        <pc:inkChg chg="add">
-          <ac:chgData name="Md. Nahid Hasan" userId="S::nahid@vu.edu.bd::85ea5f9e-65d6-4031-b810-9415101f2e21" providerId="AD" clId="Web-{F0E2ADE9-3750-4361-9C94-74FC935C4F87}" dt="2020-07-07T04:56:54.927" v="126"/>
-          <ac:inkMkLst>
-            <pc:docMk/>
-            <pc:sldMk cId="1848912596" sldId="299"/>
-            <ac:inkMk id="11" creationId="{05E4F829-AF5C-4AAC-ABA6-42648DF5671E}"/>
-          </ac:inkMkLst>
-        </pc:inkChg>
-        <pc:inkChg chg="add">
-          <ac:chgData name="Md. Nahid Hasan" userId="S::nahid@vu.edu.bd::85ea5f9e-65d6-4031-b810-9415101f2e21" providerId="AD" clId="Web-{F0E2ADE9-3750-4361-9C94-74FC935C4F87}" dt="2020-07-07T04:56:57.724" v="127"/>
-          <ac:inkMkLst>
-            <pc:docMk/>
-            <pc:sldMk cId="1848912596" sldId="299"/>
-            <ac:inkMk id="12" creationId="{57016912-C8D7-4D3E-A73C-8B192FCA5C4C}"/>
-          </ac:inkMkLst>
-        </pc:inkChg>
-        <pc:inkChg chg="add">
-          <ac:chgData name="Md. Nahid Hasan" userId="S::nahid@vu.edu.bd::85ea5f9e-65d6-4031-b810-9415101f2e21" providerId="AD" clId="Web-{F0E2ADE9-3750-4361-9C94-74FC935C4F87}" dt="2020-07-07T04:56:59.568" v="128"/>
-          <ac:inkMkLst>
-            <pc:docMk/>
-            <pc:sldMk cId="1848912596" sldId="299"/>
-            <ac:inkMk id="13" creationId="{01A3AAB8-2468-4656-B8D6-33665FF0F299}"/>
-          </ac:inkMkLst>
-        </pc:inkChg>
-        <pc:inkChg chg="add">
-          <ac:chgData name="Md. Nahid Hasan" userId="S::nahid@vu.edu.bd::85ea5f9e-65d6-4031-b810-9415101f2e21" providerId="AD" clId="Web-{F0E2ADE9-3750-4361-9C94-74FC935C4F87}" dt="2020-07-07T04:57:01.443" v="129"/>
-          <ac:inkMkLst>
-            <pc:docMk/>
-            <pc:sldMk cId="1848912596" sldId="299"/>
-            <ac:inkMk id="14" creationId="{A72DF5E4-91B4-4BEE-89C0-4181BC682806}"/>
-          </ac:inkMkLst>
-        </pc:inkChg>
       </pc:sldChg>
       <pc:sldChg chg="addSp">
         <pc:chgData name="Md. Nahid Hasan" userId="S::nahid@vu.edu.bd::85ea5f9e-65d6-4031-b810-9415101f2e21" providerId="AD" clId="Web-{F0E2ADE9-3750-4361-9C94-74FC935C4F87}" dt="2020-07-07T05:47:11.666" v="370"/>
@@ -1567,118 +311,6 @@
           <pc:docMk/>
           <pc:sldMk cId="470082829" sldId="300"/>
         </pc:sldMkLst>
-        <pc:inkChg chg="add">
-          <ac:chgData name="Md. Nahid Hasan" userId="S::nahid@vu.edu.bd::85ea5f9e-65d6-4031-b810-9415101f2e21" providerId="AD" clId="Web-{F0E2ADE9-3750-4361-9C94-74FC935C4F87}" dt="2020-07-07T05:38:07.681" v="357"/>
-          <ac:inkMkLst>
-            <pc:docMk/>
-            <pc:sldMk cId="470082829" sldId="300"/>
-            <ac:inkMk id="2" creationId="{DF587750-FF02-4797-B211-2A49575F5FA0}"/>
-          </ac:inkMkLst>
-        </pc:inkChg>
-        <pc:inkChg chg="add">
-          <ac:chgData name="Md. Nahid Hasan" userId="S::nahid@vu.edu.bd::85ea5f9e-65d6-4031-b810-9415101f2e21" providerId="AD" clId="Web-{F0E2ADE9-3750-4361-9C94-74FC935C4F87}" dt="2020-07-07T05:39:00.415" v="358"/>
-          <ac:inkMkLst>
-            <pc:docMk/>
-            <pc:sldMk cId="470082829" sldId="300"/>
-            <ac:inkMk id="5" creationId="{22653965-2C5B-4296-A28D-C4CDEFD04776}"/>
-          </ac:inkMkLst>
-        </pc:inkChg>
-        <pc:inkChg chg="add">
-          <ac:chgData name="Md. Nahid Hasan" userId="S::nahid@vu.edu.bd::85ea5f9e-65d6-4031-b810-9415101f2e21" providerId="AD" clId="Web-{F0E2ADE9-3750-4361-9C94-74FC935C4F87}" dt="2020-07-07T05:39:19.884" v="359"/>
-          <ac:inkMkLst>
-            <pc:docMk/>
-            <pc:sldMk cId="470082829" sldId="300"/>
-            <ac:inkMk id="6" creationId="{A3D55898-CF6D-4AA8-907B-26C0FFCD2E14}"/>
-          </ac:inkMkLst>
-        </pc:inkChg>
-        <pc:inkChg chg="add">
-          <ac:chgData name="Md. Nahid Hasan" userId="S::nahid@vu.edu.bd::85ea5f9e-65d6-4031-b810-9415101f2e21" providerId="AD" clId="Web-{F0E2ADE9-3750-4361-9C94-74FC935C4F87}" dt="2020-07-07T05:39:28.384" v="360"/>
-          <ac:inkMkLst>
-            <pc:docMk/>
-            <pc:sldMk cId="470082829" sldId="300"/>
-            <ac:inkMk id="7" creationId="{5282FC38-0E55-4CC1-8EE7-0EF34F4D6006}"/>
-          </ac:inkMkLst>
-        </pc:inkChg>
-        <pc:inkChg chg="add">
-          <ac:chgData name="Md. Nahid Hasan" userId="S::nahid@vu.edu.bd::85ea5f9e-65d6-4031-b810-9415101f2e21" providerId="AD" clId="Web-{F0E2ADE9-3750-4361-9C94-74FC935C4F87}" dt="2020-07-07T05:40:40.681" v="361"/>
-          <ac:inkMkLst>
-            <pc:docMk/>
-            <pc:sldMk cId="470082829" sldId="300"/>
-            <ac:inkMk id="8" creationId="{47FF34F2-0567-448A-9A8C-F6B584BA2876}"/>
-          </ac:inkMkLst>
-        </pc:inkChg>
-        <pc:inkChg chg="add">
-          <ac:chgData name="Md. Nahid Hasan" userId="S::nahid@vu.edu.bd::85ea5f9e-65d6-4031-b810-9415101f2e21" providerId="AD" clId="Web-{F0E2ADE9-3750-4361-9C94-74FC935C4F87}" dt="2020-07-07T05:40:42.556" v="362"/>
-          <ac:inkMkLst>
-            <pc:docMk/>
-            <pc:sldMk cId="470082829" sldId="300"/>
-            <ac:inkMk id="9" creationId="{6BC3BDFF-6662-4D71-8603-B7C06C5E6DDE}"/>
-          </ac:inkMkLst>
-        </pc:inkChg>
-        <pc:inkChg chg="add">
-          <ac:chgData name="Md. Nahid Hasan" userId="S::nahid@vu.edu.bd::85ea5f9e-65d6-4031-b810-9415101f2e21" providerId="AD" clId="Web-{F0E2ADE9-3750-4361-9C94-74FC935C4F87}" dt="2020-07-07T05:41:02.868" v="363"/>
-          <ac:inkMkLst>
-            <pc:docMk/>
-            <pc:sldMk cId="470082829" sldId="300"/>
-            <ac:inkMk id="10" creationId="{CCD8F63A-B8AF-4576-8BBD-696469017DEA}"/>
-          </ac:inkMkLst>
-        </pc:inkChg>
-        <pc:inkChg chg="add">
-          <ac:chgData name="Md. Nahid Hasan" userId="S::nahid@vu.edu.bd::85ea5f9e-65d6-4031-b810-9415101f2e21" providerId="AD" clId="Web-{F0E2ADE9-3750-4361-9C94-74FC935C4F87}" dt="2020-07-07T05:41:35.400" v="364"/>
-          <ac:inkMkLst>
-            <pc:docMk/>
-            <pc:sldMk cId="470082829" sldId="300"/>
-            <ac:inkMk id="11" creationId="{0D5C49F3-A007-4A67-B870-DC6A518C939C}"/>
-          </ac:inkMkLst>
-        </pc:inkChg>
-        <pc:inkChg chg="add">
-          <ac:chgData name="Md. Nahid Hasan" userId="S::nahid@vu.edu.bd::85ea5f9e-65d6-4031-b810-9415101f2e21" providerId="AD" clId="Web-{F0E2ADE9-3750-4361-9C94-74FC935C4F87}" dt="2020-07-07T05:42:51.665" v="365"/>
-          <ac:inkMkLst>
-            <pc:docMk/>
-            <pc:sldMk cId="470082829" sldId="300"/>
-            <ac:inkMk id="12" creationId="{9B3148D3-3C54-47AA-8F47-C963C5356E64}"/>
-          </ac:inkMkLst>
-        </pc:inkChg>
-        <pc:inkChg chg="add">
-          <ac:chgData name="Md. Nahid Hasan" userId="S::nahid@vu.edu.bd::85ea5f9e-65d6-4031-b810-9415101f2e21" providerId="AD" clId="Web-{F0E2ADE9-3750-4361-9C94-74FC935C4F87}" dt="2020-07-07T05:44:53.822" v="366"/>
-          <ac:inkMkLst>
-            <pc:docMk/>
-            <pc:sldMk cId="470082829" sldId="300"/>
-            <ac:inkMk id="13" creationId="{30ABF9B5-C0CF-42F1-9506-08BDA16A02E0}"/>
-          </ac:inkMkLst>
-        </pc:inkChg>
-        <pc:inkChg chg="add">
-          <ac:chgData name="Md. Nahid Hasan" userId="S::nahid@vu.edu.bd::85ea5f9e-65d6-4031-b810-9415101f2e21" providerId="AD" clId="Web-{F0E2ADE9-3750-4361-9C94-74FC935C4F87}" dt="2020-07-07T05:45:17.384" v="367"/>
-          <ac:inkMkLst>
-            <pc:docMk/>
-            <pc:sldMk cId="470082829" sldId="300"/>
-            <ac:inkMk id="14" creationId="{B45DBEA8-0109-415F-94A8-A1EB3166D138}"/>
-          </ac:inkMkLst>
-        </pc:inkChg>
-        <pc:inkChg chg="add">
-          <ac:chgData name="Md. Nahid Hasan" userId="S::nahid@vu.edu.bd::85ea5f9e-65d6-4031-b810-9415101f2e21" providerId="AD" clId="Web-{F0E2ADE9-3750-4361-9C94-74FC935C4F87}" dt="2020-07-07T05:45:20.462" v="368"/>
-          <ac:inkMkLst>
-            <pc:docMk/>
-            <pc:sldMk cId="470082829" sldId="300"/>
-            <ac:inkMk id="15" creationId="{9B6B4272-AC3E-42CD-A1A6-634941F96FC9}"/>
-          </ac:inkMkLst>
-        </pc:inkChg>
-        <pc:inkChg chg="add">
-          <ac:chgData name="Md. Nahid Hasan" userId="S::nahid@vu.edu.bd::85ea5f9e-65d6-4031-b810-9415101f2e21" providerId="AD" clId="Web-{F0E2ADE9-3750-4361-9C94-74FC935C4F87}" dt="2020-07-07T05:45:48.025" v="369"/>
-          <ac:inkMkLst>
-            <pc:docMk/>
-            <pc:sldMk cId="470082829" sldId="300"/>
-            <ac:inkMk id="16" creationId="{5EDABDDD-D7AB-4704-A5FA-0B8D21E860DC}"/>
-          </ac:inkMkLst>
-        </pc:inkChg>
-        <pc:inkChg chg="add">
-          <ac:chgData name="Md. Nahid Hasan" userId="S::nahid@vu.edu.bd::85ea5f9e-65d6-4031-b810-9415101f2e21" providerId="AD" clId="Web-{F0E2ADE9-3750-4361-9C94-74FC935C4F87}" dt="2020-07-07T05:47:11.666" v="370"/>
-          <ac:inkMkLst>
-            <pc:docMk/>
-            <pc:sldMk cId="470082829" sldId="300"/>
-            <ac:inkMk id="17" creationId="{42772775-2465-44BB-858D-4323A54E0C9E}"/>
-          </ac:inkMkLst>
-        </pc:inkChg>
       </pc:sldChg>
       <pc:sldChg chg="addSp">
         <pc:chgData name="Md. Nahid Hasan" userId="S::nahid@vu.edu.bd::85ea5f9e-65d6-4031-b810-9415101f2e21" providerId="AD" clId="Web-{F0E2ADE9-3750-4361-9C94-74FC935C4F87}" dt="2020-07-07T05:51:20.400" v="385"/>
@@ -1686,126 +318,6 @@
           <pc:docMk/>
           <pc:sldMk cId="994439071" sldId="301"/>
         </pc:sldMkLst>
-        <pc:inkChg chg="add">
-          <ac:chgData name="Md. Nahid Hasan" userId="S::nahid@vu.edu.bd::85ea5f9e-65d6-4031-b810-9415101f2e21" providerId="AD" clId="Web-{F0E2ADE9-3750-4361-9C94-74FC935C4F87}" dt="2020-07-07T05:48:00.635" v="371"/>
-          <ac:inkMkLst>
-            <pc:docMk/>
-            <pc:sldMk cId="994439071" sldId="301"/>
-            <ac:inkMk id="2" creationId="{B9254D17-CC7D-493F-933C-B8846DB3761E}"/>
-          </ac:inkMkLst>
-        </pc:inkChg>
-        <pc:inkChg chg="add">
-          <ac:chgData name="Md. Nahid Hasan" userId="S::nahid@vu.edu.bd::85ea5f9e-65d6-4031-b810-9415101f2e21" providerId="AD" clId="Web-{F0E2ADE9-3750-4361-9C94-74FC935C4F87}" dt="2020-07-07T05:48:01.806" v="372"/>
-          <ac:inkMkLst>
-            <pc:docMk/>
-            <pc:sldMk cId="994439071" sldId="301"/>
-            <ac:inkMk id="5" creationId="{57BB43F8-CC04-4DBB-A926-4C92E6D81765}"/>
-          </ac:inkMkLst>
-        </pc:inkChg>
-        <pc:inkChg chg="add">
-          <ac:chgData name="Md. Nahid Hasan" userId="S::nahid@vu.edu.bd::85ea5f9e-65d6-4031-b810-9415101f2e21" providerId="AD" clId="Web-{F0E2ADE9-3750-4361-9C94-74FC935C4F87}" dt="2020-07-07T05:48:10.963" v="373"/>
-          <ac:inkMkLst>
-            <pc:docMk/>
-            <pc:sldMk cId="994439071" sldId="301"/>
-            <ac:inkMk id="6" creationId="{6B3E9DAE-BF59-44F8-B5EE-A1F053F02589}"/>
-          </ac:inkMkLst>
-        </pc:inkChg>
-        <pc:inkChg chg="add">
-          <ac:chgData name="Md. Nahid Hasan" userId="S::nahid@vu.edu.bd::85ea5f9e-65d6-4031-b810-9415101f2e21" providerId="AD" clId="Web-{F0E2ADE9-3750-4361-9C94-74FC935C4F87}" dt="2020-07-07T05:48:12.150" v="374"/>
-          <ac:inkMkLst>
-            <pc:docMk/>
-            <pc:sldMk cId="994439071" sldId="301"/>
-            <ac:inkMk id="7" creationId="{FE856835-FC0F-4649-B4A6-739EDEE6A5A8}"/>
-          </ac:inkMkLst>
-        </pc:inkChg>
-        <pc:inkChg chg="add">
-          <ac:chgData name="Md. Nahid Hasan" userId="S::nahid@vu.edu.bd::85ea5f9e-65d6-4031-b810-9415101f2e21" providerId="AD" clId="Web-{F0E2ADE9-3750-4361-9C94-74FC935C4F87}" dt="2020-07-07T05:48:17.822" v="375"/>
-          <ac:inkMkLst>
-            <pc:docMk/>
-            <pc:sldMk cId="994439071" sldId="301"/>
-            <ac:inkMk id="8" creationId="{D1E26A32-FA11-4BF2-9F57-D51E8441F75B}"/>
-          </ac:inkMkLst>
-        </pc:inkChg>
-        <pc:inkChg chg="add">
-          <ac:chgData name="Md. Nahid Hasan" userId="S::nahid@vu.edu.bd::85ea5f9e-65d6-4031-b810-9415101f2e21" providerId="AD" clId="Web-{F0E2ADE9-3750-4361-9C94-74FC935C4F87}" dt="2020-07-07T05:48:23.416" v="376"/>
-          <ac:inkMkLst>
-            <pc:docMk/>
-            <pc:sldMk cId="994439071" sldId="301"/>
-            <ac:inkMk id="9" creationId="{5FDD09E7-D444-49BA-B4B3-345958081C25}"/>
-          </ac:inkMkLst>
-        </pc:inkChg>
-        <pc:inkChg chg="add">
-          <ac:chgData name="Md. Nahid Hasan" userId="S::nahid@vu.edu.bd::85ea5f9e-65d6-4031-b810-9415101f2e21" providerId="AD" clId="Web-{F0E2ADE9-3750-4361-9C94-74FC935C4F87}" dt="2020-07-07T05:48:25.119" v="377"/>
-          <ac:inkMkLst>
-            <pc:docMk/>
-            <pc:sldMk cId="994439071" sldId="301"/>
-            <ac:inkMk id="10" creationId="{26255E82-3D3C-4F45-82E6-82FCCD24FC33}"/>
-          </ac:inkMkLst>
-        </pc:inkChg>
-        <pc:inkChg chg="add">
-          <ac:chgData name="Md. Nahid Hasan" userId="S::nahid@vu.edu.bd::85ea5f9e-65d6-4031-b810-9415101f2e21" providerId="AD" clId="Web-{F0E2ADE9-3750-4361-9C94-74FC935C4F87}" dt="2020-07-07T05:48:28.447" v="378"/>
-          <ac:inkMkLst>
-            <pc:docMk/>
-            <pc:sldMk cId="994439071" sldId="301"/>
-            <ac:inkMk id="11" creationId="{8EB53425-A0E6-41A3-8DA4-19C52AD63D17}"/>
-          </ac:inkMkLst>
-        </pc:inkChg>
-        <pc:inkChg chg="add">
-          <ac:chgData name="Md. Nahid Hasan" userId="S::nahid@vu.edu.bd::85ea5f9e-65d6-4031-b810-9415101f2e21" providerId="AD" clId="Web-{F0E2ADE9-3750-4361-9C94-74FC935C4F87}" dt="2020-07-07T05:48:44.431" v="379"/>
-          <ac:inkMkLst>
-            <pc:docMk/>
-            <pc:sldMk cId="994439071" sldId="301"/>
-            <ac:inkMk id="12" creationId="{1341AEE1-863C-4E97-A951-423DF4C0179C}"/>
-          </ac:inkMkLst>
-        </pc:inkChg>
-        <pc:inkChg chg="add">
-          <ac:chgData name="Md. Nahid Hasan" userId="S::nahid@vu.edu.bd::85ea5f9e-65d6-4031-b810-9415101f2e21" providerId="AD" clId="Web-{F0E2ADE9-3750-4361-9C94-74FC935C4F87}" dt="2020-07-07T05:48:45.306" v="380"/>
-          <ac:inkMkLst>
-            <pc:docMk/>
-            <pc:sldMk cId="994439071" sldId="301"/>
-            <ac:inkMk id="13" creationId="{D8D0EA0B-121A-489E-9034-58D3801471E6}"/>
-          </ac:inkMkLst>
-        </pc:inkChg>
-        <pc:inkChg chg="add">
-          <ac:chgData name="Md. Nahid Hasan" userId="S::nahid@vu.edu.bd::85ea5f9e-65d6-4031-b810-9415101f2e21" providerId="AD" clId="Web-{F0E2ADE9-3750-4361-9C94-74FC935C4F87}" dt="2020-07-07T05:48:46.369" v="381"/>
-          <ac:inkMkLst>
-            <pc:docMk/>
-            <pc:sldMk cId="994439071" sldId="301"/>
-            <ac:inkMk id="14" creationId="{BE896AB8-7E97-4C7A-BB96-6D9BB1D11BD8}"/>
-          </ac:inkMkLst>
-        </pc:inkChg>
-        <pc:inkChg chg="add">
-          <ac:chgData name="Md. Nahid Hasan" userId="S::nahid@vu.edu.bd::85ea5f9e-65d6-4031-b810-9415101f2e21" providerId="AD" clId="Web-{F0E2ADE9-3750-4361-9C94-74FC935C4F87}" dt="2020-07-07T05:48:53.025" v="382"/>
-          <ac:inkMkLst>
-            <pc:docMk/>
-            <pc:sldMk cId="994439071" sldId="301"/>
-            <ac:inkMk id="15" creationId="{DF4B23A9-1450-485F-8A3A-BB16F6A290E9}"/>
-          </ac:inkMkLst>
-        </pc:inkChg>
-        <pc:inkChg chg="add">
-          <ac:chgData name="Md. Nahid Hasan" userId="S::nahid@vu.edu.bd::85ea5f9e-65d6-4031-b810-9415101f2e21" providerId="AD" clId="Web-{F0E2ADE9-3750-4361-9C94-74FC935C4F87}" dt="2020-07-07T05:51:05.260" v="383"/>
-          <ac:inkMkLst>
-            <pc:docMk/>
-            <pc:sldMk cId="994439071" sldId="301"/>
-            <ac:inkMk id="16" creationId="{292CCF6A-1092-455D-AE3E-DA67041CF124}"/>
-          </ac:inkMkLst>
-        </pc:inkChg>
-        <pc:inkChg chg="add">
-          <ac:chgData name="Md. Nahid Hasan" userId="S::nahid@vu.edu.bd::85ea5f9e-65d6-4031-b810-9415101f2e21" providerId="AD" clId="Web-{F0E2ADE9-3750-4361-9C94-74FC935C4F87}" dt="2020-07-07T05:51:07.525" v="384"/>
-          <ac:inkMkLst>
-            <pc:docMk/>
-            <pc:sldMk cId="994439071" sldId="301"/>
-            <ac:inkMk id="17" creationId="{118AB6F1-3B65-4AAD-9E7A-2B7DB0692386}"/>
-          </ac:inkMkLst>
-        </pc:inkChg>
-        <pc:inkChg chg="add">
-          <ac:chgData name="Md. Nahid Hasan" userId="S::nahid@vu.edu.bd::85ea5f9e-65d6-4031-b810-9415101f2e21" providerId="AD" clId="Web-{F0E2ADE9-3750-4361-9C94-74FC935C4F87}" dt="2020-07-07T05:51:20.400" v="385"/>
-          <ac:inkMkLst>
-            <pc:docMk/>
-            <pc:sldMk cId="994439071" sldId="301"/>
-            <ac:inkMk id="18" creationId="{16D8F8D0-96A5-4835-9974-3DFA6B524312}"/>
-          </ac:inkMkLst>
-        </pc:inkChg>
       </pc:sldChg>
       <pc:sldChg chg="addSp">
         <pc:chgData name="Md. Nahid Hasan" userId="S::nahid@vu.edu.bd::85ea5f9e-65d6-4031-b810-9415101f2e21" providerId="AD" clId="Web-{F0E2ADE9-3750-4361-9C94-74FC935C4F87}" dt="2020-07-07T05:53:31.994" v="392"/>
@@ -1813,62 +325,6 @@
           <pc:docMk/>
           <pc:sldMk cId="800664074" sldId="302"/>
         </pc:sldMkLst>
-        <pc:inkChg chg="add">
-          <ac:chgData name="Md. Nahid Hasan" userId="S::nahid@vu.edu.bd::85ea5f9e-65d6-4031-b810-9415101f2e21" providerId="AD" clId="Web-{F0E2ADE9-3750-4361-9C94-74FC935C4F87}" dt="2020-07-07T05:51:31.697" v="386"/>
-          <ac:inkMkLst>
-            <pc:docMk/>
-            <pc:sldMk cId="800664074" sldId="302"/>
-            <ac:inkMk id="2" creationId="{92A3D6D1-8174-4A7E-A35D-2DFE65EB6D3E}"/>
-          </ac:inkMkLst>
-        </pc:inkChg>
-        <pc:inkChg chg="add">
-          <ac:chgData name="Md. Nahid Hasan" userId="S::nahid@vu.edu.bd::85ea5f9e-65d6-4031-b810-9415101f2e21" providerId="AD" clId="Web-{F0E2ADE9-3750-4361-9C94-74FC935C4F87}" dt="2020-07-07T05:52:14.791" v="387"/>
-          <ac:inkMkLst>
-            <pc:docMk/>
-            <pc:sldMk cId="800664074" sldId="302"/>
-            <ac:inkMk id="5" creationId="{A52A25E9-8C17-4872-A225-167B44DFE6CC}"/>
-          </ac:inkMkLst>
-        </pc:inkChg>
-        <pc:inkChg chg="add">
-          <ac:chgData name="Md. Nahid Hasan" userId="S::nahid@vu.edu.bd::85ea5f9e-65d6-4031-b810-9415101f2e21" providerId="AD" clId="Web-{F0E2ADE9-3750-4361-9C94-74FC935C4F87}" dt="2020-07-07T05:52:17.260" v="388"/>
-          <ac:inkMkLst>
-            <pc:docMk/>
-            <pc:sldMk cId="800664074" sldId="302"/>
-            <ac:inkMk id="6" creationId="{DBDDD96B-4199-4031-AE6F-F1A1A0BE9154}"/>
-          </ac:inkMkLst>
-        </pc:inkChg>
-        <pc:inkChg chg="add">
-          <ac:chgData name="Md. Nahid Hasan" userId="S::nahid@vu.edu.bd::85ea5f9e-65d6-4031-b810-9415101f2e21" providerId="AD" clId="Web-{F0E2ADE9-3750-4361-9C94-74FC935C4F87}" dt="2020-07-07T05:52:18.479" v="389"/>
-          <ac:inkMkLst>
-            <pc:docMk/>
-            <pc:sldMk cId="800664074" sldId="302"/>
-            <ac:inkMk id="7" creationId="{E3FE25F7-B53C-4611-881A-A9F7BF584746}"/>
-          </ac:inkMkLst>
-        </pc:inkChg>
-        <pc:inkChg chg="add">
-          <ac:chgData name="Md. Nahid Hasan" userId="S::nahid@vu.edu.bd::85ea5f9e-65d6-4031-b810-9415101f2e21" providerId="AD" clId="Web-{F0E2ADE9-3750-4361-9C94-74FC935C4F87}" dt="2020-07-07T05:52:32.760" v="390"/>
-          <ac:inkMkLst>
-            <pc:docMk/>
-            <pc:sldMk cId="800664074" sldId="302"/>
-            <ac:inkMk id="8" creationId="{A38164D7-C7B7-421C-8296-937870407543}"/>
-          </ac:inkMkLst>
-        </pc:inkChg>
-        <pc:inkChg chg="add">
-          <ac:chgData name="Md. Nahid Hasan" userId="S::nahid@vu.edu.bd::85ea5f9e-65d6-4031-b810-9415101f2e21" providerId="AD" clId="Web-{F0E2ADE9-3750-4361-9C94-74FC935C4F87}" dt="2020-07-07T05:53:30.307" v="391"/>
-          <ac:inkMkLst>
-            <pc:docMk/>
-            <pc:sldMk cId="800664074" sldId="302"/>
-            <ac:inkMk id="9" creationId="{F5E28093-86AA-4114-94F6-9BBD5F38A2C6}"/>
-          </ac:inkMkLst>
-        </pc:inkChg>
-        <pc:inkChg chg="add">
-          <ac:chgData name="Md. Nahid Hasan" userId="S::nahid@vu.edu.bd::85ea5f9e-65d6-4031-b810-9415101f2e21" providerId="AD" clId="Web-{F0E2ADE9-3750-4361-9C94-74FC935C4F87}" dt="2020-07-07T05:53:31.994" v="392"/>
-          <ac:inkMkLst>
-            <pc:docMk/>
-            <pc:sldMk cId="800664074" sldId="302"/>
-            <ac:inkMk id="10" creationId="{5019EBA4-6A0C-4B78-B73D-B8907F505CB0}"/>
-          </ac:inkMkLst>
-        </pc:inkChg>
       </pc:sldChg>
       <pc:sldChg chg="addSp">
         <pc:chgData name="Md. Nahid Hasan" userId="S::nahid@vu.edu.bd::85ea5f9e-65d6-4031-b810-9415101f2e21" providerId="AD" clId="Web-{F0E2ADE9-3750-4361-9C94-74FC935C4F87}" dt="2020-07-07T04:42:32.598" v="3"/>
@@ -1876,38 +332,6 @@
           <pc:docMk/>
           <pc:sldMk cId="295460460" sldId="303"/>
         </pc:sldMkLst>
-        <pc:inkChg chg="add">
-          <ac:chgData name="Md. Nahid Hasan" userId="S::nahid@vu.edu.bd::85ea5f9e-65d6-4031-b810-9415101f2e21" providerId="AD" clId="Web-{F0E2ADE9-3750-4361-9C94-74FC935C4F87}" dt="2020-07-07T04:41:58.692" v="0"/>
-          <ac:inkMkLst>
-            <pc:docMk/>
-            <pc:sldMk cId="295460460" sldId="303"/>
-            <ac:inkMk id="4" creationId="{615945A1-698D-4531-864B-4ECC45D1E14C}"/>
-          </ac:inkMkLst>
-        </pc:inkChg>
-        <pc:inkChg chg="add">
-          <ac:chgData name="Md. Nahid Hasan" userId="S::nahid@vu.edu.bd::85ea5f9e-65d6-4031-b810-9415101f2e21" providerId="AD" clId="Web-{F0E2ADE9-3750-4361-9C94-74FC935C4F87}" dt="2020-07-07T04:42:08.739" v="1"/>
-          <ac:inkMkLst>
-            <pc:docMk/>
-            <pc:sldMk cId="295460460" sldId="303"/>
-            <ac:inkMk id="5" creationId="{4A277E0F-6FAA-415D-AF69-B5840F3D4833}"/>
-          </ac:inkMkLst>
-        </pc:inkChg>
-        <pc:inkChg chg="add">
-          <ac:chgData name="Md. Nahid Hasan" userId="S::nahid@vu.edu.bd::85ea5f9e-65d6-4031-b810-9415101f2e21" providerId="AD" clId="Web-{F0E2ADE9-3750-4361-9C94-74FC935C4F87}" dt="2020-07-07T04:42:22.286" v="2"/>
-          <ac:inkMkLst>
-            <pc:docMk/>
-            <pc:sldMk cId="295460460" sldId="303"/>
-            <ac:inkMk id="6" creationId="{E2788FA5-D522-464D-AD94-487377ED05DE}"/>
-          </ac:inkMkLst>
-        </pc:inkChg>
-        <pc:inkChg chg="add">
-          <ac:chgData name="Md. Nahid Hasan" userId="S::nahid@vu.edu.bd::85ea5f9e-65d6-4031-b810-9415101f2e21" providerId="AD" clId="Web-{F0E2ADE9-3750-4361-9C94-74FC935C4F87}" dt="2020-07-07T04:42:32.598" v="3"/>
-          <ac:inkMkLst>
-            <pc:docMk/>
-            <pc:sldMk cId="295460460" sldId="303"/>
-            <ac:inkMk id="7" creationId="{8E534072-DD85-4FAF-9716-9D866F494D1D}"/>
-          </ac:inkMkLst>
-        </pc:inkChg>
       </pc:sldChg>
       <pc:sldChg chg="addSp">
         <pc:chgData name="Md. Nahid Hasan" userId="S::nahid@vu.edu.bd::85ea5f9e-65d6-4031-b810-9415101f2e21" providerId="AD" clId="Web-{F0E2ADE9-3750-4361-9C94-74FC935C4F87}" dt="2020-07-07T05:01:25.225" v="140"/>
@@ -1915,94 +339,6 @@
           <pc:docMk/>
           <pc:sldMk cId="623478998" sldId="304"/>
         </pc:sldMkLst>
-        <pc:inkChg chg="add">
-          <ac:chgData name="Md. Nahid Hasan" userId="S::nahid@vu.edu.bd::85ea5f9e-65d6-4031-b810-9415101f2e21" providerId="AD" clId="Web-{F0E2ADE9-3750-4361-9C94-74FC935C4F87}" dt="2020-07-07T04:57:56.396" v="130"/>
-          <ac:inkMkLst>
-            <pc:docMk/>
-            <pc:sldMk cId="623478998" sldId="304"/>
-            <ac:inkMk id="4" creationId="{8FDA436E-3254-489C-8F15-F708B9B2255A}"/>
-          </ac:inkMkLst>
-        </pc:inkChg>
-        <pc:inkChg chg="add">
-          <ac:chgData name="Md. Nahid Hasan" userId="S::nahid@vu.edu.bd::85ea5f9e-65d6-4031-b810-9415101f2e21" providerId="AD" clId="Web-{F0E2ADE9-3750-4361-9C94-74FC935C4F87}" dt="2020-07-07T04:57:57.974" v="131"/>
-          <ac:inkMkLst>
-            <pc:docMk/>
-            <pc:sldMk cId="623478998" sldId="304"/>
-            <ac:inkMk id="5" creationId="{2DEBE07B-960B-4309-BCBB-6FF35100E184}"/>
-          </ac:inkMkLst>
-        </pc:inkChg>
-        <pc:inkChg chg="add">
-          <ac:chgData name="Md. Nahid Hasan" userId="S::nahid@vu.edu.bd::85ea5f9e-65d6-4031-b810-9415101f2e21" providerId="AD" clId="Web-{F0E2ADE9-3750-4361-9C94-74FC935C4F87}" dt="2020-07-07T04:58:21.365" v="132"/>
-          <ac:inkMkLst>
-            <pc:docMk/>
-            <pc:sldMk cId="623478998" sldId="304"/>
-            <ac:inkMk id="6" creationId="{316C53FE-90A9-4213-A338-755CECB6D73C}"/>
-          </ac:inkMkLst>
-        </pc:inkChg>
-        <pc:inkChg chg="add">
-          <ac:chgData name="Md. Nahid Hasan" userId="S::nahid@vu.edu.bd::85ea5f9e-65d6-4031-b810-9415101f2e21" providerId="AD" clId="Web-{F0E2ADE9-3750-4361-9C94-74FC935C4F87}" dt="2020-07-07T04:58:32.209" v="133"/>
-          <ac:inkMkLst>
-            <pc:docMk/>
-            <pc:sldMk cId="623478998" sldId="304"/>
-            <ac:inkMk id="7" creationId="{78032995-E66D-4029-B869-6815F116913D}"/>
-          </ac:inkMkLst>
-        </pc:inkChg>
-        <pc:inkChg chg="add">
-          <ac:chgData name="Md. Nahid Hasan" userId="S::nahid@vu.edu.bd::85ea5f9e-65d6-4031-b810-9415101f2e21" providerId="AD" clId="Web-{F0E2ADE9-3750-4361-9C94-74FC935C4F87}" dt="2020-07-07T05:01:11.334" v="134"/>
-          <ac:inkMkLst>
-            <pc:docMk/>
-            <pc:sldMk cId="623478998" sldId="304"/>
-            <ac:inkMk id="8" creationId="{D9E3CBEE-7DFD-4DF4-A282-0EDD36F948EC}"/>
-          </ac:inkMkLst>
-        </pc:inkChg>
-        <pc:inkChg chg="add">
-          <ac:chgData name="Md. Nahid Hasan" userId="S::nahid@vu.edu.bd::85ea5f9e-65d6-4031-b810-9415101f2e21" providerId="AD" clId="Web-{F0E2ADE9-3750-4361-9C94-74FC935C4F87}" dt="2020-07-07T05:01:17.365" v="135"/>
-          <ac:inkMkLst>
-            <pc:docMk/>
-            <pc:sldMk cId="623478998" sldId="304"/>
-            <ac:inkMk id="9" creationId="{CB347430-66E5-4509-BEE0-059639B33CC9}"/>
-          </ac:inkMkLst>
-        </pc:inkChg>
-        <pc:inkChg chg="add">
-          <ac:chgData name="Md. Nahid Hasan" userId="S::nahid@vu.edu.bd::85ea5f9e-65d6-4031-b810-9415101f2e21" providerId="AD" clId="Web-{F0E2ADE9-3750-4361-9C94-74FC935C4F87}" dt="2020-07-07T05:01:21.334" v="136"/>
-          <ac:inkMkLst>
-            <pc:docMk/>
-            <pc:sldMk cId="623478998" sldId="304"/>
-            <ac:inkMk id="10" creationId="{1C99D4AA-7E58-499C-9C6F-26CBE485DC7B}"/>
-          </ac:inkMkLst>
-        </pc:inkChg>
-        <pc:inkChg chg="add">
-          <ac:chgData name="Md. Nahid Hasan" userId="S::nahid@vu.edu.bd::85ea5f9e-65d6-4031-b810-9415101f2e21" providerId="AD" clId="Web-{F0E2ADE9-3750-4361-9C94-74FC935C4F87}" dt="2020-07-07T05:01:22.490" v="137"/>
-          <ac:inkMkLst>
-            <pc:docMk/>
-            <pc:sldMk cId="623478998" sldId="304"/>
-            <ac:inkMk id="11" creationId="{A19D85E1-4D5B-4287-8878-174392D7AA7B}"/>
-          </ac:inkMkLst>
-        </pc:inkChg>
-        <pc:inkChg chg="add">
-          <ac:chgData name="Md. Nahid Hasan" userId="S::nahid@vu.edu.bd::85ea5f9e-65d6-4031-b810-9415101f2e21" providerId="AD" clId="Web-{F0E2ADE9-3750-4361-9C94-74FC935C4F87}" dt="2020-07-07T05:01:23.865" v="138"/>
-          <ac:inkMkLst>
-            <pc:docMk/>
-            <pc:sldMk cId="623478998" sldId="304"/>
-            <ac:inkMk id="12" creationId="{1B07EA00-FA11-426C-9516-113DE914F78B}"/>
-          </ac:inkMkLst>
-        </pc:inkChg>
-        <pc:inkChg chg="add">
-          <ac:chgData name="Md. Nahid Hasan" userId="S::nahid@vu.edu.bd::85ea5f9e-65d6-4031-b810-9415101f2e21" providerId="AD" clId="Web-{F0E2ADE9-3750-4361-9C94-74FC935C4F87}" dt="2020-07-07T05:01:24.584" v="139"/>
-          <ac:inkMkLst>
-            <pc:docMk/>
-            <pc:sldMk cId="623478998" sldId="304"/>
-            <ac:inkMk id="13" creationId="{DF762D59-F7AE-4BA5-9DF4-55915241A6A6}"/>
-          </ac:inkMkLst>
-        </pc:inkChg>
-        <pc:inkChg chg="add">
-          <ac:chgData name="Md. Nahid Hasan" userId="S::nahid@vu.edu.bd::85ea5f9e-65d6-4031-b810-9415101f2e21" providerId="AD" clId="Web-{F0E2ADE9-3750-4361-9C94-74FC935C4F87}" dt="2020-07-07T05:01:25.225" v="140"/>
-          <ac:inkMkLst>
-            <pc:docMk/>
-            <pc:sldMk cId="623478998" sldId="304"/>
-            <ac:inkMk id="14" creationId="{AC90DFD5-5EA7-4E27-9624-97D7E26809F1}"/>
-          </ac:inkMkLst>
-        </pc:inkChg>
       </pc:sldChg>
       <pc:sldChg chg="addSp">
         <pc:chgData name="Md. Nahid Hasan" userId="S::nahid@vu.edu.bd::85ea5f9e-65d6-4031-b810-9415101f2e21" providerId="AD" clId="Web-{F0E2ADE9-3750-4361-9C94-74FC935C4F87}" dt="2020-07-07T05:04:05.475" v="149"/>
@@ -2010,78 +346,6 @@
           <pc:docMk/>
           <pc:sldMk cId="2883283762" sldId="305"/>
         </pc:sldMkLst>
-        <pc:inkChg chg="add">
-          <ac:chgData name="Md. Nahid Hasan" userId="S::nahid@vu.edu.bd::85ea5f9e-65d6-4031-b810-9415101f2e21" providerId="AD" clId="Web-{F0E2ADE9-3750-4361-9C94-74FC935C4F87}" dt="2020-07-07T05:02:33.022" v="141"/>
-          <ac:inkMkLst>
-            <pc:docMk/>
-            <pc:sldMk cId="2883283762" sldId="305"/>
-            <ac:inkMk id="4" creationId="{FB7D42BF-A05E-47AC-9C1E-E205C614126C}"/>
-          </ac:inkMkLst>
-        </pc:inkChg>
-        <pc:inkChg chg="add">
-          <ac:chgData name="Md. Nahid Hasan" userId="S::nahid@vu.edu.bd::85ea5f9e-65d6-4031-b810-9415101f2e21" providerId="AD" clId="Web-{F0E2ADE9-3750-4361-9C94-74FC935C4F87}" dt="2020-07-07T05:04:05.084" v="142"/>
-          <ac:inkMkLst>
-            <pc:docMk/>
-            <pc:sldMk cId="2883283762" sldId="305"/>
-            <ac:inkMk id="5" creationId="{EECA2190-A611-4B67-927F-885E640D8E8C}"/>
-          </ac:inkMkLst>
-        </pc:inkChg>
-        <pc:inkChg chg="add">
-          <ac:chgData name="Md. Nahid Hasan" userId="S::nahid@vu.edu.bd::85ea5f9e-65d6-4031-b810-9415101f2e21" providerId="AD" clId="Web-{F0E2ADE9-3750-4361-9C94-74FC935C4F87}" dt="2020-07-07T05:04:05.131" v="143"/>
-          <ac:inkMkLst>
-            <pc:docMk/>
-            <pc:sldMk cId="2883283762" sldId="305"/>
-            <ac:inkMk id="6" creationId="{1C30B830-A27B-4CCB-8FDB-5A534ADDE7DB}"/>
-          </ac:inkMkLst>
-        </pc:inkChg>
-        <pc:inkChg chg="add">
-          <ac:chgData name="Md. Nahid Hasan" userId="S::nahid@vu.edu.bd::85ea5f9e-65d6-4031-b810-9415101f2e21" providerId="AD" clId="Web-{F0E2ADE9-3750-4361-9C94-74FC935C4F87}" dt="2020-07-07T05:04:05.194" v="144"/>
-          <ac:inkMkLst>
-            <pc:docMk/>
-            <pc:sldMk cId="2883283762" sldId="305"/>
-            <ac:inkMk id="7" creationId="{1D53C701-F06B-4167-8EC3-312262C3200A}"/>
-          </ac:inkMkLst>
-        </pc:inkChg>
-        <pc:inkChg chg="add">
-          <ac:chgData name="Md. Nahid Hasan" userId="S::nahid@vu.edu.bd::85ea5f9e-65d6-4031-b810-9415101f2e21" providerId="AD" clId="Web-{F0E2ADE9-3750-4361-9C94-74FC935C4F87}" dt="2020-07-07T05:04:05.240" v="145"/>
-          <ac:inkMkLst>
-            <pc:docMk/>
-            <pc:sldMk cId="2883283762" sldId="305"/>
-            <ac:inkMk id="8" creationId="{0EFF3CBE-EB31-4D61-A8CA-B7FEF6333A1E}"/>
-          </ac:inkMkLst>
-        </pc:inkChg>
-        <pc:inkChg chg="add">
-          <ac:chgData name="Md. Nahid Hasan" userId="S::nahid@vu.edu.bd::85ea5f9e-65d6-4031-b810-9415101f2e21" providerId="AD" clId="Web-{F0E2ADE9-3750-4361-9C94-74FC935C4F87}" dt="2020-07-07T05:04:05.303" v="146"/>
-          <ac:inkMkLst>
-            <pc:docMk/>
-            <pc:sldMk cId="2883283762" sldId="305"/>
-            <ac:inkMk id="9" creationId="{FF2FD561-0293-4606-9938-3BEA9F73EE0E}"/>
-          </ac:inkMkLst>
-        </pc:inkChg>
-        <pc:inkChg chg="add">
-          <ac:chgData name="Md. Nahid Hasan" userId="S::nahid@vu.edu.bd::85ea5f9e-65d6-4031-b810-9415101f2e21" providerId="AD" clId="Web-{F0E2ADE9-3750-4361-9C94-74FC935C4F87}" dt="2020-07-07T05:04:05.365" v="147"/>
-          <ac:inkMkLst>
-            <pc:docMk/>
-            <pc:sldMk cId="2883283762" sldId="305"/>
-            <ac:inkMk id="10" creationId="{CCB34335-1EF2-462C-AA39-9ECCDE4016A1}"/>
-          </ac:inkMkLst>
-        </pc:inkChg>
-        <pc:inkChg chg="add">
-          <ac:chgData name="Md. Nahid Hasan" userId="S::nahid@vu.edu.bd::85ea5f9e-65d6-4031-b810-9415101f2e21" providerId="AD" clId="Web-{F0E2ADE9-3750-4361-9C94-74FC935C4F87}" dt="2020-07-07T05:04:05.412" v="148"/>
-          <ac:inkMkLst>
-            <pc:docMk/>
-            <pc:sldMk cId="2883283762" sldId="305"/>
-            <ac:inkMk id="11" creationId="{0E785099-E678-4CA4-9864-3EC68212658A}"/>
-          </ac:inkMkLst>
-        </pc:inkChg>
-        <pc:inkChg chg="add">
-          <ac:chgData name="Md. Nahid Hasan" userId="S::nahid@vu.edu.bd::85ea5f9e-65d6-4031-b810-9415101f2e21" providerId="AD" clId="Web-{F0E2ADE9-3750-4361-9C94-74FC935C4F87}" dt="2020-07-07T05:04:05.475" v="149"/>
-          <ac:inkMkLst>
-            <pc:docMk/>
-            <pc:sldMk cId="2883283762" sldId="305"/>
-            <ac:inkMk id="12" creationId="{655D1815-07C5-4657-A885-08D8A0E95CDD}"/>
-          </ac:inkMkLst>
-        </pc:inkChg>
       </pc:sldChg>
       <pc:sldChg chg="addSp">
         <pc:chgData name="Md. Nahid Hasan" userId="S::nahid@vu.edu.bd::85ea5f9e-65d6-4031-b810-9415101f2e21" providerId="AD" clId="Web-{F0E2ADE9-3750-4361-9C94-74FC935C4F87}" dt="2020-07-07T05:07:14.334" v="173"/>
@@ -2089,198 +353,6 @@
           <pc:docMk/>
           <pc:sldMk cId="3322470635" sldId="306"/>
         </pc:sldMkLst>
-        <pc:inkChg chg="add">
-          <ac:chgData name="Md. Nahid Hasan" userId="S::nahid@vu.edu.bd::85ea5f9e-65d6-4031-b810-9415101f2e21" providerId="AD" clId="Web-{F0E2ADE9-3750-4361-9C94-74FC935C4F87}" dt="2020-07-07T05:04:32.037" v="150"/>
-          <ac:inkMkLst>
-            <pc:docMk/>
-            <pc:sldMk cId="3322470635" sldId="306"/>
-            <ac:inkMk id="4" creationId="{869E1DF5-F1AA-4BDB-B5DB-B4AC88B97C0F}"/>
-          </ac:inkMkLst>
-        </pc:inkChg>
-        <pc:inkChg chg="add">
-          <ac:chgData name="Md. Nahid Hasan" userId="S::nahid@vu.edu.bd::85ea5f9e-65d6-4031-b810-9415101f2e21" providerId="AD" clId="Web-{F0E2ADE9-3750-4361-9C94-74FC935C4F87}" dt="2020-07-07T05:04:34.006" v="151"/>
-          <ac:inkMkLst>
-            <pc:docMk/>
-            <pc:sldMk cId="3322470635" sldId="306"/>
-            <ac:inkMk id="5" creationId="{645171B8-5FED-4D14-971E-DD73D1F5F509}"/>
-          </ac:inkMkLst>
-        </pc:inkChg>
-        <pc:inkChg chg="add">
-          <ac:chgData name="Md. Nahid Hasan" userId="S::nahid@vu.edu.bd::85ea5f9e-65d6-4031-b810-9415101f2e21" providerId="AD" clId="Web-{F0E2ADE9-3750-4361-9C94-74FC935C4F87}" dt="2020-07-07T05:04:35.147" v="152"/>
-          <ac:inkMkLst>
-            <pc:docMk/>
-            <pc:sldMk cId="3322470635" sldId="306"/>
-            <ac:inkMk id="6" creationId="{94197E52-CAC8-4799-91D1-23F7DBB440F5}"/>
-          </ac:inkMkLst>
-        </pc:inkChg>
-        <pc:inkChg chg="add">
-          <ac:chgData name="Md. Nahid Hasan" userId="S::nahid@vu.edu.bd::85ea5f9e-65d6-4031-b810-9415101f2e21" providerId="AD" clId="Web-{F0E2ADE9-3750-4361-9C94-74FC935C4F87}" dt="2020-07-07T05:04:36.303" v="153"/>
-          <ac:inkMkLst>
-            <pc:docMk/>
-            <pc:sldMk cId="3322470635" sldId="306"/>
-            <ac:inkMk id="7" creationId="{CC7E9B67-7A79-4220-8C48-A4A3B58FF4EC}"/>
-          </ac:inkMkLst>
-        </pc:inkChg>
-        <pc:inkChg chg="add">
-          <ac:chgData name="Md. Nahid Hasan" userId="S::nahid@vu.edu.bd::85ea5f9e-65d6-4031-b810-9415101f2e21" providerId="AD" clId="Web-{F0E2ADE9-3750-4361-9C94-74FC935C4F87}" dt="2020-07-07T05:04:36.334" v="154"/>
-          <ac:inkMkLst>
-            <pc:docMk/>
-            <pc:sldMk cId="3322470635" sldId="306"/>
-            <ac:inkMk id="8" creationId="{4F006C87-083C-4F53-8D04-EEFB78678F47}"/>
-          </ac:inkMkLst>
-        </pc:inkChg>
-        <pc:inkChg chg="add">
-          <ac:chgData name="Md. Nahid Hasan" userId="S::nahid@vu.edu.bd::85ea5f9e-65d6-4031-b810-9415101f2e21" providerId="AD" clId="Web-{F0E2ADE9-3750-4361-9C94-74FC935C4F87}" dt="2020-07-07T05:04:36.944" v="155"/>
-          <ac:inkMkLst>
-            <pc:docMk/>
-            <pc:sldMk cId="3322470635" sldId="306"/>
-            <ac:inkMk id="9" creationId="{C501F5E9-F5AE-41AD-A529-26B4016F0938}"/>
-          </ac:inkMkLst>
-        </pc:inkChg>
-        <pc:inkChg chg="add">
-          <ac:chgData name="Md. Nahid Hasan" userId="S::nahid@vu.edu.bd::85ea5f9e-65d6-4031-b810-9415101f2e21" providerId="AD" clId="Web-{F0E2ADE9-3750-4361-9C94-74FC935C4F87}" dt="2020-07-07T05:04:37.647" v="156"/>
-          <ac:inkMkLst>
-            <pc:docMk/>
-            <pc:sldMk cId="3322470635" sldId="306"/>
-            <ac:inkMk id="10" creationId="{83CCBB19-A516-475D-BA36-723E1574E5F3}"/>
-          </ac:inkMkLst>
-        </pc:inkChg>
-        <pc:inkChg chg="add">
-          <ac:chgData name="Md. Nahid Hasan" userId="S::nahid@vu.edu.bd::85ea5f9e-65d6-4031-b810-9415101f2e21" providerId="AD" clId="Web-{F0E2ADE9-3750-4361-9C94-74FC935C4F87}" dt="2020-07-07T05:04:39.069" v="157"/>
-          <ac:inkMkLst>
-            <pc:docMk/>
-            <pc:sldMk cId="3322470635" sldId="306"/>
-            <ac:inkMk id="11" creationId="{D0F063DF-9202-4C95-9A93-4C18D1AE4423}"/>
-          </ac:inkMkLst>
-        </pc:inkChg>
-        <pc:inkChg chg="add">
-          <ac:chgData name="Md. Nahid Hasan" userId="S::nahid@vu.edu.bd::85ea5f9e-65d6-4031-b810-9415101f2e21" providerId="AD" clId="Web-{F0E2ADE9-3750-4361-9C94-74FC935C4F87}" dt="2020-07-07T05:04:44.912" v="158"/>
-          <ac:inkMkLst>
-            <pc:docMk/>
-            <pc:sldMk cId="3322470635" sldId="306"/>
-            <ac:inkMk id="12" creationId="{E5302F4E-DFA3-4294-BD46-C0F9EC582932}"/>
-          </ac:inkMkLst>
-        </pc:inkChg>
-        <pc:inkChg chg="add">
-          <ac:chgData name="Md. Nahid Hasan" userId="S::nahid@vu.edu.bd::85ea5f9e-65d6-4031-b810-9415101f2e21" providerId="AD" clId="Web-{F0E2ADE9-3750-4361-9C94-74FC935C4F87}" dt="2020-07-07T05:04:46.662" v="159"/>
-          <ac:inkMkLst>
-            <pc:docMk/>
-            <pc:sldMk cId="3322470635" sldId="306"/>
-            <ac:inkMk id="13" creationId="{74B844D0-5963-4C90-9D35-F73092A4C4B3}"/>
-          </ac:inkMkLst>
-        </pc:inkChg>
-        <pc:inkChg chg="add">
-          <ac:chgData name="Md. Nahid Hasan" userId="S::nahid@vu.edu.bd::85ea5f9e-65d6-4031-b810-9415101f2e21" providerId="AD" clId="Web-{F0E2ADE9-3750-4361-9C94-74FC935C4F87}" dt="2020-07-07T05:04:47.256" v="160"/>
-          <ac:inkMkLst>
-            <pc:docMk/>
-            <pc:sldMk cId="3322470635" sldId="306"/>
-            <ac:inkMk id="14" creationId="{6D56A776-A96B-49E4-8DDC-DE714EEA4D59}"/>
-          </ac:inkMkLst>
-        </pc:inkChg>
-        <pc:inkChg chg="add">
-          <ac:chgData name="Md. Nahid Hasan" userId="S::nahid@vu.edu.bd::85ea5f9e-65d6-4031-b810-9415101f2e21" providerId="AD" clId="Web-{F0E2ADE9-3750-4361-9C94-74FC935C4F87}" dt="2020-07-07T05:04:49.678" v="161"/>
-          <ac:inkMkLst>
-            <pc:docMk/>
-            <pc:sldMk cId="3322470635" sldId="306"/>
-            <ac:inkMk id="15" creationId="{A411DA66-98F5-4D63-B0C0-47D29AEC3E13}"/>
-          </ac:inkMkLst>
-        </pc:inkChg>
-        <pc:inkChg chg="add">
-          <ac:chgData name="Md. Nahid Hasan" userId="S::nahid@vu.edu.bd::85ea5f9e-65d6-4031-b810-9415101f2e21" providerId="AD" clId="Web-{F0E2ADE9-3750-4361-9C94-74FC935C4F87}" dt="2020-07-07T05:04:52.600" v="162"/>
-          <ac:inkMkLst>
-            <pc:docMk/>
-            <pc:sldMk cId="3322470635" sldId="306"/>
-            <ac:inkMk id="16" creationId="{69596A21-E026-4E1B-8FFE-9B7FA8E421F6}"/>
-          </ac:inkMkLst>
-        </pc:inkChg>
-        <pc:inkChg chg="add">
-          <ac:chgData name="Md. Nahid Hasan" userId="S::nahid@vu.edu.bd::85ea5f9e-65d6-4031-b810-9415101f2e21" providerId="AD" clId="Web-{F0E2ADE9-3750-4361-9C94-74FC935C4F87}" dt="2020-07-07T05:05:28.194" v="163"/>
-          <ac:inkMkLst>
-            <pc:docMk/>
-            <pc:sldMk cId="3322470635" sldId="306"/>
-            <ac:inkMk id="17" creationId="{58691F12-5812-454C-99FC-9C304C986592}"/>
-          </ac:inkMkLst>
-        </pc:inkChg>
-        <pc:inkChg chg="add">
-          <ac:chgData name="Md. Nahid Hasan" userId="S::nahid@vu.edu.bd::85ea5f9e-65d6-4031-b810-9415101f2e21" providerId="AD" clId="Web-{F0E2ADE9-3750-4361-9C94-74FC935C4F87}" dt="2020-07-07T05:05:30.506" v="164"/>
-          <ac:inkMkLst>
-            <pc:docMk/>
-            <pc:sldMk cId="3322470635" sldId="306"/>
-            <ac:inkMk id="18" creationId="{7BF231B0-4F7B-42DC-834D-F507361ACAFD}"/>
-          </ac:inkMkLst>
-        </pc:inkChg>
-        <pc:inkChg chg="add">
-          <ac:chgData name="Md. Nahid Hasan" userId="S::nahid@vu.edu.bd::85ea5f9e-65d6-4031-b810-9415101f2e21" providerId="AD" clId="Web-{F0E2ADE9-3750-4361-9C94-74FC935C4F87}" dt="2020-07-07T05:05:32.819" v="165"/>
-          <ac:inkMkLst>
-            <pc:docMk/>
-            <pc:sldMk cId="3322470635" sldId="306"/>
-            <ac:inkMk id="19" creationId="{D0B4F9E2-646B-4F92-8EB3-35A5D5BCF739}"/>
-          </ac:inkMkLst>
-        </pc:inkChg>
-        <pc:inkChg chg="add">
-          <ac:chgData name="Md. Nahid Hasan" userId="S::nahid@vu.edu.bd::85ea5f9e-65d6-4031-b810-9415101f2e21" providerId="AD" clId="Web-{F0E2ADE9-3750-4361-9C94-74FC935C4F87}" dt="2020-07-07T05:05:35.865" v="166"/>
-          <ac:inkMkLst>
-            <pc:docMk/>
-            <pc:sldMk cId="3322470635" sldId="306"/>
-            <ac:inkMk id="20" creationId="{5EDC6D93-5F1D-4366-A260-1B45C6B8AF6C}"/>
-          </ac:inkMkLst>
-        </pc:inkChg>
-        <pc:inkChg chg="add">
-          <ac:chgData name="Md. Nahid Hasan" userId="S::nahid@vu.edu.bd::85ea5f9e-65d6-4031-b810-9415101f2e21" providerId="AD" clId="Web-{F0E2ADE9-3750-4361-9C94-74FC935C4F87}" dt="2020-07-07T05:05:38.725" v="167"/>
-          <ac:inkMkLst>
-            <pc:docMk/>
-            <pc:sldMk cId="3322470635" sldId="306"/>
-            <ac:inkMk id="21" creationId="{D30B1ABF-A58E-48DA-8C29-504F123D2A83}"/>
-          </ac:inkMkLst>
-        </pc:inkChg>
-        <pc:inkChg chg="add">
-          <ac:chgData name="Md. Nahid Hasan" userId="S::nahid@vu.edu.bd::85ea5f9e-65d6-4031-b810-9415101f2e21" providerId="AD" clId="Web-{F0E2ADE9-3750-4361-9C94-74FC935C4F87}" dt="2020-07-07T05:05:44.881" v="168"/>
-          <ac:inkMkLst>
-            <pc:docMk/>
-            <pc:sldMk cId="3322470635" sldId="306"/>
-            <ac:inkMk id="22" creationId="{D2CB8B94-0F6C-423A-9588-5124E9CCAEA9}"/>
-          </ac:inkMkLst>
-        </pc:inkChg>
-        <pc:inkChg chg="add">
-          <ac:chgData name="Md. Nahid Hasan" userId="S::nahid@vu.edu.bd::85ea5f9e-65d6-4031-b810-9415101f2e21" providerId="AD" clId="Web-{F0E2ADE9-3750-4361-9C94-74FC935C4F87}" dt="2020-07-07T05:06:19.303" v="169"/>
-          <ac:inkMkLst>
-            <pc:docMk/>
-            <pc:sldMk cId="3322470635" sldId="306"/>
-            <ac:inkMk id="23" creationId="{FFEFBD34-74BA-4226-A09A-B8F587E0A7E1}"/>
-          </ac:inkMkLst>
-        </pc:inkChg>
-        <pc:inkChg chg="add">
-          <ac:chgData name="Md. Nahid Hasan" userId="S::nahid@vu.edu.bd::85ea5f9e-65d6-4031-b810-9415101f2e21" providerId="AD" clId="Web-{F0E2ADE9-3750-4361-9C94-74FC935C4F87}" dt="2020-07-07T05:06:31.959" v="170"/>
-          <ac:inkMkLst>
-            <pc:docMk/>
-            <pc:sldMk cId="3322470635" sldId="306"/>
-            <ac:inkMk id="24" creationId="{745FE9D9-3EE7-4FA2-92B7-94369EA55990}"/>
-          </ac:inkMkLst>
-        </pc:inkChg>
-        <pc:inkChg chg="add">
-          <ac:chgData name="Md. Nahid Hasan" userId="S::nahid@vu.edu.bd::85ea5f9e-65d6-4031-b810-9415101f2e21" providerId="AD" clId="Web-{F0E2ADE9-3750-4361-9C94-74FC935C4F87}" dt="2020-07-07T05:06:42.412" v="171"/>
-          <ac:inkMkLst>
-            <pc:docMk/>
-            <pc:sldMk cId="3322470635" sldId="306"/>
-            <ac:inkMk id="25" creationId="{8540DF9F-6408-470A-B42D-8F050E9E897C}"/>
-          </ac:inkMkLst>
-        </pc:inkChg>
-        <pc:inkChg chg="add">
-          <ac:chgData name="Md. Nahid Hasan" userId="S::nahid@vu.edu.bd::85ea5f9e-65d6-4031-b810-9415101f2e21" providerId="AD" clId="Web-{F0E2ADE9-3750-4361-9C94-74FC935C4F87}" dt="2020-07-07T05:06:52.194" v="172"/>
-          <ac:inkMkLst>
-            <pc:docMk/>
-            <pc:sldMk cId="3322470635" sldId="306"/>
-            <ac:inkMk id="26" creationId="{138B80D2-101C-4E0D-8315-39B278A17E8B}"/>
-          </ac:inkMkLst>
-        </pc:inkChg>
-        <pc:inkChg chg="add">
-          <ac:chgData name="Md. Nahid Hasan" userId="S::nahid@vu.edu.bd::85ea5f9e-65d6-4031-b810-9415101f2e21" providerId="AD" clId="Web-{F0E2ADE9-3750-4361-9C94-74FC935C4F87}" dt="2020-07-07T05:07:14.334" v="173"/>
-          <ac:inkMkLst>
-            <pc:docMk/>
-            <pc:sldMk cId="3322470635" sldId="306"/>
-            <ac:inkMk id="27" creationId="{158F7A41-4D33-4B87-B31E-6A24BB80F774}"/>
-          </ac:inkMkLst>
-        </pc:inkChg>
       </pc:sldChg>
       <pc:sldChg chg="addSp">
         <pc:chgData name="Md. Nahid Hasan" userId="S::nahid@vu.edu.bd::85ea5f9e-65d6-4031-b810-9415101f2e21" providerId="AD" clId="Web-{F0E2ADE9-3750-4361-9C94-74FC935C4F87}" dt="2020-07-07T05:10:20.522" v="198"/>
@@ -2288,206 +360,6 @@
           <pc:docMk/>
           <pc:sldMk cId="2626097450" sldId="308"/>
         </pc:sldMkLst>
-        <pc:inkChg chg="add">
-          <ac:chgData name="Md. Nahid Hasan" userId="S::nahid@vu.edu.bd::85ea5f9e-65d6-4031-b810-9415101f2e21" providerId="AD" clId="Web-{F0E2ADE9-3750-4361-9C94-74FC935C4F87}" dt="2020-07-07T05:07:22.866" v="174"/>
-          <ac:inkMkLst>
-            <pc:docMk/>
-            <pc:sldMk cId="2626097450" sldId="308"/>
-            <ac:inkMk id="4" creationId="{A9CE5037-3587-40B3-8B95-72F8251E3167}"/>
-          </ac:inkMkLst>
-        </pc:inkChg>
-        <pc:inkChg chg="add">
-          <ac:chgData name="Md. Nahid Hasan" userId="S::nahid@vu.edu.bd::85ea5f9e-65d6-4031-b810-9415101f2e21" providerId="AD" clId="Web-{F0E2ADE9-3750-4361-9C94-74FC935C4F87}" dt="2020-07-07T05:07:38.194" v="175"/>
-          <ac:inkMkLst>
-            <pc:docMk/>
-            <pc:sldMk cId="2626097450" sldId="308"/>
-            <ac:inkMk id="5" creationId="{1E2FD9B0-6DE5-4E9D-A4C3-3E343B504261}"/>
-          </ac:inkMkLst>
-        </pc:inkChg>
-        <pc:inkChg chg="add">
-          <ac:chgData name="Md. Nahid Hasan" userId="S::nahid@vu.edu.bd::85ea5f9e-65d6-4031-b810-9415101f2e21" providerId="AD" clId="Web-{F0E2ADE9-3750-4361-9C94-74FC935C4F87}" dt="2020-07-07T05:07:42.350" v="176"/>
-          <ac:inkMkLst>
-            <pc:docMk/>
-            <pc:sldMk cId="2626097450" sldId="308"/>
-            <ac:inkMk id="6" creationId="{E13818D6-B3B6-4DD9-8FAA-1AE79388A7EF}"/>
-          </ac:inkMkLst>
-        </pc:inkChg>
-        <pc:inkChg chg="add">
-          <ac:chgData name="Md. Nahid Hasan" userId="S::nahid@vu.edu.bd::85ea5f9e-65d6-4031-b810-9415101f2e21" providerId="AD" clId="Web-{F0E2ADE9-3750-4361-9C94-74FC935C4F87}" dt="2020-07-07T05:07:43.491" v="177"/>
-          <ac:inkMkLst>
-            <pc:docMk/>
-            <pc:sldMk cId="2626097450" sldId="308"/>
-            <ac:inkMk id="7" creationId="{CF1FE90C-EFC7-44CC-A1E2-85C4688B358A}"/>
-          </ac:inkMkLst>
-        </pc:inkChg>
-        <pc:inkChg chg="add">
-          <ac:chgData name="Md. Nahid Hasan" userId="S::nahid@vu.edu.bd::85ea5f9e-65d6-4031-b810-9415101f2e21" providerId="AD" clId="Web-{F0E2ADE9-3750-4361-9C94-74FC935C4F87}" dt="2020-07-07T05:07:44.084" v="178"/>
-          <ac:inkMkLst>
-            <pc:docMk/>
-            <pc:sldMk cId="2626097450" sldId="308"/>
-            <ac:inkMk id="8" creationId="{F04FED51-1760-44F8-9606-354C3EEA0B88}"/>
-          </ac:inkMkLst>
-        </pc:inkChg>
-        <pc:inkChg chg="add">
-          <ac:chgData name="Md. Nahid Hasan" userId="S::nahid@vu.edu.bd::85ea5f9e-65d6-4031-b810-9415101f2e21" providerId="AD" clId="Web-{F0E2ADE9-3750-4361-9C94-74FC935C4F87}" dt="2020-07-07T05:07:45.522" v="179"/>
-          <ac:inkMkLst>
-            <pc:docMk/>
-            <pc:sldMk cId="2626097450" sldId="308"/>
-            <ac:inkMk id="9" creationId="{2048EF31-2B91-41A0-A7DE-9ED74C7B14EA}"/>
-          </ac:inkMkLst>
-        </pc:inkChg>
-        <pc:inkChg chg="add">
-          <ac:chgData name="Md. Nahid Hasan" userId="S::nahid@vu.edu.bd::85ea5f9e-65d6-4031-b810-9415101f2e21" providerId="AD" clId="Web-{F0E2ADE9-3750-4361-9C94-74FC935C4F87}" dt="2020-07-07T05:07:45.913" v="180"/>
-          <ac:inkMkLst>
-            <pc:docMk/>
-            <pc:sldMk cId="2626097450" sldId="308"/>
-            <ac:inkMk id="10" creationId="{7A6377AD-1B72-4E67-ADB5-BD05BDF73B46}"/>
-          </ac:inkMkLst>
-        </pc:inkChg>
-        <pc:inkChg chg="add">
-          <ac:chgData name="Md. Nahid Hasan" userId="S::nahid@vu.edu.bd::85ea5f9e-65d6-4031-b810-9415101f2e21" providerId="AD" clId="Web-{F0E2ADE9-3750-4361-9C94-74FC935C4F87}" dt="2020-07-07T05:07:50.491" v="181"/>
-          <ac:inkMkLst>
-            <pc:docMk/>
-            <pc:sldMk cId="2626097450" sldId="308"/>
-            <ac:inkMk id="11" creationId="{D5033A8C-4643-40BA-B192-D9B7E2EE98CD}"/>
-          </ac:inkMkLst>
-        </pc:inkChg>
-        <pc:inkChg chg="add">
-          <ac:chgData name="Md. Nahid Hasan" userId="S::nahid@vu.edu.bd::85ea5f9e-65d6-4031-b810-9415101f2e21" providerId="AD" clId="Web-{F0E2ADE9-3750-4361-9C94-74FC935C4F87}" dt="2020-07-07T05:07:51.381" v="182"/>
-          <ac:inkMkLst>
-            <pc:docMk/>
-            <pc:sldMk cId="2626097450" sldId="308"/>
-            <ac:inkMk id="12" creationId="{21E4F8A7-5121-4FB7-B945-D6361BC0CC2A}"/>
-          </ac:inkMkLst>
-        </pc:inkChg>
-        <pc:inkChg chg="add">
-          <ac:chgData name="Md. Nahid Hasan" userId="S::nahid@vu.edu.bd::85ea5f9e-65d6-4031-b810-9415101f2e21" providerId="AD" clId="Web-{F0E2ADE9-3750-4361-9C94-74FC935C4F87}" dt="2020-07-07T05:07:56.663" v="183"/>
-          <ac:inkMkLst>
-            <pc:docMk/>
-            <pc:sldMk cId="2626097450" sldId="308"/>
-            <ac:inkMk id="13" creationId="{9651F02D-1D3E-4A4F-A9CB-E1B810E4C438}"/>
-          </ac:inkMkLst>
-        </pc:inkChg>
-        <pc:inkChg chg="add">
-          <ac:chgData name="Md. Nahid Hasan" userId="S::nahid@vu.edu.bd::85ea5f9e-65d6-4031-b810-9415101f2e21" providerId="AD" clId="Web-{F0E2ADE9-3750-4361-9C94-74FC935C4F87}" dt="2020-07-07T05:08:19.350" v="184"/>
-          <ac:inkMkLst>
-            <pc:docMk/>
-            <pc:sldMk cId="2626097450" sldId="308"/>
-            <ac:inkMk id="14" creationId="{E946F73F-5DBE-4A6B-A01F-3AEBBD4C4914}"/>
-          </ac:inkMkLst>
-        </pc:inkChg>
-        <pc:inkChg chg="add">
-          <ac:chgData name="Md. Nahid Hasan" userId="S::nahid@vu.edu.bd::85ea5f9e-65d6-4031-b810-9415101f2e21" providerId="AD" clId="Web-{F0E2ADE9-3750-4361-9C94-74FC935C4F87}" dt="2020-07-07T05:08:21.647" v="185"/>
-          <ac:inkMkLst>
-            <pc:docMk/>
-            <pc:sldMk cId="2626097450" sldId="308"/>
-            <ac:inkMk id="15" creationId="{413D1385-D043-4D0F-9EF1-71101C01C77F}"/>
-          </ac:inkMkLst>
-        </pc:inkChg>
-        <pc:inkChg chg="add">
-          <ac:chgData name="Md. Nahid Hasan" userId="S::nahid@vu.edu.bd::85ea5f9e-65d6-4031-b810-9415101f2e21" providerId="AD" clId="Web-{F0E2ADE9-3750-4361-9C94-74FC935C4F87}" dt="2020-07-07T05:08:45.788" v="186"/>
-          <ac:inkMkLst>
-            <pc:docMk/>
-            <pc:sldMk cId="2626097450" sldId="308"/>
-            <ac:inkMk id="16" creationId="{DC2E44AE-C9CB-4130-B2F1-817999C40C82}"/>
-          </ac:inkMkLst>
-        </pc:inkChg>
-        <pc:inkChg chg="add">
-          <ac:chgData name="Md. Nahid Hasan" userId="S::nahid@vu.edu.bd::85ea5f9e-65d6-4031-b810-9415101f2e21" providerId="AD" clId="Web-{F0E2ADE9-3750-4361-9C94-74FC935C4F87}" dt="2020-07-07T05:08:52.335" v="187"/>
-          <ac:inkMkLst>
-            <pc:docMk/>
-            <pc:sldMk cId="2626097450" sldId="308"/>
-            <ac:inkMk id="17" creationId="{037484E2-C981-4A1B-8554-97965674B14E}"/>
-          </ac:inkMkLst>
-        </pc:inkChg>
-        <pc:inkChg chg="add">
-          <ac:chgData name="Md. Nahid Hasan" userId="S::nahid@vu.edu.bd::85ea5f9e-65d6-4031-b810-9415101f2e21" providerId="AD" clId="Web-{F0E2ADE9-3750-4361-9C94-74FC935C4F87}" dt="2020-07-07T05:08:56.741" v="188"/>
-          <ac:inkMkLst>
-            <pc:docMk/>
-            <pc:sldMk cId="2626097450" sldId="308"/>
-            <ac:inkMk id="18" creationId="{103CBD3D-1650-49FE-851F-A85FB22F727D}"/>
-          </ac:inkMkLst>
-        </pc:inkChg>
-        <pc:inkChg chg="add">
-          <ac:chgData name="Md. Nahid Hasan" userId="S::nahid@vu.edu.bd::85ea5f9e-65d6-4031-b810-9415101f2e21" providerId="AD" clId="Web-{F0E2ADE9-3750-4361-9C94-74FC935C4F87}" dt="2020-07-07T05:09:10.819" v="189"/>
-          <ac:inkMkLst>
-            <pc:docMk/>
-            <pc:sldMk cId="2626097450" sldId="308"/>
-            <ac:inkMk id="19" creationId="{52FC19B8-DBD7-4299-AD25-1EB1AED695EE}"/>
-          </ac:inkMkLst>
-        </pc:inkChg>
-        <pc:inkChg chg="add">
-          <ac:chgData name="Md. Nahid Hasan" userId="S::nahid@vu.edu.bd::85ea5f9e-65d6-4031-b810-9415101f2e21" providerId="AD" clId="Web-{F0E2ADE9-3750-4361-9C94-74FC935C4F87}" dt="2020-07-07T05:09:14.772" v="190"/>
-          <ac:inkMkLst>
-            <pc:docMk/>
-            <pc:sldMk cId="2626097450" sldId="308"/>
-            <ac:inkMk id="20" creationId="{647A6137-3504-4E9C-9F10-CEAC6F554E2A}"/>
-          </ac:inkMkLst>
-        </pc:inkChg>
-        <pc:inkChg chg="add">
-          <ac:chgData name="Md. Nahid Hasan" userId="S::nahid@vu.edu.bd::85ea5f9e-65d6-4031-b810-9415101f2e21" providerId="AD" clId="Web-{F0E2ADE9-3750-4361-9C94-74FC935C4F87}" dt="2020-07-07T05:09:18.381" v="191"/>
-          <ac:inkMkLst>
-            <pc:docMk/>
-            <pc:sldMk cId="2626097450" sldId="308"/>
-            <ac:inkMk id="21" creationId="{A289FA95-7CCD-482D-8A17-A822509BEB92}"/>
-          </ac:inkMkLst>
-        </pc:inkChg>
-        <pc:inkChg chg="add">
-          <ac:chgData name="Md. Nahid Hasan" userId="S::nahid@vu.edu.bd::85ea5f9e-65d6-4031-b810-9415101f2e21" providerId="AD" clId="Web-{F0E2ADE9-3750-4361-9C94-74FC935C4F87}" dt="2020-07-07T05:09:20.585" v="192"/>
-          <ac:inkMkLst>
-            <pc:docMk/>
-            <pc:sldMk cId="2626097450" sldId="308"/>
-            <ac:inkMk id="22" creationId="{4AF60308-E2CE-47B2-8D57-93B100FA4F8C}"/>
-          </ac:inkMkLst>
-        </pc:inkChg>
-        <pc:inkChg chg="add">
-          <ac:chgData name="Md. Nahid Hasan" userId="S::nahid@vu.edu.bd::85ea5f9e-65d6-4031-b810-9415101f2e21" providerId="AD" clId="Web-{F0E2ADE9-3750-4361-9C94-74FC935C4F87}" dt="2020-07-07T05:09:22.835" v="193"/>
-          <ac:inkMkLst>
-            <pc:docMk/>
-            <pc:sldMk cId="2626097450" sldId="308"/>
-            <ac:inkMk id="23" creationId="{FC86C72A-6C0F-49F1-BC91-10910B4C61C5}"/>
-          </ac:inkMkLst>
-        </pc:inkChg>
-        <pc:inkChg chg="add">
-          <ac:chgData name="Md. Nahid Hasan" userId="S::nahid@vu.edu.bd::85ea5f9e-65d6-4031-b810-9415101f2e21" providerId="AD" clId="Web-{F0E2ADE9-3750-4361-9C94-74FC935C4F87}" dt="2020-07-07T05:09:25.147" v="194"/>
-          <ac:inkMkLst>
-            <pc:docMk/>
-            <pc:sldMk cId="2626097450" sldId="308"/>
-            <ac:inkMk id="24" creationId="{FA8098D0-A3F9-42D8-A0CE-93634A86C8A9}"/>
-          </ac:inkMkLst>
-        </pc:inkChg>
-        <pc:inkChg chg="add">
-          <ac:chgData name="Md. Nahid Hasan" userId="S::nahid@vu.edu.bd::85ea5f9e-65d6-4031-b810-9415101f2e21" providerId="AD" clId="Web-{F0E2ADE9-3750-4361-9C94-74FC935C4F87}" dt="2020-07-07T05:09:53.835" v="195"/>
-          <ac:inkMkLst>
-            <pc:docMk/>
-            <pc:sldMk cId="2626097450" sldId="308"/>
-            <ac:inkMk id="25" creationId="{D2C27466-1CA2-4748-AF00-14E309A27EFE}"/>
-          </ac:inkMkLst>
-        </pc:inkChg>
-        <pc:inkChg chg="add">
-          <ac:chgData name="Md. Nahid Hasan" userId="S::nahid@vu.edu.bd::85ea5f9e-65d6-4031-b810-9415101f2e21" providerId="AD" clId="Web-{F0E2ADE9-3750-4361-9C94-74FC935C4F87}" dt="2020-07-07T05:10:00.303" v="196"/>
-          <ac:inkMkLst>
-            <pc:docMk/>
-            <pc:sldMk cId="2626097450" sldId="308"/>
-            <ac:inkMk id="26" creationId="{F4BF9FD5-E2F1-4D10-8E82-F21E7846344A}"/>
-          </ac:inkMkLst>
-        </pc:inkChg>
-        <pc:inkChg chg="add">
-          <ac:chgData name="Md. Nahid Hasan" userId="S::nahid@vu.edu.bd::85ea5f9e-65d6-4031-b810-9415101f2e21" providerId="AD" clId="Web-{F0E2ADE9-3750-4361-9C94-74FC935C4F87}" dt="2020-07-07T05:10:01.991" v="197"/>
-          <ac:inkMkLst>
-            <pc:docMk/>
-            <pc:sldMk cId="2626097450" sldId="308"/>
-            <ac:inkMk id="27" creationId="{D3B7CA64-84AE-4641-959D-760BFB789A9B}"/>
-          </ac:inkMkLst>
-        </pc:inkChg>
-        <pc:inkChg chg="add">
-          <ac:chgData name="Md. Nahid Hasan" userId="S::nahid@vu.edu.bd::85ea5f9e-65d6-4031-b810-9415101f2e21" providerId="AD" clId="Web-{F0E2ADE9-3750-4361-9C94-74FC935C4F87}" dt="2020-07-07T05:10:20.522" v="198"/>
-          <ac:inkMkLst>
-            <pc:docMk/>
-            <pc:sldMk cId="2626097450" sldId="308"/>
-            <ac:inkMk id="28" creationId="{25EB5D1B-7436-4F1B-90EF-0DCCB6781833}"/>
-          </ac:inkMkLst>
-        </pc:inkChg>
       </pc:sldChg>
       <pc:sldChg chg="addSp delSp">
         <pc:chgData name="Md. Nahid Hasan" userId="S::nahid@vu.edu.bd::85ea5f9e-65d6-4031-b810-9415101f2e21" providerId="AD" clId="Web-{F0E2ADE9-3750-4361-9C94-74FC935C4F87}" dt="2020-07-07T05:23:14.242" v="326"/>
@@ -2495,462 +367,6 @@
           <pc:docMk/>
           <pc:sldMk cId="1067353594" sldId="309"/>
         </pc:sldMkLst>
-        <pc:inkChg chg="add">
-          <ac:chgData name="Md. Nahid Hasan" userId="S::nahid@vu.edu.bd::85ea5f9e-65d6-4031-b810-9415101f2e21" providerId="AD" clId="Web-{F0E2ADE9-3750-4361-9C94-74FC935C4F87}" dt="2020-07-07T05:11:56.945" v="199"/>
-          <ac:inkMkLst>
-            <pc:docMk/>
-            <pc:sldMk cId="1067353594" sldId="309"/>
-            <ac:inkMk id="4" creationId="{E5DE009A-4023-4977-BC7D-38748E54065A}"/>
-          </ac:inkMkLst>
-        </pc:inkChg>
-        <pc:inkChg chg="add">
-          <ac:chgData name="Md. Nahid Hasan" userId="S::nahid@vu.edu.bd::85ea5f9e-65d6-4031-b810-9415101f2e21" providerId="AD" clId="Web-{F0E2ADE9-3750-4361-9C94-74FC935C4F87}" dt="2020-07-07T05:11:58.585" v="200"/>
-          <ac:inkMkLst>
-            <pc:docMk/>
-            <pc:sldMk cId="1067353594" sldId="309"/>
-            <ac:inkMk id="5" creationId="{CC20A23C-87C0-403C-8453-177EECD41F49}"/>
-          </ac:inkMkLst>
-        </pc:inkChg>
-        <pc:inkChg chg="add del">
-          <ac:chgData name="Md. Nahid Hasan" userId="S::nahid@vu.edu.bd::85ea5f9e-65d6-4031-b810-9415101f2e21" providerId="AD" clId="Web-{F0E2ADE9-3750-4361-9C94-74FC935C4F87}" dt="2020-07-07T05:15:25.710" v="263"/>
-          <ac:inkMkLst>
-            <pc:docMk/>
-            <pc:sldMk cId="1067353594" sldId="309"/>
-            <ac:inkMk id="6" creationId="{A53D0534-7005-46E0-9AC4-3036A4453D77}"/>
-          </ac:inkMkLst>
-        </pc:inkChg>
-        <pc:inkChg chg="add del">
-          <ac:chgData name="Md. Nahid Hasan" userId="S::nahid@vu.edu.bd::85ea5f9e-65d6-4031-b810-9415101f2e21" providerId="AD" clId="Web-{F0E2ADE9-3750-4361-9C94-74FC935C4F87}" dt="2020-07-07T05:15:25.710" v="262"/>
-          <ac:inkMkLst>
-            <pc:docMk/>
-            <pc:sldMk cId="1067353594" sldId="309"/>
-            <ac:inkMk id="7" creationId="{C618E966-AF39-4B1F-BA35-EF68528F983D}"/>
-          </ac:inkMkLst>
-        </pc:inkChg>
-        <pc:inkChg chg="add del">
-          <ac:chgData name="Md. Nahid Hasan" userId="S::nahid@vu.edu.bd::85ea5f9e-65d6-4031-b810-9415101f2e21" providerId="AD" clId="Web-{F0E2ADE9-3750-4361-9C94-74FC935C4F87}" dt="2020-07-07T05:15:25.710" v="261"/>
-          <ac:inkMkLst>
-            <pc:docMk/>
-            <pc:sldMk cId="1067353594" sldId="309"/>
-            <ac:inkMk id="8" creationId="{E4DFAF01-6F45-40D0-B00E-58288F97B1BC}"/>
-          </ac:inkMkLst>
-        </pc:inkChg>
-        <pc:inkChg chg="add del">
-          <ac:chgData name="Md. Nahid Hasan" userId="S::nahid@vu.edu.bd::85ea5f9e-65d6-4031-b810-9415101f2e21" providerId="AD" clId="Web-{F0E2ADE9-3750-4361-9C94-74FC935C4F87}" dt="2020-07-07T05:15:25.710" v="260"/>
-          <ac:inkMkLst>
-            <pc:docMk/>
-            <pc:sldMk cId="1067353594" sldId="309"/>
-            <ac:inkMk id="9" creationId="{581D73B4-5F97-4889-A5B1-96C94069D208}"/>
-          </ac:inkMkLst>
-        </pc:inkChg>
-        <pc:inkChg chg="add del">
-          <ac:chgData name="Md. Nahid Hasan" userId="S::nahid@vu.edu.bd::85ea5f9e-65d6-4031-b810-9415101f2e21" providerId="AD" clId="Web-{F0E2ADE9-3750-4361-9C94-74FC935C4F87}" dt="2020-07-07T05:15:25.710" v="259"/>
-          <ac:inkMkLst>
-            <pc:docMk/>
-            <pc:sldMk cId="1067353594" sldId="309"/>
-            <ac:inkMk id="10" creationId="{7420C147-0E55-41B5-B0FD-C942E9431E1A}"/>
-          </ac:inkMkLst>
-        </pc:inkChg>
-        <pc:inkChg chg="add">
-          <ac:chgData name="Md. Nahid Hasan" userId="S::nahid@vu.edu.bd::85ea5f9e-65d6-4031-b810-9415101f2e21" providerId="AD" clId="Web-{F0E2ADE9-3750-4361-9C94-74FC935C4F87}" dt="2020-07-07T05:12:42.460" v="206"/>
-          <ac:inkMkLst>
-            <pc:docMk/>
-            <pc:sldMk cId="1067353594" sldId="309"/>
-            <ac:inkMk id="11" creationId="{9748911D-321E-4EC5-B3AB-6F2DA4464BBF}"/>
-          </ac:inkMkLst>
-        </pc:inkChg>
-        <pc:inkChg chg="add del">
-          <ac:chgData name="Md. Nahid Hasan" userId="S::nahid@vu.edu.bd::85ea5f9e-65d6-4031-b810-9415101f2e21" providerId="AD" clId="Web-{F0E2ADE9-3750-4361-9C94-74FC935C4F87}" dt="2020-07-07T05:15:25.710" v="258"/>
-          <ac:inkMkLst>
-            <pc:docMk/>
-            <pc:sldMk cId="1067353594" sldId="309"/>
-            <ac:inkMk id="12" creationId="{9BCBD3A4-16C7-4402-B46B-9D0AC951FC8F}"/>
-          </ac:inkMkLst>
-        </pc:inkChg>
-        <pc:inkChg chg="add del">
-          <ac:chgData name="Md. Nahid Hasan" userId="S::nahid@vu.edu.bd::85ea5f9e-65d6-4031-b810-9415101f2e21" providerId="AD" clId="Web-{F0E2ADE9-3750-4361-9C94-74FC935C4F87}" dt="2020-07-07T05:15:25.710" v="257"/>
-          <ac:inkMkLst>
-            <pc:docMk/>
-            <pc:sldMk cId="1067353594" sldId="309"/>
-            <ac:inkMk id="13" creationId="{AF73E994-6121-4A31-9DCE-F3DDDFB52CA6}"/>
-          </ac:inkMkLst>
-        </pc:inkChg>
-        <pc:inkChg chg="add del">
-          <ac:chgData name="Md. Nahid Hasan" userId="S::nahid@vu.edu.bd::85ea5f9e-65d6-4031-b810-9415101f2e21" providerId="AD" clId="Web-{F0E2ADE9-3750-4361-9C94-74FC935C4F87}" dt="2020-07-07T05:15:25.694" v="256"/>
-          <ac:inkMkLst>
-            <pc:docMk/>
-            <pc:sldMk cId="1067353594" sldId="309"/>
-            <ac:inkMk id="14" creationId="{46DFA63B-3CF4-47D8-857F-457524DD73DE}"/>
-          </ac:inkMkLst>
-        </pc:inkChg>
-        <pc:inkChg chg="add">
-          <ac:chgData name="Md. Nahid Hasan" userId="S::nahid@vu.edu.bd::85ea5f9e-65d6-4031-b810-9415101f2e21" providerId="AD" clId="Web-{F0E2ADE9-3750-4361-9C94-74FC935C4F87}" dt="2020-07-07T05:13:02.772" v="210"/>
-          <ac:inkMkLst>
-            <pc:docMk/>
-            <pc:sldMk cId="1067353594" sldId="309"/>
-            <ac:inkMk id="15" creationId="{620166F5-4E5B-4420-8F82-140D9B08294F}"/>
-          </ac:inkMkLst>
-        </pc:inkChg>
-        <pc:inkChg chg="add del">
-          <ac:chgData name="Md. Nahid Hasan" userId="S::nahid@vu.edu.bd::85ea5f9e-65d6-4031-b810-9415101f2e21" providerId="AD" clId="Web-{F0E2ADE9-3750-4361-9C94-74FC935C4F87}" dt="2020-07-07T05:15:25.694" v="255"/>
-          <ac:inkMkLst>
-            <pc:docMk/>
-            <pc:sldMk cId="1067353594" sldId="309"/>
-            <ac:inkMk id="16" creationId="{5CCE8C2B-2836-4D19-8ADE-41EA17FA6385}"/>
-          </ac:inkMkLst>
-        </pc:inkChg>
-        <pc:inkChg chg="add">
-          <ac:chgData name="Md. Nahid Hasan" userId="S::nahid@vu.edu.bd::85ea5f9e-65d6-4031-b810-9415101f2e21" providerId="AD" clId="Web-{F0E2ADE9-3750-4361-9C94-74FC935C4F87}" dt="2020-07-07T05:13:12.382" v="212"/>
-          <ac:inkMkLst>
-            <pc:docMk/>
-            <pc:sldMk cId="1067353594" sldId="309"/>
-            <ac:inkMk id="17" creationId="{3E07ED22-859E-4A4C-B1CD-1BD4EBCF23E2}"/>
-          </ac:inkMkLst>
-        </pc:inkChg>
-        <pc:inkChg chg="add del">
-          <ac:chgData name="Md. Nahid Hasan" userId="S::nahid@vu.edu.bd::85ea5f9e-65d6-4031-b810-9415101f2e21" providerId="AD" clId="Web-{F0E2ADE9-3750-4361-9C94-74FC935C4F87}" dt="2020-07-07T05:15:25.694" v="254"/>
-          <ac:inkMkLst>
-            <pc:docMk/>
-            <pc:sldMk cId="1067353594" sldId="309"/>
-            <ac:inkMk id="18" creationId="{9B418A92-1B03-4EEF-B8C2-1E625D34D28C}"/>
-          </ac:inkMkLst>
-        </pc:inkChg>
-        <pc:inkChg chg="add del">
-          <ac:chgData name="Md. Nahid Hasan" userId="S::nahid@vu.edu.bd::85ea5f9e-65d6-4031-b810-9415101f2e21" providerId="AD" clId="Web-{F0E2ADE9-3750-4361-9C94-74FC935C4F87}" dt="2020-07-07T05:15:25.694" v="253"/>
-          <ac:inkMkLst>
-            <pc:docMk/>
-            <pc:sldMk cId="1067353594" sldId="309"/>
-            <ac:inkMk id="19" creationId="{3861ECE2-C349-4110-B944-DC4EDCFC0E21}"/>
-          </ac:inkMkLst>
-        </pc:inkChg>
-        <pc:inkChg chg="add del">
-          <ac:chgData name="Md. Nahid Hasan" userId="S::nahid@vu.edu.bd::85ea5f9e-65d6-4031-b810-9415101f2e21" providerId="AD" clId="Web-{F0E2ADE9-3750-4361-9C94-74FC935C4F87}" dt="2020-07-07T05:15:25.694" v="252"/>
-          <ac:inkMkLst>
-            <pc:docMk/>
-            <pc:sldMk cId="1067353594" sldId="309"/>
-            <ac:inkMk id="20" creationId="{99304393-FB64-41F9-8EB8-B550F7B2EAC4}"/>
-          </ac:inkMkLst>
-        </pc:inkChg>
-        <pc:inkChg chg="add">
-          <ac:chgData name="Md. Nahid Hasan" userId="S::nahid@vu.edu.bd::85ea5f9e-65d6-4031-b810-9415101f2e21" providerId="AD" clId="Web-{F0E2ADE9-3750-4361-9C94-74FC935C4F87}" dt="2020-07-07T05:13:25.913" v="216"/>
-          <ac:inkMkLst>
-            <pc:docMk/>
-            <pc:sldMk cId="1067353594" sldId="309"/>
-            <ac:inkMk id="21" creationId="{7DE9BEAE-697C-48EF-BED5-9DF61882FE33}"/>
-          </ac:inkMkLst>
-        </pc:inkChg>
-        <pc:inkChg chg="add">
-          <ac:chgData name="Md. Nahid Hasan" userId="S::nahid@vu.edu.bd::85ea5f9e-65d6-4031-b810-9415101f2e21" providerId="AD" clId="Web-{F0E2ADE9-3750-4361-9C94-74FC935C4F87}" dt="2020-07-07T05:13:26.882" v="217"/>
-          <ac:inkMkLst>
-            <pc:docMk/>
-            <pc:sldMk cId="1067353594" sldId="309"/>
-            <ac:inkMk id="22" creationId="{8F067BA8-244B-4D65-AC95-D4773E50092D}"/>
-          </ac:inkMkLst>
-        </pc:inkChg>
-        <pc:inkChg chg="add">
-          <ac:chgData name="Md. Nahid Hasan" userId="S::nahid@vu.edu.bd::85ea5f9e-65d6-4031-b810-9415101f2e21" providerId="AD" clId="Web-{F0E2ADE9-3750-4361-9C94-74FC935C4F87}" dt="2020-07-07T05:13:28.038" v="218"/>
-          <ac:inkMkLst>
-            <pc:docMk/>
-            <pc:sldMk cId="1067353594" sldId="309"/>
-            <ac:inkMk id="23" creationId="{5175DF43-7702-4F47-84F4-0E13EB17B525}"/>
-          </ac:inkMkLst>
-        </pc:inkChg>
-        <pc:inkChg chg="add">
-          <ac:chgData name="Md. Nahid Hasan" userId="S::nahid@vu.edu.bd::85ea5f9e-65d6-4031-b810-9415101f2e21" providerId="AD" clId="Web-{F0E2ADE9-3750-4361-9C94-74FC935C4F87}" dt="2020-07-07T05:13:29.804" v="219"/>
-          <ac:inkMkLst>
-            <pc:docMk/>
-            <pc:sldMk cId="1067353594" sldId="309"/>
-            <ac:inkMk id="24" creationId="{727634BD-B823-4AC3-A1FD-C5F96A4202E3}"/>
-          </ac:inkMkLst>
-        </pc:inkChg>
-        <pc:inkChg chg="add del">
-          <ac:chgData name="Md. Nahid Hasan" userId="S::nahid@vu.edu.bd::85ea5f9e-65d6-4031-b810-9415101f2e21" providerId="AD" clId="Web-{F0E2ADE9-3750-4361-9C94-74FC935C4F87}" dt="2020-07-07T05:15:25.694" v="251"/>
-          <ac:inkMkLst>
-            <pc:docMk/>
-            <pc:sldMk cId="1067353594" sldId="309"/>
-            <ac:inkMk id="25" creationId="{F3F95298-14D3-462D-BEBB-8A1638AF4E77}"/>
-          </ac:inkMkLst>
-        </pc:inkChg>
-        <pc:inkChg chg="add del">
-          <ac:chgData name="Md. Nahid Hasan" userId="S::nahid@vu.edu.bd::85ea5f9e-65d6-4031-b810-9415101f2e21" providerId="AD" clId="Web-{F0E2ADE9-3750-4361-9C94-74FC935C4F87}" dt="2020-07-07T05:15:25.694" v="250"/>
-          <ac:inkMkLst>
-            <pc:docMk/>
-            <pc:sldMk cId="1067353594" sldId="309"/>
-            <ac:inkMk id="26" creationId="{4B1ADD0F-E388-47A7-A802-7C897C73F884}"/>
-          </ac:inkMkLst>
-        </pc:inkChg>
-        <pc:inkChg chg="add">
-          <ac:chgData name="Md. Nahid Hasan" userId="S::nahid@vu.edu.bd::85ea5f9e-65d6-4031-b810-9415101f2e21" providerId="AD" clId="Web-{F0E2ADE9-3750-4361-9C94-74FC935C4F87}" dt="2020-07-07T05:13:36.007" v="222"/>
-          <ac:inkMkLst>
-            <pc:docMk/>
-            <pc:sldMk cId="1067353594" sldId="309"/>
-            <ac:inkMk id="27" creationId="{72D65170-6ADA-4707-9CE5-199D11636DAB}"/>
-          </ac:inkMkLst>
-        </pc:inkChg>
-        <pc:inkChg chg="add">
-          <ac:chgData name="Md. Nahid Hasan" userId="S::nahid@vu.edu.bd::85ea5f9e-65d6-4031-b810-9415101f2e21" providerId="AD" clId="Web-{F0E2ADE9-3750-4361-9C94-74FC935C4F87}" dt="2020-07-07T05:13:36.429" v="223"/>
-          <ac:inkMkLst>
-            <pc:docMk/>
-            <pc:sldMk cId="1067353594" sldId="309"/>
-            <ac:inkMk id="28" creationId="{A3BFCB6B-ACCA-43C4-9A9C-36D0635B305F}"/>
-          </ac:inkMkLst>
-        </pc:inkChg>
-        <pc:inkChg chg="add">
-          <ac:chgData name="Md. Nahid Hasan" userId="S::nahid@vu.edu.bd::85ea5f9e-65d6-4031-b810-9415101f2e21" providerId="AD" clId="Web-{F0E2ADE9-3750-4361-9C94-74FC935C4F87}" dt="2020-07-07T05:13:45.710" v="224"/>
-          <ac:inkMkLst>
-            <pc:docMk/>
-            <pc:sldMk cId="1067353594" sldId="309"/>
-            <ac:inkMk id="29" creationId="{72B7F377-685B-46C0-822A-F6ACBC8932E1}"/>
-          </ac:inkMkLst>
-        </pc:inkChg>
-        <pc:inkChg chg="add">
-          <ac:chgData name="Md. Nahid Hasan" userId="S::nahid@vu.edu.bd::85ea5f9e-65d6-4031-b810-9415101f2e21" providerId="AD" clId="Web-{F0E2ADE9-3750-4361-9C94-74FC935C4F87}" dt="2020-07-07T05:13:54.429" v="225"/>
-          <ac:inkMkLst>
-            <pc:docMk/>
-            <pc:sldMk cId="1067353594" sldId="309"/>
-            <ac:inkMk id="30" creationId="{40A5CC46-C3D0-4D76-A089-03255595E63D}"/>
-          </ac:inkMkLst>
-        </pc:inkChg>
-        <pc:inkChg chg="add">
-          <ac:chgData name="Md. Nahid Hasan" userId="S::nahid@vu.edu.bd::85ea5f9e-65d6-4031-b810-9415101f2e21" providerId="AD" clId="Web-{F0E2ADE9-3750-4361-9C94-74FC935C4F87}" dt="2020-07-07T05:13:56.132" v="226"/>
-          <ac:inkMkLst>
-            <pc:docMk/>
-            <pc:sldMk cId="1067353594" sldId="309"/>
-            <ac:inkMk id="31" creationId="{D69EB4B1-3F63-4477-89E9-70CD500AB8A5}"/>
-          </ac:inkMkLst>
-        </pc:inkChg>
-        <pc:inkChg chg="add del">
-          <ac:chgData name="Md. Nahid Hasan" userId="S::nahid@vu.edu.bd::85ea5f9e-65d6-4031-b810-9415101f2e21" providerId="AD" clId="Web-{F0E2ADE9-3750-4361-9C94-74FC935C4F87}" dt="2020-07-07T05:15:25.694" v="249"/>
-          <ac:inkMkLst>
-            <pc:docMk/>
-            <pc:sldMk cId="1067353594" sldId="309"/>
-            <ac:inkMk id="32" creationId="{58398260-0175-4F9A-ADF1-0E88F1DF3705}"/>
-          </ac:inkMkLst>
-        </pc:inkChg>
-        <pc:inkChg chg="add del">
-          <ac:chgData name="Md. Nahid Hasan" userId="S::nahid@vu.edu.bd::85ea5f9e-65d6-4031-b810-9415101f2e21" providerId="AD" clId="Web-{F0E2ADE9-3750-4361-9C94-74FC935C4F87}" dt="2020-07-07T05:15:25.679" v="248"/>
-          <ac:inkMkLst>
-            <pc:docMk/>
-            <pc:sldMk cId="1067353594" sldId="309"/>
-            <ac:inkMk id="33" creationId="{02277C94-6D22-4270-AE8B-27FE488D2077}"/>
-          </ac:inkMkLst>
-        </pc:inkChg>
-        <pc:inkChg chg="add del">
-          <ac:chgData name="Md. Nahid Hasan" userId="S::nahid@vu.edu.bd::85ea5f9e-65d6-4031-b810-9415101f2e21" providerId="AD" clId="Web-{F0E2ADE9-3750-4361-9C94-74FC935C4F87}" dt="2020-07-07T05:15:25.679" v="247"/>
-          <ac:inkMkLst>
-            <pc:docMk/>
-            <pc:sldMk cId="1067353594" sldId="309"/>
-            <ac:inkMk id="34" creationId="{814145FF-71C9-4851-A865-2075A2A834F8}"/>
-          </ac:inkMkLst>
-        </pc:inkChg>
-        <pc:inkChg chg="add">
-          <ac:chgData name="Md. Nahid Hasan" userId="S::nahid@vu.edu.bd::85ea5f9e-65d6-4031-b810-9415101f2e21" providerId="AD" clId="Web-{F0E2ADE9-3750-4361-9C94-74FC935C4F87}" dt="2020-07-07T05:14:00.944" v="230"/>
-          <ac:inkMkLst>
-            <pc:docMk/>
-            <pc:sldMk cId="1067353594" sldId="309"/>
-            <ac:inkMk id="35" creationId="{381FE8C1-3424-44CA-828F-7C1F76B4582C}"/>
-          </ac:inkMkLst>
-        </pc:inkChg>
-        <pc:inkChg chg="add del">
-          <ac:chgData name="Md. Nahid Hasan" userId="S::nahid@vu.edu.bd::85ea5f9e-65d6-4031-b810-9415101f2e21" providerId="AD" clId="Web-{F0E2ADE9-3750-4361-9C94-74FC935C4F87}" dt="2020-07-07T05:15:25.679" v="246"/>
-          <ac:inkMkLst>
-            <pc:docMk/>
-            <pc:sldMk cId="1067353594" sldId="309"/>
-            <ac:inkMk id="36" creationId="{1017959D-9216-4DF0-8767-85476DAB2C90}"/>
-          </ac:inkMkLst>
-        </pc:inkChg>
-        <pc:inkChg chg="add del">
-          <ac:chgData name="Md. Nahid Hasan" userId="S::nahid@vu.edu.bd::85ea5f9e-65d6-4031-b810-9415101f2e21" providerId="AD" clId="Web-{F0E2ADE9-3750-4361-9C94-74FC935C4F87}" dt="2020-07-07T05:15:25.679" v="245"/>
-          <ac:inkMkLst>
-            <pc:docMk/>
-            <pc:sldMk cId="1067353594" sldId="309"/>
-            <ac:inkMk id="37" creationId="{E1A5148F-490F-4D16-BCDE-5C7DA659C947}"/>
-          </ac:inkMkLst>
-        </pc:inkChg>
-        <pc:inkChg chg="add del">
-          <ac:chgData name="Md. Nahid Hasan" userId="S::nahid@vu.edu.bd::85ea5f9e-65d6-4031-b810-9415101f2e21" providerId="AD" clId="Web-{F0E2ADE9-3750-4361-9C94-74FC935C4F87}" dt="2020-07-07T05:15:25.679" v="244"/>
-          <ac:inkMkLst>
-            <pc:docMk/>
-            <pc:sldMk cId="1067353594" sldId="309"/>
-            <ac:inkMk id="38" creationId="{4861D11A-6860-4F8C-8846-DCF07929157E}"/>
-          </ac:inkMkLst>
-        </pc:inkChg>
-        <pc:inkChg chg="add del">
-          <ac:chgData name="Md. Nahid Hasan" userId="S::nahid@vu.edu.bd::85ea5f9e-65d6-4031-b810-9415101f2e21" providerId="AD" clId="Web-{F0E2ADE9-3750-4361-9C94-74FC935C4F87}" dt="2020-07-07T05:15:25.679" v="243"/>
-          <ac:inkMkLst>
-            <pc:docMk/>
-            <pc:sldMk cId="1067353594" sldId="309"/>
-            <ac:inkMk id="39" creationId="{39FC40E4-7F8D-4EF2-A9EB-61EE83A67265}"/>
-          </ac:inkMkLst>
-        </pc:inkChg>
-        <pc:inkChg chg="add del">
-          <ac:chgData name="Md. Nahid Hasan" userId="S::nahid@vu.edu.bd::85ea5f9e-65d6-4031-b810-9415101f2e21" providerId="AD" clId="Web-{F0E2ADE9-3750-4361-9C94-74FC935C4F87}" dt="2020-07-07T05:15:25.679" v="242"/>
-          <ac:inkMkLst>
-            <pc:docMk/>
-            <pc:sldMk cId="1067353594" sldId="309"/>
-            <ac:inkMk id="40" creationId="{5DF96ABD-EBF6-47F1-A198-B09A2E3A4C74}"/>
-          </ac:inkMkLst>
-        </pc:inkChg>
-        <pc:inkChg chg="add del">
-          <ac:chgData name="Md. Nahid Hasan" userId="S::nahid@vu.edu.bd::85ea5f9e-65d6-4031-b810-9415101f2e21" providerId="AD" clId="Web-{F0E2ADE9-3750-4361-9C94-74FC935C4F87}" dt="2020-07-07T05:15:25.679" v="241"/>
-          <ac:inkMkLst>
-            <pc:docMk/>
-            <pc:sldMk cId="1067353594" sldId="309"/>
-            <ac:inkMk id="41" creationId="{C54B6998-C808-49DA-88E5-6F7F65D278AB}"/>
-          </ac:inkMkLst>
-        </pc:inkChg>
-        <pc:inkChg chg="add del">
-          <ac:chgData name="Md. Nahid Hasan" userId="S::nahid@vu.edu.bd::85ea5f9e-65d6-4031-b810-9415101f2e21" providerId="AD" clId="Web-{F0E2ADE9-3750-4361-9C94-74FC935C4F87}" dt="2020-07-07T05:15:25.679" v="240"/>
-          <ac:inkMkLst>
-            <pc:docMk/>
-            <pc:sldMk cId="1067353594" sldId="309"/>
-            <ac:inkMk id="42" creationId="{C2F94E9F-1571-49D6-A779-E28C3DC39B6B}"/>
-          </ac:inkMkLst>
-        </pc:inkChg>
-        <pc:inkChg chg="add del">
-          <ac:chgData name="Md. Nahid Hasan" userId="S::nahid@vu.edu.bd::85ea5f9e-65d6-4031-b810-9415101f2e21" providerId="AD" clId="Web-{F0E2ADE9-3750-4361-9C94-74FC935C4F87}" dt="2020-07-07T05:15:25.663" v="239"/>
-          <ac:inkMkLst>
-            <pc:docMk/>
-            <pc:sldMk cId="1067353594" sldId="309"/>
-            <ac:inkMk id="43" creationId="{E8C85678-A61F-4713-853C-0BEEF9F88923}"/>
-          </ac:inkMkLst>
-        </pc:inkChg>
-        <pc:inkChg chg="add">
-          <ac:chgData name="Md. Nahid Hasan" userId="S::nahid@vu.edu.bd::85ea5f9e-65d6-4031-b810-9415101f2e21" providerId="AD" clId="Web-{F0E2ADE9-3750-4361-9C94-74FC935C4F87}" dt="2020-07-07T05:15:32.913" v="264"/>
-          <ac:inkMkLst>
-            <pc:docMk/>
-            <pc:sldMk cId="1067353594" sldId="309"/>
-            <ac:inkMk id="44" creationId="{BD8BD953-92BA-4AB9-82AC-AAAD742CB3FC}"/>
-          </ac:inkMkLst>
-        </pc:inkChg>
-        <pc:inkChg chg="add">
-          <ac:chgData name="Md. Nahid Hasan" userId="S::nahid@vu.edu.bd::85ea5f9e-65d6-4031-b810-9415101f2e21" providerId="AD" clId="Web-{F0E2ADE9-3750-4361-9C94-74FC935C4F87}" dt="2020-07-07T05:15:34.632" v="265"/>
-          <ac:inkMkLst>
-            <pc:docMk/>
-            <pc:sldMk cId="1067353594" sldId="309"/>
-            <ac:inkMk id="45" creationId="{7AF994FA-0448-4D93-8CB9-CF2130FD7AC6}"/>
-          </ac:inkMkLst>
-        </pc:inkChg>
-        <pc:inkChg chg="add">
-          <ac:chgData name="Md. Nahid Hasan" userId="S::nahid@vu.edu.bd::85ea5f9e-65d6-4031-b810-9415101f2e21" providerId="AD" clId="Web-{F0E2ADE9-3750-4361-9C94-74FC935C4F87}" dt="2020-07-07T05:15:36.351" v="266"/>
-          <ac:inkMkLst>
-            <pc:docMk/>
-            <pc:sldMk cId="1067353594" sldId="309"/>
-            <ac:inkMk id="46" creationId="{E1D63804-4227-4698-B8BD-7387B0B8B2A8}"/>
-          </ac:inkMkLst>
-        </pc:inkChg>
-        <pc:inkChg chg="add">
-          <ac:chgData name="Md. Nahid Hasan" userId="S::nahid@vu.edu.bd::85ea5f9e-65d6-4031-b810-9415101f2e21" providerId="AD" clId="Web-{F0E2ADE9-3750-4361-9C94-74FC935C4F87}" dt="2020-07-07T05:15:39.054" v="267"/>
-          <ac:inkMkLst>
-            <pc:docMk/>
-            <pc:sldMk cId="1067353594" sldId="309"/>
-            <ac:inkMk id="47" creationId="{C0E56B0A-14BE-41F8-9D3E-5BB1F0BDC5F1}"/>
-          </ac:inkMkLst>
-        </pc:inkChg>
-        <pc:inkChg chg="add">
-          <ac:chgData name="Md. Nahid Hasan" userId="S::nahid@vu.edu.bd::85ea5f9e-65d6-4031-b810-9415101f2e21" providerId="AD" clId="Web-{F0E2ADE9-3750-4361-9C94-74FC935C4F87}" dt="2020-07-07T05:15:39.710" v="268"/>
-          <ac:inkMkLst>
-            <pc:docMk/>
-            <pc:sldMk cId="1067353594" sldId="309"/>
-            <ac:inkMk id="48" creationId="{91705906-CF2E-4936-862A-0A03861088C5}"/>
-          </ac:inkMkLst>
-        </pc:inkChg>
-        <pc:inkChg chg="add">
-          <ac:chgData name="Md. Nahid Hasan" userId="S::nahid@vu.edu.bd::85ea5f9e-65d6-4031-b810-9415101f2e21" providerId="AD" clId="Web-{F0E2ADE9-3750-4361-9C94-74FC935C4F87}" dt="2020-07-07T05:15:40.929" v="269"/>
-          <ac:inkMkLst>
-            <pc:docMk/>
-            <pc:sldMk cId="1067353594" sldId="309"/>
-            <ac:inkMk id="49" creationId="{E4C3E5BA-27AD-4C63-A322-A68CCD77111D}"/>
-          </ac:inkMkLst>
-        </pc:inkChg>
-        <pc:inkChg chg="add">
-          <ac:chgData name="Md. Nahid Hasan" userId="S::nahid@vu.edu.bd::85ea5f9e-65d6-4031-b810-9415101f2e21" providerId="AD" clId="Web-{F0E2ADE9-3750-4361-9C94-74FC935C4F87}" dt="2020-07-07T05:15:42.101" v="270"/>
-          <ac:inkMkLst>
-            <pc:docMk/>
-            <pc:sldMk cId="1067353594" sldId="309"/>
-            <ac:inkMk id="50" creationId="{215EE3E1-AD81-4B3C-987C-7DB330E78405}"/>
-          </ac:inkMkLst>
-        </pc:inkChg>
-        <pc:inkChg chg="add">
-          <ac:chgData name="Md. Nahid Hasan" userId="S::nahid@vu.edu.bd::85ea5f9e-65d6-4031-b810-9415101f2e21" providerId="AD" clId="Web-{F0E2ADE9-3750-4361-9C94-74FC935C4F87}" dt="2020-07-07T05:15:44.648" v="271"/>
-          <ac:inkMkLst>
-            <pc:docMk/>
-            <pc:sldMk cId="1067353594" sldId="309"/>
-            <ac:inkMk id="51" creationId="{5CD87BB8-0B4A-476F-8D10-8EFAC07B6730}"/>
-          </ac:inkMkLst>
-        </pc:inkChg>
-        <pc:inkChg chg="add">
-          <ac:chgData name="Md. Nahid Hasan" userId="S::nahid@vu.edu.bd::85ea5f9e-65d6-4031-b810-9415101f2e21" providerId="AD" clId="Web-{F0E2ADE9-3750-4361-9C94-74FC935C4F87}" dt="2020-07-07T05:15:47.429" v="272"/>
-          <ac:inkMkLst>
-            <pc:docMk/>
-            <pc:sldMk cId="1067353594" sldId="309"/>
-            <ac:inkMk id="52" creationId="{0E12F7C6-3777-43FD-B51A-D880BC8DB821}"/>
-          </ac:inkMkLst>
-        </pc:inkChg>
-        <pc:inkChg chg="add">
-          <ac:chgData name="Md. Nahid Hasan" userId="S::nahid@vu.edu.bd::85ea5f9e-65d6-4031-b810-9415101f2e21" providerId="AD" clId="Web-{F0E2ADE9-3750-4361-9C94-74FC935C4F87}" dt="2020-07-07T05:15:50.507" v="273"/>
-          <ac:inkMkLst>
-            <pc:docMk/>
-            <pc:sldMk cId="1067353594" sldId="309"/>
-            <ac:inkMk id="53" creationId="{D5129D88-00FA-407D-BA74-2D262D05C982}"/>
-          </ac:inkMkLst>
-        </pc:inkChg>
-        <pc:inkChg chg="add">
-          <ac:chgData name="Md. Nahid Hasan" userId="S::nahid@vu.edu.bd::85ea5f9e-65d6-4031-b810-9415101f2e21" providerId="AD" clId="Web-{F0E2ADE9-3750-4361-9C94-74FC935C4F87}" dt="2020-07-07T05:16:55.491" v="274"/>
-          <ac:inkMkLst>
-            <pc:docMk/>
-            <pc:sldMk cId="1067353594" sldId="309"/>
-            <ac:inkMk id="54" creationId="{115FAF90-B8A4-4B27-9265-E8A921C04D9A}"/>
-          </ac:inkMkLst>
-        </pc:inkChg>
-        <pc:inkChg chg="add">
-          <ac:chgData name="Md. Nahid Hasan" userId="S::nahid@vu.edu.bd::85ea5f9e-65d6-4031-b810-9415101f2e21" providerId="AD" clId="Web-{F0E2ADE9-3750-4361-9C94-74FC935C4F87}" dt="2020-07-07T05:22:56.476" v="321"/>
-          <ac:inkMkLst>
-            <pc:docMk/>
-            <pc:sldMk cId="1067353594" sldId="309"/>
-            <ac:inkMk id="55" creationId="{8FF0371B-B4AE-41A2-B19D-82644AAB2E40}"/>
-          </ac:inkMkLst>
-        </pc:inkChg>
-        <pc:inkChg chg="add">
-          <ac:chgData name="Md. Nahid Hasan" userId="S::nahid@vu.edu.bd::85ea5f9e-65d6-4031-b810-9415101f2e21" providerId="AD" clId="Web-{F0E2ADE9-3750-4361-9C94-74FC935C4F87}" dt="2020-07-07T05:23:00.742" v="322"/>
-          <ac:inkMkLst>
-            <pc:docMk/>
-            <pc:sldMk cId="1067353594" sldId="309"/>
-            <ac:inkMk id="56" creationId="{36998653-50C7-4ED6-A413-DDA423BA0263}"/>
-          </ac:inkMkLst>
-        </pc:inkChg>
-        <pc:inkChg chg="add">
-          <ac:chgData name="Md. Nahid Hasan" userId="S::nahid@vu.edu.bd::85ea5f9e-65d6-4031-b810-9415101f2e21" providerId="AD" clId="Web-{F0E2ADE9-3750-4361-9C94-74FC935C4F87}" dt="2020-07-07T05:23:07.773" v="323"/>
-          <ac:inkMkLst>
-            <pc:docMk/>
-            <pc:sldMk cId="1067353594" sldId="309"/>
-            <ac:inkMk id="57" creationId="{13E7E873-68D7-4CBC-9C3D-3392AFE379DD}"/>
-          </ac:inkMkLst>
-        </pc:inkChg>
-        <pc:inkChg chg="add">
-          <ac:chgData name="Md. Nahid Hasan" userId="S::nahid@vu.edu.bd::85ea5f9e-65d6-4031-b810-9415101f2e21" providerId="AD" clId="Web-{F0E2ADE9-3750-4361-9C94-74FC935C4F87}" dt="2020-07-07T05:23:08.929" v="324"/>
-          <ac:inkMkLst>
-            <pc:docMk/>
-            <pc:sldMk cId="1067353594" sldId="309"/>
-            <ac:inkMk id="58" creationId="{0F5E67B8-2F08-4A7B-8834-C0511EB604B9}"/>
-          </ac:inkMkLst>
-        </pc:inkChg>
-        <pc:inkChg chg="add">
-          <ac:chgData name="Md. Nahid Hasan" userId="S::nahid@vu.edu.bd::85ea5f9e-65d6-4031-b810-9415101f2e21" providerId="AD" clId="Web-{F0E2ADE9-3750-4361-9C94-74FC935C4F87}" dt="2020-07-07T05:23:10.320" v="325"/>
-          <ac:inkMkLst>
-            <pc:docMk/>
-            <pc:sldMk cId="1067353594" sldId="309"/>
-            <ac:inkMk id="59" creationId="{4C0FD447-D818-4C22-9B11-B305CAC34881}"/>
-          </ac:inkMkLst>
-        </pc:inkChg>
-        <pc:inkChg chg="add">
-          <ac:chgData name="Md. Nahid Hasan" userId="S::nahid@vu.edu.bd::85ea5f9e-65d6-4031-b810-9415101f2e21" providerId="AD" clId="Web-{F0E2ADE9-3750-4361-9C94-74FC935C4F87}" dt="2020-07-07T05:23:14.242" v="326"/>
-          <ac:inkMkLst>
-            <pc:docMk/>
-            <pc:sldMk cId="1067353594" sldId="309"/>
-            <ac:inkMk id="60" creationId="{50A5CA72-15D0-4F95-855D-FECB5B9D7B14}"/>
-          </ac:inkMkLst>
-        </pc:inkChg>
       </pc:sldChg>
       <pc:sldChg chg="addSp">
         <pc:chgData name="Md. Nahid Hasan" userId="S::nahid@vu.edu.bd::85ea5f9e-65d6-4031-b810-9415101f2e21" providerId="AD" clId="Web-{F0E2ADE9-3750-4361-9C94-74FC935C4F87}" dt="2020-07-07T05:21:58.586" v="320"/>
@@ -2958,374 +374,6 @@
           <pc:docMk/>
           <pc:sldMk cId="2473989168" sldId="310"/>
         </pc:sldMkLst>
-        <pc:inkChg chg="add">
-          <ac:chgData name="Md. Nahid Hasan" userId="S::nahid@vu.edu.bd::85ea5f9e-65d6-4031-b810-9415101f2e21" providerId="AD" clId="Web-{F0E2ADE9-3750-4361-9C94-74FC935C4F87}" dt="2020-07-07T05:17:02.163" v="275"/>
-          <ac:inkMkLst>
-            <pc:docMk/>
-            <pc:sldMk cId="2473989168" sldId="310"/>
-            <ac:inkMk id="4" creationId="{F5BE7855-A519-4B49-A621-F14DB8D701BA}"/>
-          </ac:inkMkLst>
-        </pc:inkChg>
-        <pc:inkChg chg="add">
-          <ac:chgData name="Md. Nahid Hasan" userId="S::nahid@vu.edu.bd::85ea5f9e-65d6-4031-b810-9415101f2e21" providerId="AD" clId="Web-{F0E2ADE9-3750-4361-9C94-74FC935C4F87}" dt="2020-07-07T05:17:03.304" v="276"/>
-          <ac:inkMkLst>
-            <pc:docMk/>
-            <pc:sldMk cId="2473989168" sldId="310"/>
-            <ac:inkMk id="5" creationId="{2CA9503C-04AE-4549-831E-4D228A05C8AC}"/>
-          </ac:inkMkLst>
-        </pc:inkChg>
-        <pc:inkChg chg="add">
-          <ac:chgData name="Md. Nahid Hasan" userId="S::nahid@vu.edu.bd::85ea5f9e-65d6-4031-b810-9415101f2e21" providerId="AD" clId="Web-{F0E2ADE9-3750-4361-9C94-74FC935C4F87}" dt="2020-07-07T05:17:38.804" v="277"/>
-          <ac:inkMkLst>
-            <pc:docMk/>
-            <pc:sldMk cId="2473989168" sldId="310"/>
-            <ac:inkMk id="6" creationId="{B551ECFB-64B6-4063-AFB1-B826CE6C8B56}"/>
-          </ac:inkMkLst>
-        </pc:inkChg>
-        <pc:inkChg chg="add">
-          <ac:chgData name="Md. Nahid Hasan" userId="S::nahid@vu.edu.bd::85ea5f9e-65d6-4031-b810-9415101f2e21" providerId="AD" clId="Web-{F0E2ADE9-3750-4361-9C94-74FC935C4F87}" dt="2020-07-07T05:17:55.757" v="278"/>
-          <ac:inkMkLst>
-            <pc:docMk/>
-            <pc:sldMk cId="2473989168" sldId="310"/>
-            <ac:inkMk id="7" creationId="{E48C70F8-0153-4F8C-A433-DCAC8C0ED039}"/>
-          </ac:inkMkLst>
-        </pc:inkChg>
-        <pc:inkChg chg="add">
-          <ac:chgData name="Md. Nahid Hasan" userId="S::nahid@vu.edu.bd::85ea5f9e-65d6-4031-b810-9415101f2e21" providerId="AD" clId="Web-{F0E2ADE9-3750-4361-9C94-74FC935C4F87}" dt="2020-07-07T05:17:56.851" v="279"/>
-          <ac:inkMkLst>
-            <pc:docMk/>
-            <pc:sldMk cId="2473989168" sldId="310"/>
-            <ac:inkMk id="8" creationId="{27ADE619-FB12-4024-B41C-CFED2F44E27E}"/>
-          </ac:inkMkLst>
-        </pc:inkChg>
-        <pc:inkChg chg="add">
-          <ac:chgData name="Md. Nahid Hasan" userId="S::nahid@vu.edu.bd::85ea5f9e-65d6-4031-b810-9415101f2e21" providerId="AD" clId="Web-{F0E2ADE9-3750-4361-9C94-74FC935C4F87}" dt="2020-07-07T05:17:58.632" v="280"/>
-          <ac:inkMkLst>
-            <pc:docMk/>
-            <pc:sldMk cId="2473989168" sldId="310"/>
-            <ac:inkMk id="9" creationId="{4A3E8442-E994-44CC-980B-3D8B8A4D0B62}"/>
-          </ac:inkMkLst>
-        </pc:inkChg>
-        <pc:inkChg chg="add">
-          <ac:chgData name="Md. Nahid Hasan" userId="S::nahid@vu.edu.bd::85ea5f9e-65d6-4031-b810-9415101f2e21" providerId="AD" clId="Web-{F0E2ADE9-3750-4361-9C94-74FC935C4F87}" dt="2020-07-07T05:18:04.507" v="281"/>
-          <ac:inkMkLst>
-            <pc:docMk/>
-            <pc:sldMk cId="2473989168" sldId="310"/>
-            <ac:inkMk id="10" creationId="{7B0D4485-8481-4E49-B4ED-48AA9FED7696}"/>
-          </ac:inkMkLst>
-        </pc:inkChg>
-        <pc:inkChg chg="add">
-          <ac:chgData name="Md. Nahid Hasan" userId="S::nahid@vu.edu.bd::85ea5f9e-65d6-4031-b810-9415101f2e21" providerId="AD" clId="Web-{F0E2ADE9-3750-4361-9C94-74FC935C4F87}" dt="2020-07-07T05:18:06.195" v="282"/>
-          <ac:inkMkLst>
-            <pc:docMk/>
-            <pc:sldMk cId="2473989168" sldId="310"/>
-            <ac:inkMk id="11" creationId="{70B6F44B-49A7-4B56-84E4-82E9E3379DD8}"/>
-          </ac:inkMkLst>
-        </pc:inkChg>
-        <pc:inkChg chg="add">
-          <ac:chgData name="Md. Nahid Hasan" userId="S::nahid@vu.edu.bd::85ea5f9e-65d6-4031-b810-9415101f2e21" providerId="AD" clId="Web-{F0E2ADE9-3750-4361-9C94-74FC935C4F87}" dt="2020-07-07T05:18:08.538" v="283"/>
-          <ac:inkMkLst>
-            <pc:docMk/>
-            <pc:sldMk cId="2473989168" sldId="310"/>
-            <ac:inkMk id="12" creationId="{D574D9E1-4F05-4CD8-8D01-4ADBAC3E2168}"/>
-          </ac:inkMkLst>
-        </pc:inkChg>
-        <pc:inkChg chg="add">
-          <ac:chgData name="Md. Nahid Hasan" userId="S::nahid@vu.edu.bd::85ea5f9e-65d6-4031-b810-9415101f2e21" providerId="AD" clId="Web-{F0E2ADE9-3750-4361-9C94-74FC935C4F87}" dt="2020-07-07T05:18:08.538" v="284"/>
-          <ac:inkMkLst>
-            <pc:docMk/>
-            <pc:sldMk cId="2473989168" sldId="310"/>
-            <ac:inkMk id="13" creationId="{DA36EEA7-447D-471D-84D4-2C18CC85512B}"/>
-          </ac:inkMkLst>
-        </pc:inkChg>
-        <pc:inkChg chg="add">
-          <ac:chgData name="Md. Nahid Hasan" userId="S::nahid@vu.edu.bd::85ea5f9e-65d6-4031-b810-9415101f2e21" providerId="AD" clId="Web-{F0E2ADE9-3750-4361-9C94-74FC935C4F87}" dt="2020-07-07T05:18:10.101" v="285"/>
-          <ac:inkMkLst>
-            <pc:docMk/>
-            <pc:sldMk cId="2473989168" sldId="310"/>
-            <ac:inkMk id="14" creationId="{09627A80-3DB1-4D3C-9920-B35F6967FBDD}"/>
-          </ac:inkMkLst>
-        </pc:inkChg>
-        <pc:inkChg chg="add">
-          <ac:chgData name="Md. Nahid Hasan" userId="S::nahid@vu.edu.bd::85ea5f9e-65d6-4031-b810-9415101f2e21" providerId="AD" clId="Web-{F0E2ADE9-3750-4361-9C94-74FC935C4F87}" dt="2020-07-07T05:18:10.882" v="286"/>
-          <ac:inkMkLst>
-            <pc:docMk/>
-            <pc:sldMk cId="2473989168" sldId="310"/>
-            <ac:inkMk id="15" creationId="{8EFA6788-4137-4B95-B0D7-9C7412F069C5}"/>
-          </ac:inkMkLst>
-        </pc:inkChg>
-        <pc:inkChg chg="add">
-          <ac:chgData name="Md. Nahid Hasan" userId="S::nahid@vu.edu.bd::85ea5f9e-65d6-4031-b810-9415101f2e21" providerId="AD" clId="Web-{F0E2ADE9-3750-4361-9C94-74FC935C4F87}" dt="2020-07-07T05:18:11.554" v="287"/>
-          <ac:inkMkLst>
-            <pc:docMk/>
-            <pc:sldMk cId="2473989168" sldId="310"/>
-            <ac:inkMk id="16" creationId="{C0CF6C3F-6897-474C-949D-89F7BA793B81}"/>
-          </ac:inkMkLst>
-        </pc:inkChg>
-        <pc:inkChg chg="add">
-          <ac:chgData name="Md. Nahid Hasan" userId="S::nahid@vu.edu.bd::85ea5f9e-65d6-4031-b810-9415101f2e21" providerId="AD" clId="Web-{F0E2ADE9-3750-4361-9C94-74FC935C4F87}" dt="2020-07-07T05:18:14.195" v="288"/>
-          <ac:inkMkLst>
-            <pc:docMk/>
-            <pc:sldMk cId="2473989168" sldId="310"/>
-            <ac:inkMk id="17" creationId="{FC157597-A84B-4315-B0BE-6000C7759D1D}"/>
-          </ac:inkMkLst>
-        </pc:inkChg>
-        <pc:inkChg chg="add">
-          <ac:chgData name="Md. Nahid Hasan" userId="S::nahid@vu.edu.bd::85ea5f9e-65d6-4031-b810-9415101f2e21" providerId="AD" clId="Web-{F0E2ADE9-3750-4361-9C94-74FC935C4F87}" dt="2020-07-07T05:18:27.101" v="289"/>
-          <ac:inkMkLst>
-            <pc:docMk/>
-            <pc:sldMk cId="2473989168" sldId="310"/>
-            <ac:inkMk id="18" creationId="{8E3225BD-C5C4-4C03-A2C5-CC5BA8183CED}"/>
-          </ac:inkMkLst>
-        </pc:inkChg>
-        <pc:inkChg chg="add">
-          <ac:chgData name="Md. Nahid Hasan" userId="S::nahid@vu.edu.bd::85ea5f9e-65d6-4031-b810-9415101f2e21" providerId="AD" clId="Web-{F0E2ADE9-3750-4361-9C94-74FC935C4F87}" dt="2020-07-07T05:18:27.101" v="290"/>
-          <ac:inkMkLst>
-            <pc:docMk/>
-            <pc:sldMk cId="2473989168" sldId="310"/>
-            <ac:inkMk id="19" creationId="{5244E706-0955-4AE2-9600-93200C545D27}"/>
-          </ac:inkMkLst>
-        </pc:inkChg>
-        <pc:inkChg chg="add">
-          <ac:chgData name="Md. Nahid Hasan" userId="S::nahid@vu.edu.bd::85ea5f9e-65d6-4031-b810-9415101f2e21" providerId="AD" clId="Web-{F0E2ADE9-3750-4361-9C94-74FC935C4F87}" dt="2020-07-07T05:18:29.351" v="291"/>
-          <ac:inkMkLst>
-            <pc:docMk/>
-            <pc:sldMk cId="2473989168" sldId="310"/>
-            <ac:inkMk id="20" creationId="{AD1C62EE-2CFE-47DC-BF4C-65DF283B84CC}"/>
-          </ac:inkMkLst>
-        </pc:inkChg>
-        <pc:inkChg chg="add">
-          <ac:chgData name="Md. Nahid Hasan" userId="S::nahid@vu.edu.bd::85ea5f9e-65d6-4031-b810-9415101f2e21" providerId="AD" clId="Web-{F0E2ADE9-3750-4361-9C94-74FC935C4F87}" dt="2020-07-07T05:18:31.726" v="292"/>
-          <ac:inkMkLst>
-            <pc:docMk/>
-            <pc:sldMk cId="2473989168" sldId="310"/>
-            <ac:inkMk id="21" creationId="{0F49F436-DF11-4A50-9473-B35C67F8DC3A}"/>
-          </ac:inkMkLst>
-        </pc:inkChg>
-        <pc:inkChg chg="add">
-          <ac:chgData name="Md. Nahid Hasan" userId="S::nahid@vu.edu.bd::85ea5f9e-65d6-4031-b810-9415101f2e21" providerId="AD" clId="Web-{F0E2ADE9-3750-4361-9C94-74FC935C4F87}" dt="2020-07-07T05:18:42.257" v="293"/>
-          <ac:inkMkLst>
-            <pc:docMk/>
-            <pc:sldMk cId="2473989168" sldId="310"/>
-            <ac:inkMk id="22" creationId="{4EB7F139-D1CF-4FFA-99F9-A0FFAB577D4D}"/>
-          </ac:inkMkLst>
-        </pc:inkChg>
-        <pc:inkChg chg="add">
-          <ac:chgData name="Md. Nahid Hasan" userId="S::nahid@vu.edu.bd::85ea5f9e-65d6-4031-b810-9415101f2e21" providerId="AD" clId="Web-{F0E2ADE9-3750-4361-9C94-74FC935C4F87}" dt="2020-07-07T05:18:42.898" v="294"/>
-          <ac:inkMkLst>
-            <pc:docMk/>
-            <pc:sldMk cId="2473989168" sldId="310"/>
-            <ac:inkMk id="23" creationId="{FFE47A9F-8F98-43E6-81D7-95875B485C49}"/>
-          </ac:inkMkLst>
-        </pc:inkChg>
-        <pc:inkChg chg="add">
-          <ac:chgData name="Md. Nahid Hasan" userId="S::nahid@vu.edu.bd::85ea5f9e-65d6-4031-b810-9415101f2e21" providerId="AD" clId="Web-{F0E2ADE9-3750-4361-9C94-74FC935C4F87}" dt="2020-07-07T05:18:44.273" v="295"/>
-          <ac:inkMkLst>
-            <pc:docMk/>
-            <pc:sldMk cId="2473989168" sldId="310"/>
-            <ac:inkMk id="24" creationId="{2EED09C4-63A7-4E5E-9B4E-D4E4B0B17232}"/>
-          </ac:inkMkLst>
-        </pc:inkChg>
-        <pc:inkChg chg="add">
-          <ac:chgData name="Md. Nahid Hasan" userId="S::nahid@vu.edu.bd::85ea5f9e-65d6-4031-b810-9415101f2e21" providerId="AD" clId="Web-{F0E2ADE9-3750-4361-9C94-74FC935C4F87}" dt="2020-07-07T05:18:45.538" v="296"/>
-          <ac:inkMkLst>
-            <pc:docMk/>
-            <pc:sldMk cId="2473989168" sldId="310"/>
-            <ac:inkMk id="25" creationId="{FD023A77-A651-404C-B765-C53D8BD47B42}"/>
-          </ac:inkMkLst>
-        </pc:inkChg>
-        <pc:inkChg chg="add">
-          <ac:chgData name="Md. Nahid Hasan" userId="S::nahid@vu.edu.bd::85ea5f9e-65d6-4031-b810-9415101f2e21" providerId="AD" clId="Web-{F0E2ADE9-3750-4361-9C94-74FC935C4F87}" dt="2020-07-07T05:18:45.554" v="297"/>
-          <ac:inkMkLst>
-            <pc:docMk/>
-            <pc:sldMk cId="2473989168" sldId="310"/>
-            <ac:inkMk id="26" creationId="{8A9C6192-0A52-4AAC-BE18-56A32797AB5A}"/>
-          </ac:inkMkLst>
-        </pc:inkChg>
-        <pc:inkChg chg="add">
-          <ac:chgData name="Md. Nahid Hasan" userId="S::nahid@vu.edu.bd::85ea5f9e-65d6-4031-b810-9415101f2e21" providerId="AD" clId="Web-{F0E2ADE9-3750-4361-9C94-74FC935C4F87}" dt="2020-07-07T05:18:46.132" v="298"/>
-          <ac:inkMkLst>
-            <pc:docMk/>
-            <pc:sldMk cId="2473989168" sldId="310"/>
-            <ac:inkMk id="27" creationId="{BF284B95-4F68-49AA-A7F0-866F714A0AE9}"/>
-          </ac:inkMkLst>
-        </pc:inkChg>
-        <pc:inkChg chg="add">
-          <ac:chgData name="Md. Nahid Hasan" userId="S::nahid@vu.edu.bd::85ea5f9e-65d6-4031-b810-9415101f2e21" providerId="AD" clId="Web-{F0E2ADE9-3750-4361-9C94-74FC935C4F87}" dt="2020-07-07T05:18:48.195" v="299"/>
-          <ac:inkMkLst>
-            <pc:docMk/>
-            <pc:sldMk cId="2473989168" sldId="310"/>
-            <ac:inkMk id="28" creationId="{A3CE29B8-1A4D-467D-8A91-74FAFAF72CFB}"/>
-          </ac:inkMkLst>
-        </pc:inkChg>
-        <pc:inkChg chg="add">
-          <ac:chgData name="Md. Nahid Hasan" userId="S::nahid@vu.edu.bd::85ea5f9e-65d6-4031-b810-9415101f2e21" providerId="AD" clId="Web-{F0E2ADE9-3750-4361-9C94-74FC935C4F87}" dt="2020-07-07T05:18:48.273" v="300"/>
-          <ac:inkMkLst>
-            <pc:docMk/>
-            <pc:sldMk cId="2473989168" sldId="310"/>
-            <ac:inkMk id="29" creationId="{C2995F7E-C3A6-447B-A664-4F25B927C95E}"/>
-          </ac:inkMkLst>
-        </pc:inkChg>
-        <pc:inkChg chg="add">
-          <ac:chgData name="Md. Nahid Hasan" userId="S::nahid@vu.edu.bd::85ea5f9e-65d6-4031-b810-9415101f2e21" providerId="AD" clId="Web-{F0E2ADE9-3750-4361-9C94-74FC935C4F87}" dt="2020-07-07T05:18:49.335" v="301"/>
-          <ac:inkMkLst>
-            <pc:docMk/>
-            <pc:sldMk cId="2473989168" sldId="310"/>
-            <ac:inkMk id="30" creationId="{3E7E2F45-B8CA-4338-91D2-934E424DCDD4}"/>
-          </ac:inkMkLst>
-        </pc:inkChg>
-        <pc:inkChg chg="add">
-          <ac:chgData name="Md. Nahid Hasan" userId="S::nahid@vu.edu.bd::85ea5f9e-65d6-4031-b810-9415101f2e21" providerId="AD" clId="Web-{F0E2ADE9-3750-4361-9C94-74FC935C4F87}" dt="2020-07-07T05:18:50.148" v="302"/>
-          <ac:inkMkLst>
-            <pc:docMk/>
-            <pc:sldMk cId="2473989168" sldId="310"/>
-            <ac:inkMk id="31" creationId="{1FB65B0E-A295-42ED-994C-0D975827524A}"/>
-          </ac:inkMkLst>
-        </pc:inkChg>
-        <pc:inkChg chg="add">
-          <ac:chgData name="Md. Nahid Hasan" userId="S::nahid@vu.edu.bd::85ea5f9e-65d6-4031-b810-9415101f2e21" providerId="AD" clId="Web-{F0E2ADE9-3750-4361-9C94-74FC935C4F87}" dt="2020-07-07T05:18:50.804" v="303"/>
-          <ac:inkMkLst>
-            <pc:docMk/>
-            <pc:sldMk cId="2473989168" sldId="310"/>
-            <ac:inkMk id="32" creationId="{3F16AD72-289A-48C2-B486-4AAAC02D3388}"/>
-          </ac:inkMkLst>
-        </pc:inkChg>
-        <pc:inkChg chg="add">
-          <ac:chgData name="Md. Nahid Hasan" userId="S::nahid@vu.edu.bd::85ea5f9e-65d6-4031-b810-9415101f2e21" providerId="AD" clId="Web-{F0E2ADE9-3750-4361-9C94-74FC935C4F87}" dt="2020-07-07T05:18:52.163" v="304"/>
-          <ac:inkMkLst>
-            <pc:docMk/>
-            <pc:sldMk cId="2473989168" sldId="310"/>
-            <ac:inkMk id="33" creationId="{0068CBF2-D97C-45B8-B766-A4B04854CF6B}"/>
-          </ac:inkMkLst>
-        </pc:inkChg>
-        <pc:inkChg chg="add">
-          <ac:chgData name="Md. Nahid Hasan" userId="S::nahid@vu.edu.bd::85ea5f9e-65d6-4031-b810-9415101f2e21" providerId="AD" clId="Web-{F0E2ADE9-3750-4361-9C94-74FC935C4F87}" dt="2020-07-07T05:19:08.007" v="305"/>
-          <ac:inkMkLst>
-            <pc:docMk/>
-            <pc:sldMk cId="2473989168" sldId="310"/>
-            <ac:inkMk id="34" creationId="{50AF345B-5806-4742-B340-AF4047AB61A3}"/>
-          </ac:inkMkLst>
-        </pc:inkChg>
-        <pc:inkChg chg="add">
-          <ac:chgData name="Md. Nahid Hasan" userId="S::nahid@vu.edu.bd::85ea5f9e-65d6-4031-b810-9415101f2e21" providerId="AD" clId="Web-{F0E2ADE9-3750-4361-9C94-74FC935C4F87}" dt="2020-07-07T05:19:34.070" v="306"/>
-          <ac:inkMkLst>
-            <pc:docMk/>
-            <pc:sldMk cId="2473989168" sldId="310"/>
-            <ac:inkMk id="35" creationId="{C8643F4A-9AF0-4AF1-8834-5C2F3830CB48}"/>
-          </ac:inkMkLst>
-        </pc:inkChg>
-        <pc:inkChg chg="add">
-          <ac:chgData name="Md. Nahid Hasan" userId="S::nahid@vu.edu.bd::85ea5f9e-65d6-4031-b810-9415101f2e21" providerId="AD" clId="Web-{F0E2ADE9-3750-4361-9C94-74FC935C4F87}" dt="2020-07-07T05:19:36.117" v="307"/>
-          <ac:inkMkLst>
-            <pc:docMk/>
-            <pc:sldMk cId="2473989168" sldId="310"/>
-            <ac:inkMk id="36" creationId="{90C469A0-374D-4D27-9AE9-597279115421}"/>
-          </ac:inkMkLst>
-        </pc:inkChg>
-        <pc:inkChg chg="add">
-          <ac:chgData name="Md. Nahid Hasan" userId="S::nahid@vu.edu.bd::85ea5f9e-65d6-4031-b810-9415101f2e21" providerId="AD" clId="Web-{F0E2ADE9-3750-4361-9C94-74FC935C4F87}" dt="2020-07-07T05:19:37.335" v="308"/>
-          <ac:inkMkLst>
-            <pc:docMk/>
-            <pc:sldMk cId="2473989168" sldId="310"/>
-            <ac:inkMk id="37" creationId="{96B02AD0-9EBD-4838-886F-5686498348C1}"/>
-          </ac:inkMkLst>
-        </pc:inkChg>
-        <pc:inkChg chg="add">
-          <ac:chgData name="Md. Nahid Hasan" userId="S::nahid@vu.edu.bd::85ea5f9e-65d6-4031-b810-9415101f2e21" providerId="AD" clId="Web-{F0E2ADE9-3750-4361-9C94-74FC935C4F87}" dt="2020-07-07T05:19:47.226" v="309"/>
-          <ac:inkMkLst>
-            <pc:docMk/>
-            <pc:sldMk cId="2473989168" sldId="310"/>
-            <ac:inkMk id="38" creationId="{1238A1DF-9A73-49CC-AAF4-F9F2FFF73DAA}"/>
-          </ac:inkMkLst>
-        </pc:inkChg>
-        <pc:inkChg chg="add">
-          <ac:chgData name="Md. Nahid Hasan" userId="S::nahid@vu.edu.bd::85ea5f9e-65d6-4031-b810-9415101f2e21" providerId="AD" clId="Web-{F0E2ADE9-3750-4361-9C94-74FC935C4F87}" dt="2020-07-07T05:19:57.898" v="310"/>
-          <ac:inkMkLst>
-            <pc:docMk/>
-            <pc:sldMk cId="2473989168" sldId="310"/>
-            <ac:inkMk id="39" creationId="{C7762DB5-5138-4AD6-BE16-40BFD1BD7C2A}"/>
-          </ac:inkMkLst>
-        </pc:inkChg>
-        <pc:inkChg chg="add">
-          <ac:chgData name="Md. Nahid Hasan" userId="S::nahid@vu.edu.bd::85ea5f9e-65d6-4031-b810-9415101f2e21" providerId="AD" clId="Web-{F0E2ADE9-3750-4361-9C94-74FC935C4F87}" dt="2020-07-07T05:20:11.476" v="311"/>
-          <ac:inkMkLst>
-            <pc:docMk/>
-            <pc:sldMk cId="2473989168" sldId="310"/>
-            <ac:inkMk id="40" creationId="{5B9070AA-778A-4343-ADC0-5EDFC4E5E30B}"/>
-          </ac:inkMkLst>
-        </pc:inkChg>
-        <pc:inkChg chg="add">
-          <ac:chgData name="Md. Nahid Hasan" userId="S::nahid@vu.edu.bd::85ea5f9e-65d6-4031-b810-9415101f2e21" providerId="AD" clId="Web-{F0E2ADE9-3750-4361-9C94-74FC935C4F87}" dt="2020-07-07T05:20:18.257" v="312"/>
-          <ac:inkMkLst>
-            <pc:docMk/>
-            <pc:sldMk cId="2473989168" sldId="310"/>
-            <ac:inkMk id="41" creationId="{1F2B658B-D705-4241-86AA-E7DC3CC9E75F}"/>
-          </ac:inkMkLst>
-        </pc:inkChg>
-        <pc:inkChg chg="add">
-          <ac:chgData name="Md. Nahid Hasan" userId="S::nahid@vu.edu.bd::85ea5f9e-65d6-4031-b810-9415101f2e21" providerId="AD" clId="Web-{F0E2ADE9-3750-4361-9C94-74FC935C4F87}" dt="2020-07-07T05:20:25.070" v="313"/>
-          <ac:inkMkLst>
-            <pc:docMk/>
-            <pc:sldMk cId="2473989168" sldId="310"/>
-            <ac:inkMk id="42" creationId="{1670E655-F62B-4D14-A307-3946E9DF4FB8}"/>
-          </ac:inkMkLst>
-        </pc:inkChg>
-        <pc:inkChg chg="add">
-          <ac:chgData name="Md. Nahid Hasan" userId="S::nahid@vu.edu.bd::85ea5f9e-65d6-4031-b810-9415101f2e21" providerId="AD" clId="Web-{F0E2ADE9-3750-4361-9C94-74FC935C4F87}" dt="2020-07-07T05:20:28.601" v="314"/>
-          <ac:inkMkLst>
-            <pc:docMk/>
-            <pc:sldMk cId="2473989168" sldId="310"/>
-            <ac:inkMk id="43" creationId="{9758C990-C797-40CE-B62E-1A50482A4288}"/>
-          </ac:inkMkLst>
-        </pc:inkChg>
-        <pc:inkChg chg="add">
-          <ac:chgData name="Md. Nahid Hasan" userId="S::nahid@vu.edu.bd::85ea5f9e-65d6-4031-b810-9415101f2e21" providerId="AD" clId="Web-{F0E2ADE9-3750-4361-9C94-74FC935C4F87}" dt="2020-07-07T05:20:30.445" v="315"/>
-          <ac:inkMkLst>
-            <pc:docMk/>
-            <pc:sldMk cId="2473989168" sldId="310"/>
-            <ac:inkMk id="44" creationId="{8ACB2302-E71E-4FC3-B6FF-C95EFBD932C3}"/>
-          </ac:inkMkLst>
-        </pc:inkChg>
-        <pc:inkChg chg="add">
-          <ac:chgData name="Md. Nahid Hasan" userId="S::nahid@vu.edu.bd::85ea5f9e-65d6-4031-b810-9415101f2e21" providerId="AD" clId="Web-{F0E2ADE9-3750-4361-9C94-74FC935C4F87}" dt="2020-07-07T05:20:39.601" v="316"/>
-          <ac:inkMkLst>
-            <pc:docMk/>
-            <pc:sldMk cId="2473989168" sldId="310"/>
-            <ac:inkMk id="45" creationId="{9B75E0CA-B9FD-4698-968B-BDA8B1396541}"/>
-          </ac:inkMkLst>
-        </pc:inkChg>
-        <pc:inkChg chg="add">
-          <ac:chgData name="Md. Nahid Hasan" userId="S::nahid@vu.edu.bd::85ea5f9e-65d6-4031-b810-9415101f2e21" providerId="AD" clId="Web-{F0E2ADE9-3750-4361-9C94-74FC935C4F87}" dt="2020-07-07T05:21:19.664" v="317"/>
-          <ac:inkMkLst>
-            <pc:docMk/>
-            <pc:sldMk cId="2473989168" sldId="310"/>
-            <ac:inkMk id="46" creationId="{ED280363-C838-4213-B387-FA8D64484960}"/>
-          </ac:inkMkLst>
-        </pc:inkChg>
-        <pc:inkChg chg="add">
-          <ac:chgData name="Md. Nahid Hasan" userId="S::nahid@vu.edu.bd::85ea5f9e-65d6-4031-b810-9415101f2e21" providerId="AD" clId="Web-{F0E2ADE9-3750-4361-9C94-74FC935C4F87}" dt="2020-07-07T05:21:48.992" v="318"/>
-          <ac:inkMkLst>
-            <pc:docMk/>
-            <pc:sldMk cId="2473989168" sldId="310"/>
-            <ac:inkMk id="47" creationId="{2A73E5F3-24F6-41D5-95EE-5E95C04B4BE3}"/>
-          </ac:inkMkLst>
-        </pc:inkChg>
-        <pc:inkChg chg="add">
-          <ac:chgData name="Md. Nahid Hasan" userId="S::nahid@vu.edu.bd::85ea5f9e-65d6-4031-b810-9415101f2e21" providerId="AD" clId="Web-{F0E2ADE9-3750-4361-9C94-74FC935C4F87}" dt="2020-07-07T05:21:50.742" v="319"/>
-          <ac:inkMkLst>
-            <pc:docMk/>
-            <pc:sldMk cId="2473989168" sldId="310"/>
-            <ac:inkMk id="48" creationId="{C5B724E7-A9BF-44A6-82B7-5800888D4DC8}"/>
-          </ac:inkMkLst>
-        </pc:inkChg>
-        <pc:inkChg chg="add">
-          <ac:chgData name="Md. Nahid Hasan" userId="S::nahid@vu.edu.bd::85ea5f9e-65d6-4031-b810-9415101f2e21" providerId="AD" clId="Web-{F0E2ADE9-3750-4361-9C94-74FC935C4F87}" dt="2020-07-07T05:21:58.586" v="320"/>
-          <ac:inkMkLst>
-            <pc:docMk/>
-            <pc:sldMk cId="2473989168" sldId="310"/>
-            <ac:inkMk id="49" creationId="{F1A8861B-4C6A-4FB0-ACDE-9F7F1AD8A749}"/>
-          </ac:inkMkLst>
-        </pc:inkChg>
       </pc:sldChg>
     </pc:docChg>
   </pc:docChgLst>
@@ -3342,14 +390,6 @@
           <pc:docMk/>
           <pc:sldMk cId="1948815503" sldId="276"/>
         </pc:sldMkLst>
-        <pc:spChg chg="mod">
-          <ac:chgData name="Md. Nahid Hasan" userId="S::nahid@vu.edu.bd::85ea5f9e-65d6-4031-b810-9415101f2e21" providerId="AD" clId="Web-{C58C5222-22F8-4AFC-AF94-75B68F62C89D}" dt="2020-10-07T06:37:48.682" v="2" actId="20577"/>
-          <ac:spMkLst>
-            <pc:docMk/>
-            <pc:sldMk cId="1948815503" sldId="276"/>
-            <ac:spMk id="5" creationId="{00000000-0000-0000-0000-000000000000}"/>
-          </ac:spMkLst>
-        </pc:spChg>
       </pc:sldChg>
       <pc:sldChg chg="addAnim modAnim">
         <pc:chgData name="Md. Nahid Hasan" userId="S::nahid@vu.edu.bd::85ea5f9e-65d6-4031-b810-9415101f2e21" providerId="AD" clId="Web-{C58C5222-22F8-4AFC-AF94-75B68F62C89D}" dt="2020-10-07T06:38:16.402" v="6"/>
@@ -3357,6 +397,45 @@
           <pc:docMk/>
           <pc:sldMk cId="1168690363" sldId="287"/>
         </pc:sldMkLst>
+      </pc:sldChg>
+    </pc:docChg>
+  </pc:docChgLst>
+  <pc:docChgLst>
+    <pc:chgData name="RAFIUL ISLAM RAFI" userId="S::241311142@vu.edu.bd::1531b9ca-00b1-4095-83f8-a6f2db2016a6" providerId="AD" clId="Web-{5B661486-4C47-1C65-741E-8C2C6B0C9E80}"/>
+    <pc:docChg chg="modSld">
+      <pc:chgData name="RAFIUL ISLAM RAFI" userId="S::241311142@vu.edu.bd::1531b9ca-00b1-4095-83f8-a6f2db2016a6" providerId="AD" clId="Web-{5B661486-4C47-1C65-741E-8C2C6B0C9E80}" dt="2025-08-07T10:46:38.819" v="4" actId="1076"/>
+      <pc:docMkLst>
+        <pc:docMk/>
+      </pc:docMkLst>
+      <pc:sldChg chg="modSp">
+        <pc:chgData name="RAFIUL ISLAM RAFI" userId="S::241311142@vu.edu.bd::1531b9ca-00b1-4095-83f8-a6f2db2016a6" providerId="AD" clId="Web-{5B661486-4C47-1C65-741E-8C2C6B0C9E80}" dt="2025-08-07T10:46:38.819" v="4" actId="1076"/>
+        <pc:sldMkLst>
+          <pc:docMk/>
+          <pc:sldMk cId="4053465405" sldId="261"/>
+        </pc:sldMkLst>
+        <pc:picChg chg="mod">
+          <ac:chgData name="RAFIUL ISLAM RAFI" userId="S::241311142@vu.edu.bd::1531b9ca-00b1-4095-83f8-a6f2db2016a6" providerId="AD" clId="Web-{5B661486-4C47-1C65-741E-8C2C6B0C9E80}" dt="2025-08-07T10:46:38.819" v="4" actId="1076"/>
+          <ac:picMkLst>
+            <pc:docMk/>
+            <pc:sldMk cId="4053465405" sldId="261"/>
+            <ac:picMk id="3074" creationId="{00000000-0000-0000-0000-000000000000}"/>
+          </ac:picMkLst>
+        </pc:picChg>
+      </pc:sldChg>
+      <pc:sldChg chg="modSp">
+        <pc:chgData name="RAFIUL ISLAM RAFI" userId="S::241311142@vu.edu.bd::1531b9ca-00b1-4095-83f8-a6f2db2016a6" providerId="AD" clId="Web-{5B661486-4C47-1C65-741E-8C2C6B0C9E80}" dt="2025-08-07T10:43:26.096" v="2" actId="20577"/>
+        <pc:sldMkLst>
+          <pc:docMk/>
+          <pc:sldMk cId="2946233076" sldId="281"/>
+        </pc:sldMkLst>
+        <pc:spChg chg="mod">
+          <ac:chgData name="RAFIUL ISLAM RAFI" userId="S::241311142@vu.edu.bd::1531b9ca-00b1-4095-83f8-a6f2db2016a6" providerId="AD" clId="Web-{5B661486-4C47-1C65-741E-8C2C6B0C9E80}" dt="2025-08-07T10:43:26.096" v="2" actId="20577"/>
+          <ac:spMkLst>
+            <pc:docMk/>
+            <pc:sldMk cId="2946233076" sldId="281"/>
+            <ac:spMk id="5" creationId="{00000000-0000-0000-0000-000000000000}"/>
+          </ac:spMkLst>
+        </pc:spChg>
       </pc:sldChg>
     </pc:docChg>
   </pc:docChgLst>
@@ -3389,14 +468,6 @@
           <pc:docMk/>
           <pc:sldMk cId="1948815503" sldId="276"/>
         </pc:sldMkLst>
-        <pc:spChg chg="mod">
-          <ac:chgData name="Md. Nahid Hasan" userId="85ea5f9e-65d6-4031-b810-9415101f2e21" providerId="ADAL" clId="{CB3FD9EC-D7D0-4DAD-8355-C3B652DD422F}" dt="2021-05-18T01:41:05.743" v="3" actId="20577"/>
-          <ac:spMkLst>
-            <pc:docMk/>
-            <pc:sldMk cId="1948815503" sldId="276"/>
-            <ac:spMk id="5" creationId="{00000000-0000-0000-0000-000000000000}"/>
-          </ac:spMkLst>
-        </pc:spChg>
       </pc:sldChg>
     </pc:docChg>
   </pc:docChgLst>
@@ -3413,22 +484,6 @@
           <pc:docMk/>
           <pc:sldMk cId="1948815503" sldId="276"/>
         </pc:sldMkLst>
-        <pc:spChg chg="mod">
-          <ac:chgData name="Md. Nahid Hasan" userId="S::nahid@vu.edu.bd::85ea5f9e-65d6-4031-b810-9415101f2e21" providerId="AD" clId="Web-{842FD00A-6C81-46A5-A7BB-4B5BFD51378A}" dt="2020-07-06T03:43:36.321" v="2" actId="14100"/>
-          <ac:spMkLst>
-            <pc:docMk/>
-            <pc:sldMk cId="1948815503" sldId="276"/>
-            <ac:spMk id="5" creationId="{00000000-0000-0000-0000-000000000000}"/>
-          </ac:spMkLst>
-        </pc:spChg>
-        <pc:cxnChg chg="mod">
-          <ac:chgData name="Md. Nahid Hasan" userId="S::nahid@vu.edu.bd::85ea5f9e-65d6-4031-b810-9415101f2e21" providerId="AD" clId="Web-{842FD00A-6C81-46A5-A7BB-4B5BFD51378A}" dt="2020-07-06T03:43:52.821" v="3" actId="1076"/>
-          <ac:cxnSpMkLst>
-            <pc:docMk/>
-            <pc:sldMk cId="1948815503" sldId="276"/>
-            <ac:cxnSpMk id="7" creationId="{00000000-0000-0000-0000-000000000000}"/>
-          </ac:cxnSpMkLst>
-        </pc:cxnChg>
       </pc:sldChg>
       <pc:sldChg chg="modSp">
         <pc:chgData name="Md. Nahid Hasan" userId="S::nahid@vu.edu.bd::85ea5f9e-65d6-4031-b810-9415101f2e21" providerId="AD" clId="Web-{842FD00A-6C81-46A5-A7BB-4B5BFD51378A}" dt="2020-07-06T03:44:13.868" v="8" actId="20577"/>
@@ -3436,14 +491,6 @@
           <pc:docMk/>
           <pc:sldMk cId="606404282" sldId="311"/>
         </pc:sldMkLst>
-        <pc:spChg chg="mod">
-          <ac:chgData name="Md. Nahid Hasan" userId="S::nahid@vu.edu.bd::85ea5f9e-65d6-4031-b810-9415101f2e21" providerId="AD" clId="Web-{842FD00A-6C81-46A5-A7BB-4B5BFD51378A}" dt="2020-07-06T03:44:13.868" v="8" actId="20577"/>
-          <ac:spMkLst>
-            <pc:docMk/>
-            <pc:sldMk cId="606404282" sldId="311"/>
-            <ac:spMk id="5" creationId="{59E54062-EB64-4A44-BD6A-64F21354C70E}"/>
-          </ac:spMkLst>
-        </pc:spChg>
       </pc:sldChg>
       <pc:sldChg chg="add replId">
         <pc:chgData name="Md. Nahid Hasan" userId="S::nahid@vu.edu.bd::85ea5f9e-65d6-4031-b810-9415101f2e21" providerId="AD" clId="Web-{842FD00A-6C81-46A5-A7BB-4B5BFD51378A}" dt="2020-07-06T04:02:05.370" v="11"/>
@@ -3794,7 +841,7 @@
             <a:fld id="{82C74C3E-D0CF-4814-B73A-9869922AC6AB}" type="datetimeFigureOut">
               <a:rPr lang="en-US" smtClean="0"/>
               <a:pPr/>
-              <a:t>1/22/2025</a:t>
+              <a:t>8/16/2025</a:t>
             </a:fld>
             <a:endParaRPr lang="en-US"/>
           </a:p>
@@ -4650,7 +1697,7 @@
             <a:fld id="{29EDC2C2-7590-430B-89DB-546BBE799D13}" type="datetimeFigureOut">
               <a:rPr lang="en-US" smtClean="0"/>
               <a:pPr/>
-              <a:t>1/22/2025</a:t>
+              <a:t>8/16/2025</a:t>
             </a:fld>
             <a:endParaRPr lang="en-US"/>
           </a:p>
@@ -4948,7 +1995,7 @@
             <a:fld id="{29EDC2C2-7590-430B-89DB-546BBE799D13}" type="datetimeFigureOut">
               <a:rPr lang="en-US" smtClean="0"/>
               <a:pPr/>
-              <a:t>1/22/2025</a:t>
+              <a:t>8/16/2025</a:t>
             </a:fld>
             <a:endParaRPr lang="en-US"/>
           </a:p>
@@ -5198,7 +2245,7 @@
             <a:fld id="{29EDC2C2-7590-430B-89DB-546BBE799D13}" type="datetimeFigureOut">
               <a:rPr lang="en-US" smtClean="0"/>
               <a:pPr/>
-              <a:t>1/22/2025</a:t>
+              <a:t>8/16/2025</a:t>
             </a:fld>
             <a:endParaRPr lang="en-US"/>
           </a:p>
@@ -5740,7 +2787,7 @@
             <a:fld id="{29EDC2C2-7590-430B-89DB-546BBE799D13}" type="datetimeFigureOut">
               <a:rPr lang="en-US" smtClean="0"/>
               <a:pPr/>
-              <a:t>1/22/2025</a:t>
+              <a:t>8/16/2025</a:t>
             </a:fld>
             <a:endParaRPr lang="en-US"/>
           </a:p>
@@ -5990,7 +3037,7 @@
             <a:fld id="{29EDC2C2-7590-430B-89DB-546BBE799D13}" type="datetimeFigureOut">
               <a:rPr lang="en-US" smtClean="0"/>
               <a:pPr/>
-              <a:t>1/22/2025</a:t>
+              <a:t>8/16/2025</a:t>
             </a:fld>
             <a:endParaRPr lang="en-US"/>
           </a:p>
@@ -6524,7 +3571,7 @@
             <a:fld id="{29EDC2C2-7590-430B-89DB-546BBE799D13}" type="datetimeFigureOut">
               <a:rPr lang="en-US" smtClean="0"/>
               <a:pPr/>
-              <a:t>1/22/2025</a:t>
+              <a:t>8/16/2025</a:t>
             </a:fld>
             <a:endParaRPr lang="en-US"/>
           </a:p>
@@ -6823,7 +3870,7 @@
             <a:fld id="{29EDC2C2-7590-430B-89DB-546BBE799D13}" type="datetimeFigureOut">
               <a:rPr lang="en-US" smtClean="0"/>
               <a:pPr/>
-              <a:t>1/22/2025</a:t>
+              <a:t>8/16/2025</a:t>
             </a:fld>
             <a:endParaRPr lang="en-US"/>
           </a:p>
@@ -6999,7 +4046,7 @@
             <a:fld id="{29EDC2C2-7590-430B-89DB-546BBE799D13}" type="datetimeFigureOut">
               <a:rPr lang="en-US" smtClean="0"/>
               <a:pPr/>
-              <a:t>1/22/2025</a:t>
+              <a:t>8/16/2025</a:t>
             </a:fld>
             <a:endParaRPr lang="en-US"/>
           </a:p>
@@ -7181,7 +4228,7 @@
             <a:fld id="{29EDC2C2-7590-430B-89DB-546BBE799D13}" type="datetimeFigureOut">
               <a:rPr lang="en-US" smtClean="0"/>
               <a:pPr/>
-              <a:t>1/22/2025</a:t>
+              <a:t>8/16/2025</a:t>
             </a:fld>
             <a:endParaRPr lang="en-US"/>
           </a:p>
@@ -7353,7 +4400,7 @@
             <a:fld id="{29EDC2C2-7590-430B-89DB-546BBE799D13}" type="datetimeFigureOut">
               <a:rPr lang="en-US" smtClean="0"/>
               <a:pPr/>
-              <a:t>1/22/2025</a:t>
+              <a:t>8/16/2025</a:t>
             </a:fld>
             <a:endParaRPr lang="en-US"/>
           </a:p>
@@ -7606,7 +4653,7 @@
             <a:fld id="{29EDC2C2-7590-430B-89DB-546BBE799D13}" type="datetimeFigureOut">
               <a:rPr lang="en-US" smtClean="0"/>
               <a:pPr/>
-              <a:t>1/22/2025</a:t>
+              <a:t>8/16/2025</a:t>
             </a:fld>
             <a:endParaRPr lang="en-US"/>
           </a:p>
@@ -7905,7 +4952,7 @@
             <a:fld id="{29EDC2C2-7590-430B-89DB-546BBE799D13}" type="datetimeFigureOut">
               <a:rPr lang="en-US" smtClean="0"/>
               <a:pPr/>
-              <a:t>1/22/2025</a:t>
+              <a:t>8/16/2025</a:t>
             </a:fld>
             <a:endParaRPr lang="en-US"/>
           </a:p>
@@ -8349,7 +5396,7 @@
             <a:fld id="{29EDC2C2-7590-430B-89DB-546BBE799D13}" type="datetimeFigureOut">
               <a:rPr lang="en-US" smtClean="0"/>
               <a:pPr/>
-              <a:t>1/22/2025</a:t>
+              <a:t>8/16/2025</a:t>
             </a:fld>
             <a:endParaRPr lang="en-US"/>
           </a:p>
@@ -8469,7 +5516,7 @@
             <a:fld id="{29EDC2C2-7590-430B-89DB-546BBE799D13}" type="datetimeFigureOut">
               <a:rPr lang="en-US" smtClean="0"/>
               <a:pPr/>
-              <a:t>1/22/2025</a:t>
+              <a:t>8/16/2025</a:t>
             </a:fld>
             <a:endParaRPr lang="en-US"/>
           </a:p>
@@ -8566,7 +5613,7 @@
             <a:fld id="{29EDC2C2-7590-430B-89DB-546BBE799D13}" type="datetimeFigureOut">
               <a:rPr lang="en-US" smtClean="0"/>
               <a:pPr/>
-              <a:t>1/22/2025</a:t>
+              <a:t>8/16/2025</a:t>
             </a:fld>
             <a:endParaRPr lang="en-US"/>
           </a:p>
@@ -8851,7 +5898,7 @@
             <a:fld id="{29EDC2C2-7590-430B-89DB-546BBE799D13}" type="datetimeFigureOut">
               <a:rPr lang="en-US" smtClean="0"/>
               <a:pPr/>
-              <a:t>1/22/2025</a:t>
+              <a:t>8/16/2025</a:t>
             </a:fld>
             <a:endParaRPr lang="en-US"/>
           </a:p>
@@ -9144,7 +6191,7 @@
             <a:fld id="{29EDC2C2-7590-430B-89DB-546BBE799D13}" type="datetimeFigureOut">
               <a:rPr lang="en-US" smtClean="0"/>
               <a:pPr/>
-              <a:t>1/22/2025</a:t>
+              <a:t>8/16/2025</a:t>
             </a:fld>
             <a:endParaRPr lang="en-US"/>
           </a:p>
@@ -9676,7 +6723,7 @@
             <a:fld id="{29EDC2C2-7590-430B-89DB-546BBE799D13}" type="datetimeFigureOut">
               <a:rPr lang="en-US" smtClean="0"/>
               <a:pPr/>
-              <a:t>1/22/2025</a:t>
+              <a:t>8/16/2025</a:t>
             </a:fld>
             <a:endParaRPr lang="en-US"/>
           </a:p>
@@ -10360,7 +7407,7 @@
           <a:noFill/>
         </p:spPr>
         <p:txBody>
-          <a:bodyPr wrap="square" rtlCol="0">
+          <a:bodyPr wrap="square" lIns="91440" tIns="45720" rIns="91440" bIns="45720" rtlCol="0" anchor="t">
             <a:spAutoFit/>
           </a:bodyPr>
           <a:lstStyle/>
@@ -10401,7 +7448,7 @@
             </a:pPr>
             <a:r>
               <a:rPr lang="en-US" sz="2400" dirty="0"/>
-              <a:t>Scale</a:t>
+              <a:t>Scale  </a:t>
             </a:r>
           </a:p>
           <a:p>
@@ -10654,7 +7701,7 @@
         </p:blipFill>
         <p:spPr bwMode="auto">
           <a:xfrm>
-            <a:off x="1509080" y="1397791"/>
+            <a:off x="1509080" y="1462056"/>
             <a:ext cx="9173840" cy="3782058"/>
           </a:xfrm>
           <a:prstGeom prst="rect">
@@ -18907,33 +15954,42 @@
 </file>
 
 <file path=customXml/item1.xml><?xml version="1.0" encoding="utf-8"?>
-<?mso-contentType ?>
-<FormTemplates xmlns="http://schemas.microsoft.com/sharepoint/v3/contenttype/forms">
-  <Display>DocumentLibraryForm</Display>
-  <Edit>DocumentLibraryForm</Edit>
-  <New>DocumentLibraryForm</New>
-</FormTemplates>
-</file>
-
-<file path=customXml/item2.xml><?xml version="1.0" encoding="utf-8"?>
-<p:properties xmlns:p="http://schemas.microsoft.com/office/2006/metadata/properties" xmlns:xsi="http://www.w3.org/2001/XMLSchema-instance" xmlns:pc="http://schemas.microsoft.com/office/infopath/2007/PartnerControls">
-  <documentManagement/>
-</p:properties>
-</file>
-
-<file path=customXml/item3.xml><?xml version="1.0" encoding="utf-8"?>
-<ct:contentTypeSchema xmlns:ct="http://schemas.microsoft.com/office/2006/metadata/contentType" xmlns:ma="http://schemas.microsoft.com/office/2006/metadata/properties/metaAttributes" ct:_="" ma:_="" ma:contentTypeName="Document" ma:contentTypeID="0x0101007852966F0DCB174EB292923C0D4D8D7D" ma:contentTypeVersion="0" ma:contentTypeDescription="Create a new document." ma:contentTypeScope="" ma:versionID="a868c1d1b008a6a1a2a1bec3f557c865">
-  <xsd:schema xmlns:xsd="http://www.w3.org/2001/XMLSchema" xmlns:xs="http://www.w3.org/2001/XMLSchema" xmlns:p="http://schemas.microsoft.com/office/2006/metadata/properties" targetNamespace="http://schemas.microsoft.com/office/2006/metadata/properties" ma:root="true" ma:fieldsID="b764bea3eb9b1a5be8fd57fac5fb459b">
+<ct:contentTypeSchema xmlns:ct="http://schemas.microsoft.com/office/2006/metadata/contentType" xmlns:ma="http://schemas.microsoft.com/office/2006/metadata/properties/metaAttributes" ct:_="" ma:_="" ma:contentTypeName="Document" ma:contentTypeID="0x0101007852966F0DCB174EB292923C0D4D8D7D" ma:contentTypeVersion="3" ma:contentTypeDescription="Create a new document." ma:contentTypeScope="" ma:versionID="eeed69bd77efcfeab31f51872eacebfe">
+  <xsd:schema xmlns:xsd="http://www.w3.org/2001/XMLSchema" xmlns:xs="http://www.w3.org/2001/XMLSchema" xmlns:p="http://schemas.microsoft.com/office/2006/metadata/properties" xmlns:ns2="5e5b48b9-56ea-4e7f-bbcc-91ef0f5a1608" targetNamespace="http://schemas.microsoft.com/office/2006/metadata/properties" ma:root="true" ma:fieldsID="9aef76fabd1f5519d3188a87df0e9546" ns2:_="">
+    <xsd:import namespace="5e5b48b9-56ea-4e7f-bbcc-91ef0f5a1608"/>
     <xsd:element name="properties">
       <xsd:complexType>
         <xsd:sequence>
           <xsd:element name="documentManagement">
             <xsd:complexType>
-              <xsd:all/>
+              <xsd:all>
+                <xsd:element ref="ns2:MediaServiceMetadata" minOccurs="0"/>
+                <xsd:element ref="ns2:MediaServiceFastMetadata" minOccurs="0"/>
+                <xsd:element ref="ns2:MediaServiceSearchProperties" minOccurs="0"/>
+              </xsd:all>
             </xsd:complexType>
           </xsd:element>
         </xsd:sequence>
       </xsd:complexType>
+    </xsd:element>
+  </xsd:schema>
+  <xsd:schema xmlns:xsd="http://www.w3.org/2001/XMLSchema" xmlns:xs="http://www.w3.org/2001/XMLSchema" xmlns:dms="http://schemas.microsoft.com/office/2006/documentManagement/types" xmlns:pc="http://schemas.microsoft.com/office/infopath/2007/PartnerControls" targetNamespace="5e5b48b9-56ea-4e7f-bbcc-91ef0f5a1608" elementFormDefault="qualified">
+    <xsd:import namespace="http://schemas.microsoft.com/office/2006/documentManagement/types"/>
+    <xsd:import namespace="http://schemas.microsoft.com/office/infopath/2007/PartnerControls"/>
+    <xsd:element name="MediaServiceMetadata" ma:index="8" nillable="true" ma:displayName="MediaServiceMetadata" ma:hidden="true" ma:internalName="MediaServiceMetadata" ma:readOnly="true">
+      <xsd:simpleType>
+        <xsd:restriction base="dms:Note"/>
+      </xsd:simpleType>
+    </xsd:element>
+    <xsd:element name="MediaServiceFastMetadata" ma:index="9" nillable="true" ma:displayName="MediaServiceFastMetadata" ma:hidden="true" ma:internalName="MediaServiceFastMetadata" ma:readOnly="true">
+      <xsd:simpleType>
+        <xsd:restriction base="dms:Note"/>
+      </xsd:simpleType>
+    </xsd:element>
+    <xsd:element name="MediaServiceSearchProperties" ma:index="10" nillable="true" ma:displayName="MediaServiceSearchProperties" ma:hidden="true" ma:internalName="MediaServiceSearchProperties" ma:readOnly="true">
+      <xsd:simpleType>
+        <xsd:restriction base="dms:Note"/>
+      </xsd:simpleType>
     </xsd:element>
   </xsd:schema>
   <xsd:schema xmlns="http://schemas.openxmlformats.org/package/2006/metadata/core-properties" xmlns:xsd="http://www.w3.org/2001/XMLSchema" xmlns:xsi="http://www.w3.org/2001/XMLSchema-instance" xmlns:dc="http://purl.org/dc/elements/1.1/" xmlns:dcterms="http://purl.org/dc/terms/" xmlns:odoc="http://schemas.microsoft.com/internal/obd" targetNamespace="http://schemas.openxmlformats.org/package/2006/metadata/core-properties" elementFormDefault="qualified" attributeFormDefault="unqualified" blockDefault="#all">
@@ -19035,7 +16091,40 @@
 </ct:contentTypeSchema>
 </file>
 
+<file path=customXml/item2.xml><?xml version="1.0" encoding="utf-8"?>
+<?mso-contentType ?>
+<FormTemplates xmlns="http://schemas.microsoft.com/sharepoint/v3/contenttype/forms">
+  <Display>DocumentLibraryForm</Display>
+  <Edit>DocumentLibraryForm</Edit>
+  <New>DocumentLibraryForm</New>
+</FormTemplates>
+</file>
+
+<file path=customXml/item3.xml><?xml version="1.0" encoding="utf-8"?>
+<p:properties xmlns:p="http://schemas.microsoft.com/office/2006/metadata/properties" xmlns:xsi="http://www.w3.org/2001/XMLSchema-instance" xmlns:pc="http://schemas.microsoft.com/office/infopath/2007/PartnerControls">
+  <documentManagement/>
+</p:properties>
+</file>
+
 <file path=customXml/itemProps1.xml><?xml version="1.0" encoding="utf-8"?>
+<ds:datastoreItem xmlns:ds="http://schemas.openxmlformats.org/officeDocument/2006/customXml" ds:itemID="{E6EE2C66-E80B-4503-9046-7675EC908060}">
+  <ds:schemaRefs>
+    <ds:schemaRef ds:uri="http://schemas.microsoft.com/office/2006/metadata/contentType"/>
+    <ds:schemaRef ds:uri="http://schemas.microsoft.com/office/2006/metadata/properties/metaAttributes"/>
+    <ds:schemaRef ds:uri="http://www.w3.org/2001/XMLSchema"/>
+    <ds:schemaRef ds:uri="http://schemas.microsoft.com/office/2006/metadata/properties"/>
+    <ds:schemaRef ds:uri="5e5b48b9-56ea-4e7f-bbcc-91ef0f5a1608"/>
+    <ds:schemaRef ds:uri="http://schemas.microsoft.com/office/2006/documentManagement/types"/>
+    <ds:schemaRef ds:uri="http://schemas.microsoft.com/office/infopath/2007/PartnerControls"/>
+    <ds:schemaRef ds:uri="http://schemas.openxmlformats.org/package/2006/metadata/core-properties"/>
+    <ds:schemaRef ds:uri="http://purl.org/dc/elements/1.1/"/>
+    <ds:schemaRef ds:uri="http://purl.org/dc/terms/"/>
+    <ds:schemaRef ds:uri="http://schemas.microsoft.com/internal/obd"/>
+  </ds:schemaRefs>
+</ds:datastoreItem>
+</file>
+
+<file path=customXml/itemProps2.xml><?xml version="1.0" encoding="utf-8"?>
 <ds:datastoreItem xmlns:ds="http://schemas.openxmlformats.org/officeDocument/2006/customXml" ds:itemID="{648687AD-6076-4833-ABB2-675D8B18EB2F}">
   <ds:schemaRefs>
     <ds:schemaRef ds:uri="http://schemas.microsoft.com/sharepoint/v3/contenttype/forms"/>
@@ -19043,15 +16132,11 @@
 </ds:datastoreItem>
 </file>
 
-<file path=customXml/itemProps2.xml><?xml version="1.0" encoding="utf-8"?>
+<file path=customXml/itemProps3.xml><?xml version="1.0" encoding="utf-8"?>
 <ds:datastoreItem xmlns:ds="http://schemas.openxmlformats.org/officeDocument/2006/customXml" ds:itemID="{BE2B7AA9-A68C-4EF2-B3E7-269E77F47A65}">
   <ds:schemaRefs>
     <ds:schemaRef ds:uri="http://schemas.microsoft.com/office/2006/metadata/properties"/>
     <ds:schemaRef ds:uri="http://schemas.microsoft.com/office/infopath/2007/PartnerControls"/>
   </ds:schemaRefs>
 </ds:datastoreItem>
-</file>
-
-<file path=customXml/itemProps3.xml><?xml version="1.0" encoding="utf-8"?>
-<ds:datastoreItem xmlns:ds="http://schemas.openxmlformats.org/officeDocument/2006/customXml" ds:itemID="{9767D316-5A7C-4FBC-8722-A6112D760B77}"/>
 </file>